--- a/4 step slide-v2.pptx
+++ b/4 step slide-v2.pptx
@@ -519,6 +519,9 @@
           <a:bodyPr/>
           <a:lstStyle/>
           <a:p>
+            <a:endParaRPr lang="en-US" dirty="0"/>
+          </a:p>
+          <a:p>
             <a:r>
               <a:rPr lang="en-US" dirty="0"/>
               <a:t>Option Explicit</a:t>
@@ -574,6 +577,12 @@
             </a:r>
           </a:p>
           <a:p>
+            <a:r>
+              <a:rPr lang="en-US" dirty="0"/>
+              <a:t>Private Const CONFIG_SHEET_NAME As String = "Config"</a:t>
+            </a:r>
+          </a:p>
+          <a:p>
             <a:endParaRPr lang="en-US" dirty="0"/>
           </a:p>
           <a:p>
@@ -585,11 +594,496 @@
           <a:p>
             <a:r>
               <a:rPr lang="en-US" dirty="0"/>
-              <a:t>' </a:t>
-            </a:r>
-            <a:r>
-              <a:rPr lang="en-US" dirty="0" err="1"/>
-              <a:t>GetDataHeaders</a:t>
+              <a:t>' Main Entry Point: Submit Intake Form</a:t>
+            </a:r>
+          </a:p>
+          <a:p>
+            <a:r>
+              <a:rPr lang="en-US" dirty="0"/>
+              <a:t>'-------------------------------------------------------------------</a:t>
+            </a:r>
+          </a:p>
+          <a:p>
+            <a:r>
+              <a:rPr lang="en-US" dirty="0"/>
+              <a:t>Public Sub </a:t>
+            </a:r>
+            <a:r>
+              <a:rPr lang="en-US" dirty="0" err="1"/>
+              <a:t>SubmitIntake</a:t>
+            </a:r>
+            <a:r>
+              <a:rPr lang="en-US" dirty="0"/>
+              <a:t>()</a:t>
+            </a:r>
+          </a:p>
+          <a:p>
+            <a:r>
+              <a:rPr lang="en-US" dirty="0"/>
+              <a:t>    On Error </a:t>
+            </a:r>
+            <a:r>
+              <a:rPr lang="en-US" dirty="0" err="1"/>
+              <a:t>GoTo</a:t>
+            </a:r>
+            <a:r>
+              <a:rPr lang="en-US" dirty="0"/>
+              <a:t> </a:t>
+            </a:r>
+            <a:r>
+              <a:rPr lang="en-US" dirty="0" err="1"/>
+              <a:t>ErrHandler</a:t>
+            </a:r>
+            <a:endParaRPr lang="en-US" dirty="0"/>
+          </a:p>
+          <a:p>
+            <a:r>
+              <a:rPr lang="en-US" dirty="0"/>
+              <a:t>    </a:t>
+            </a:r>
+          </a:p>
+          <a:p>
+            <a:r>
+              <a:rPr lang="en-US" dirty="0"/>
+              <a:t>    </a:t>
+            </a:r>
+            <a:r>
+              <a:rPr lang="en-US" dirty="0" err="1"/>
+              <a:t>Application.ScreenUpdating</a:t>
+            </a:r>
+            <a:r>
+              <a:rPr lang="en-US" dirty="0"/>
+              <a:t> = False</a:t>
+            </a:r>
+          </a:p>
+          <a:p>
+            <a:r>
+              <a:rPr lang="en-US" dirty="0"/>
+              <a:t>    </a:t>
+            </a:r>
+            <a:r>
+              <a:rPr lang="en-US" dirty="0" err="1"/>
+              <a:t>Application.EnableEvents</a:t>
+            </a:r>
+            <a:r>
+              <a:rPr lang="en-US" dirty="0"/>
+              <a:t> = False</a:t>
+            </a:r>
+          </a:p>
+          <a:p>
+            <a:r>
+              <a:rPr lang="en-US" dirty="0"/>
+              <a:t>    </a:t>
+            </a:r>
+          </a:p>
+          <a:p>
+            <a:r>
+              <a:rPr lang="en-US" dirty="0"/>
+              <a:t>    ' Initialize worksheets</a:t>
+            </a:r>
+          </a:p>
+          <a:p>
+            <a:r>
+              <a:rPr lang="en-US" dirty="0"/>
+              <a:t>    Dim </a:t>
+            </a:r>
+            <a:r>
+              <a:rPr lang="en-US" dirty="0" err="1"/>
+              <a:t>wsInput</a:t>
+            </a:r>
+            <a:r>
+              <a:rPr lang="en-US" dirty="0"/>
+              <a:t> As Worksheet, </a:t>
+            </a:r>
+            <a:r>
+              <a:rPr lang="en-US" dirty="0" err="1"/>
+              <a:t>wsData</a:t>
+            </a:r>
+            <a:r>
+              <a:rPr lang="en-US" dirty="0"/>
+              <a:t> As Worksheet</a:t>
+            </a:r>
+          </a:p>
+          <a:p>
+            <a:r>
+              <a:rPr lang="en-US" dirty="0"/>
+              <a:t>    Set </a:t>
+            </a:r>
+            <a:r>
+              <a:rPr lang="en-US" dirty="0" err="1"/>
+              <a:t>wsInput</a:t>
+            </a:r>
+            <a:r>
+              <a:rPr lang="en-US" dirty="0"/>
+              <a:t> = </a:t>
+            </a:r>
+            <a:r>
+              <a:rPr lang="en-US" dirty="0" err="1"/>
+              <a:t>ThisWorkbook.Worksheets</a:t>
+            </a:r>
+            <a:r>
+              <a:rPr lang="en-US" dirty="0"/>
+              <a:t>(INPUT_SHEET_NAME)</a:t>
+            </a:r>
+          </a:p>
+          <a:p>
+            <a:r>
+              <a:rPr lang="en-US" dirty="0"/>
+              <a:t>    Set </a:t>
+            </a:r>
+            <a:r>
+              <a:rPr lang="en-US" dirty="0" err="1"/>
+              <a:t>wsData</a:t>
+            </a:r>
+            <a:r>
+              <a:rPr lang="en-US" dirty="0"/>
+              <a:t> = </a:t>
+            </a:r>
+            <a:r>
+              <a:rPr lang="en-US" dirty="0" err="1"/>
+              <a:t>ThisWorkbook.Worksheets</a:t>
+            </a:r>
+            <a:r>
+              <a:rPr lang="en-US" dirty="0"/>
+              <a:t>(DATA_SHEET_NAME)</a:t>
+            </a:r>
+          </a:p>
+          <a:p>
+            <a:r>
+              <a:rPr lang="en-US" dirty="0"/>
+              <a:t>    </a:t>
+            </a:r>
+          </a:p>
+          <a:p>
+            <a:r>
+              <a:rPr lang="en-US" dirty="0"/>
+              <a:t>    ' 1. VALIDATE: Check required fields</a:t>
+            </a:r>
+          </a:p>
+          <a:p>
+            <a:r>
+              <a:rPr lang="en-US" dirty="0"/>
+              <a:t>    If Not </a:t>
+            </a:r>
+            <a:r>
+              <a:rPr lang="en-US" dirty="0" err="1"/>
+              <a:t>ValidateFormData</a:t>
+            </a:r>
+            <a:r>
+              <a:rPr lang="en-US" dirty="0"/>
+              <a:t>(</a:t>
+            </a:r>
+            <a:r>
+              <a:rPr lang="en-US" dirty="0" err="1"/>
+              <a:t>wsInput</a:t>
+            </a:r>
+            <a:r>
+              <a:rPr lang="en-US" dirty="0"/>
+              <a:t>) Then</a:t>
+            </a:r>
+          </a:p>
+          <a:p>
+            <a:r>
+              <a:rPr lang="en-US" dirty="0"/>
+              <a:t>        </a:t>
+            </a:r>
+            <a:r>
+              <a:rPr lang="en-US" dirty="0" err="1"/>
+              <a:t>MsgBox</a:t>
+            </a:r>
+            <a:r>
+              <a:rPr lang="en-US" dirty="0"/>
+              <a:t> "Please fill in all required fields", </a:t>
+            </a:r>
+            <a:r>
+              <a:rPr lang="en-US" dirty="0" err="1"/>
+              <a:t>vbExclamation</a:t>
+            </a:r>
+            <a:endParaRPr lang="en-US" dirty="0"/>
+          </a:p>
+          <a:p>
+            <a:r>
+              <a:rPr lang="en-US" dirty="0"/>
+              <a:t>        </a:t>
+            </a:r>
+            <a:r>
+              <a:rPr lang="en-US" dirty="0" err="1"/>
+              <a:t>GoTo</a:t>
+            </a:r>
+            <a:r>
+              <a:rPr lang="en-US" dirty="0"/>
+              <a:t> </a:t>
+            </a:r>
+            <a:r>
+              <a:rPr lang="en-US" dirty="0" err="1"/>
+              <a:t>CleanExit</a:t>
+            </a:r>
+            <a:endParaRPr lang="en-US" dirty="0"/>
+          </a:p>
+          <a:p>
+            <a:r>
+              <a:rPr lang="en-US" dirty="0"/>
+              <a:t>    End If</a:t>
+            </a:r>
+          </a:p>
+          <a:p>
+            <a:r>
+              <a:rPr lang="en-US" dirty="0"/>
+              <a:t>    </a:t>
+            </a:r>
+          </a:p>
+          <a:p>
+            <a:r>
+              <a:rPr lang="en-US" dirty="0"/>
+              <a:t>    ' 2. GET NEW ID: Calculate next entry ID</a:t>
+            </a:r>
+          </a:p>
+          <a:p>
+            <a:r>
+              <a:rPr lang="en-US" dirty="0"/>
+              <a:t>    Dim </a:t>
+            </a:r>
+            <a:r>
+              <a:rPr lang="en-US" dirty="0" err="1"/>
+              <a:t>entryId</a:t>
+            </a:r>
+            <a:r>
+              <a:rPr lang="en-US" dirty="0"/>
+              <a:t> As Long</a:t>
+            </a:r>
+          </a:p>
+          <a:p>
+            <a:r>
+              <a:rPr lang="en-US" dirty="0"/>
+              <a:t>    </a:t>
+            </a:r>
+            <a:r>
+              <a:rPr lang="en-US" dirty="0" err="1"/>
+              <a:t>entryId</a:t>
+            </a:r>
+            <a:r>
+              <a:rPr lang="en-US" dirty="0"/>
+              <a:t> = </a:t>
+            </a:r>
+            <a:r>
+              <a:rPr lang="en-US" dirty="0" err="1"/>
+              <a:t>GetNextEntryId</a:t>
+            </a:r>
+            <a:r>
+              <a:rPr lang="en-US" dirty="0"/>
+              <a:t>(</a:t>
+            </a:r>
+            <a:r>
+              <a:rPr lang="en-US" dirty="0" err="1"/>
+              <a:t>wsData</a:t>
+            </a:r>
+            <a:r>
+              <a:rPr lang="en-US" dirty="0"/>
+              <a:t>)</a:t>
+            </a:r>
+          </a:p>
+          <a:p>
+            <a:r>
+              <a:rPr lang="en-US" dirty="0"/>
+              <a:t>    </a:t>
+            </a:r>
+          </a:p>
+          <a:p>
+            <a:r>
+              <a:rPr lang="en-US" dirty="0"/>
+              <a:t>    ' 3. SEND EMAIL: Build and send email</a:t>
+            </a:r>
+          </a:p>
+          <a:p>
+            <a:r>
+              <a:rPr lang="en-US" dirty="0"/>
+              <a:t>    If Not </a:t>
+            </a:r>
+            <a:r>
+              <a:rPr lang="en-US" dirty="0" err="1"/>
+              <a:t>SendFormEmail</a:t>
+            </a:r>
+            <a:r>
+              <a:rPr lang="en-US" dirty="0"/>
+              <a:t>(</a:t>
+            </a:r>
+            <a:r>
+              <a:rPr lang="en-US" dirty="0" err="1"/>
+              <a:t>wsInput</a:t>
+            </a:r>
+            <a:r>
+              <a:rPr lang="en-US" dirty="0"/>
+              <a:t>, </a:t>
+            </a:r>
+            <a:r>
+              <a:rPr lang="en-US" dirty="0" err="1"/>
+              <a:t>entryId</a:t>
+            </a:r>
+            <a:r>
+              <a:rPr lang="en-US" dirty="0"/>
+              <a:t>) Then</a:t>
+            </a:r>
+          </a:p>
+          <a:p>
+            <a:r>
+              <a:rPr lang="en-US" dirty="0"/>
+              <a:t>        </a:t>
+            </a:r>
+            <a:r>
+              <a:rPr lang="en-US" dirty="0" err="1"/>
+              <a:t>GoTo</a:t>
+            </a:r>
+            <a:r>
+              <a:rPr lang="en-US" dirty="0"/>
+              <a:t> </a:t>
+            </a:r>
+            <a:r>
+              <a:rPr lang="en-US" dirty="0" err="1"/>
+              <a:t>CleanExit</a:t>
+            </a:r>
+            <a:endParaRPr lang="en-US" dirty="0"/>
+          </a:p>
+          <a:p>
+            <a:r>
+              <a:rPr lang="en-US" dirty="0"/>
+              <a:t>    End If</a:t>
+            </a:r>
+          </a:p>
+          <a:p>
+            <a:r>
+              <a:rPr lang="en-US" dirty="0"/>
+              <a:t>    </a:t>
+            </a:r>
+          </a:p>
+          <a:p>
+            <a:r>
+              <a:rPr lang="en-US" dirty="0"/>
+              <a:t>    ' 4. ACCUMULATE DATA: Store in data sheet</a:t>
+            </a:r>
+          </a:p>
+          <a:p>
+            <a:r>
+              <a:rPr lang="en-US" dirty="0"/>
+              <a:t>    </a:t>
+            </a:r>
+            <a:r>
+              <a:rPr lang="en-US" dirty="0" err="1"/>
+              <a:t>AccumulateFormData</a:t>
+            </a:r>
+            <a:r>
+              <a:rPr lang="en-US" dirty="0"/>
+              <a:t> </a:t>
+            </a:r>
+            <a:r>
+              <a:rPr lang="en-US" dirty="0" err="1"/>
+              <a:t>wsInput</a:t>
+            </a:r>
+            <a:r>
+              <a:rPr lang="en-US" dirty="0"/>
+              <a:t>, </a:t>
+            </a:r>
+            <a:r>
+              <a:rPr lang="en-US" dirty="0" err="1"/>
+              <a:t>wsData</a:t>
+            </a:r>
+            <a:r>
+              <a:rPr lang="en-US" dirty="0"/>
+              <a:t>, </a:t>
+            </a:r>
+            <a:r>
+              <a:rPr lang="en-US" dirty="0" err="1"/>
+              <a:t>entryId</a:t>
+            </a:r>
+            <a:endParaRPr lang="en-US" dirty="0"/>
+          </a:p>
+          <a:p>
+            <a:r>
+              <a:rPr lang="en-US" dirty="0"/>
+              <a:t>    </a:t>
+            </a:r>
+          </a:p>
+          <a:p>
+            <a:r>
+              <a:rPr lang="en-US" dirty="0"/>
+              <a:t>    ' 5. CLEAR FORM: Reset for next entry</a:t>
+            </a:r>
+          </a:p>
+          <a:p>
+            <a:r>
+              <a:rPr lang="en-US" dirty="0"/>
+              <a:t>    </a:t>
+            </a:r>
+            <a:r>
+              <a:rPr lang="en-US" dirty="0" err="1"/>
+              <a:t>ClearIntakeForm</a:t>
+            </a:r>
+            <a:r>
+              <a:rPr lang="en-US" dirty="0"/>
+              <a:t> </a:t>
+            </a:r>
+            <a:r>
+              <a:rPr lang="en-US" dirty="0" err="1"/>
+              <a:t>wsInput</a:t>
+            </a:r>
+            <a:endParaRPr lang="en-US" dirty="0"/>
+          </a:p>
+          <a:p>
+            <a:r>
+              <a:rPr lang="en-US" dirty="0"/>
+              <a:t>    </a:t>
+            </a:r>
+          </a:p>
+          <a:p>
+            <a:r>
+              <a:rPr lang="en-US" dirty="0"/>
+              <a:t>    </a:t>
+            </a:r>
+            <a:r>
+              <a:rPr lang="en-US" dirty="0" err="1"/>
+              <a:t>MsgBox</a:t>
+            </a:r>
+            <a:r>
+              <a:rPr lang="en-US" dirty="0"/>
+              <a:t> "Form submitted successfully!" &amp; </a:t>
+            </a:r>
+            <a:r>
+              <a:rPr lang="en-US" dirty="0" err="1"/>
+              <a:t>vbNewLine</a:t>
+            </a:r>
+            <a:r>
+              <a:rPr lang="en-US" dirty="0"/>
+              <a:t> &amp; _</a:t>
+            </a:r>
+          </a:p>
+          <a:p>
+            <a:r>
+              <a:rPr lang="en-US" dirty="0"/>
+              <a:t>           "Entry ID: " &amp; </a:t>
+            </a:r>
+            <a:r>
+              <a:rPr lang="en-US" dirty="0" err="1"/>
+              <a:t>entryId</a:t>
+            </a:r>
+            <a:r>
+              <a:rPr lang="en-US" dirty="0"/>
+              <a:t>, </a:t>
+            </a:r>
+            <a:r>
+              <a:rPr lang="en-US" dirty="0" err="1"/>
+              <a:t>vbInformation</a:t>
+            </a:r>
+            <a:endParaRPr lang="en-US" dirty="0"/>
+          </a:p>
+          <a:p>
+            <a:r>
+              <a:rPr lang="en-US" dirty="0"/>
+              <a:t>    </a:t>
+            </a:r>
+          </a:p>
+          <a:p>
+            <a:r>
+              <a:rPr lang="en-US" dirty="0" err="1"/>
+              <a:t>CleanExit</a:t>
             </a:r>
             <a:r>
               <a:rPr lang="en-US" dirty="0"/>
@@ -599,26 +1093,96 @@
           <a:p>
             <a:r>
               <a:rPr lang="en-US" dirty="0"/>
-              <a:t>' Returns a 1-based array of headers.</a:t>
-            </a:r>
-          </a:p>
-          <a:p>
-            <a:r>
-              <a:rPr lang="en-US" dirty="0"/>
-              <a:t>'   Index 1: "Entry #"</a:t>
-            </a:r>
-          </a:p>
-          <a:p>
-            <a:r>
-              <a:rPr lang="en-US" dirty="0"/>
-              <a:t>'   Index 2 to (n-1): Form fields (e.g., Name, Email, etc.)</a:t>
-            </a:r>
-          </a:p>
-          <a:p>
-            <a:r>
-              <a:rPr lang="en-US" dirty="0"/>
-              <a:t>'   Index n: "Timestamp"</a:t>
-            </a:r>
+              <a:t>    </a:t>
+            </a:r>
+            <a:r>
+              <a:rPr lang="en-US" dirty="0" err="1"/>
+              <a:t>Application.ScreenUpdating</a:t>
+            </a:r>
+            <a:r>
+              <a:rPr lang="en-US" dirty="0"/>
+              <a:t> = True</a:t>
+            </a:r>
+          </a:p>
+          <a:p>
+            <a:r>
+              <a:rPr lang="en-US" dirty="0"/>
+              <a:t>    </a:t>
+            </a:r>
+            <a:r>
+              <a:rPr lang="en-US" dirty="0" err="1"/>
+              <a:t>Application.EnableEvents</a:t>
+            </a:r>
+            <a:r>
+              <a:rPr lang="en-US" dirty="0"/>
+              <a:t> = True</a:t>
+            </a:r>
+          </a:p>
+          <a:p>
+            <a:r>
+              <a:rPr lang="en-US" dirty="0"/>
+              <a:t>    Exit Sub</a:t>
+            </a:r>
+          </a:p>
+          <a:p>
+            <a:endParaRPr lang="en-US" dirty="0"/>
+          </a:p>
+          <a:p>
+            <a:r>
+              <a:rPr lang="en-US" dirty="0" err="1"/>
+              <a:t>ErrHandler</a:t>
+            </a:r>
+            <a:r>
+              <a:rPr lang="en-US" dirty="0"/>
+              <a:t>:</a:t>
+            </a:r>
+          </a:p>
+          <a:p>
+            <a:r>
+              <a:rPr lang="en-US" dirty="0"/>
+              <a:t>    </a:t>
+            </a:r>
+            <a:r>
+              <a:rPr lang="en-US" dirty="0" err="1"/>
+              <a:t>MsgBox</a:t>
+            </a:r>
+            <a:r>
+              <a:rPr lang="en-US" dirty="0"/>
+              <a:t> "Error: " &amp; </a:t>
+            </a:r>
+            <a:r>
+              <a:rPr lang="en-US" dirty="0" err="1"/>
+              <a:t>Err.Description</a:t>
+            </a:r>
+            <a:r>
+              <a:rPr lang="en-US" dirty="0"/>
+              <a:t>, </a:t>
+            </a:r>
+            <a:r>
+              <a:rPr lang="en-US" dirty="0" err="1"/>
+              <a:t>vbCritical</a:t>
+            </a:r>
+            <a:endParaRPr lang="en-US" dirty="0"/>
+          </a:p>
+          <a:p>
+            <a:r>
+              <a:rPr lang="en-US" dirty="0"/>
+              <a:t>    Resume </a:t>
+            </a:r>
+            <a:r>
+              <a:rPr lang="en-US" dirty="0" err="1"/>
+              <a:t>CleanExit</a:t>
+            </a:r>
+            <a:endParaRPr lang="en-US" dirty="0"/>
+          </a:p>
+          <a:p>
+            <a:r>
+              <a:rPr lang="en-US" dirty="0"/>
+              <a:t>End Sub</a:t>
+            </a:r>
+          </a:p>
+          <a:p>
+            <a:endParaRPr lang="en-US" dirty="0"/>
           </a:p>
           <a:p>
             <a:r>
@@ -629,15 +1193,35 @@
           <a:p>
             <a:r>
               <a:rPr lang="en-US" dirty="0"/>
+              <a:t>' Validate Form Data</a:t>
+            </a:r>
+          </a:p>
+          <a:p>
+            <a:r>
+              <a:rPr lang="en-US" dirty="0"/>
+              <a:t>'-------------------------------------------------------------------</a:t>
+            </a:r>
+          </a:p>
+          <a:p>
+            <a:r>
+              <a:rPr lang="en-US" dirty="0"/>
               <a:t>Private Function </a:t>
             </a:r>
             <a:r>
               <a:rPr lang="en-US" dirty="0" err="1"/>
-              <a:t>GetDataHeaders</a:t>
-            </a:r>
-            <a:r>
-              <a:rPr lang="en-US" dirty="0"/>
-              <a:t>() As Variant</a:t>
+              <a:t>ValidateFormData</a:t>
+            </a:r>
+            <a:r>
+              <a:rPr lang="en-US" dirty="0"/>
+              <a:t>(</a:t>
+            </a:r>
+            <a:r>
+              <a:rPr lang="en-US" dirty="0" err="1"/>
+              <a:t>ws</a:t>
+            </a:r>
+            <a:r>
+              <a:rPr lang="en-US" dirty="0"/>
+              <a:t> As Worksheet) As Boolean</a:t>
             </a:r>
           </a:p>
           <a:p>
@@ -647,11 +1231,33 @@
             </a:r>
             <a:r>
               <a:rPr lang="en-US" dirty="0" err="1"/>
-              <a:t>arr</a:t>
-            </a:r>
-            <a:r>
-              <a:rPr lang="en-US" dirty="0"/>
-              <a:t> As Variant, headers() As Variant</a:t>
+              <a:t>inputRange</a:t>
+            </a:r>
+            <a:r>
+              <a:rPr lang="en-US" dirty="0"/>
+              <a:t> As Range</a:t>
+            </a:r>
+          </a:p>
+          <a:p>
+            <a:r>
+              <a:rPr lang="en-US" dirty="0"/>
+              <a:t>    Set </a:t>
+            </a:r>
+            <a:r>
+              <a:rPr lang="en-US" dirty="0" err="1"/>
+              <a:t>inputRange</a:t>
+            </a:r>
+            <a:r>
+              <a:rPr lang="en-US" dirty="0"/>
+              <a:t> = </a:t>
+            </a:r>
+            <a:r>
+              <a:rPr lang="en-US" dirty="0" err="1"/>
+              <a:t>ws.Range</a:t>
+            </a:r>
+            <a:r>
+              <a:rPr lang="en-US" dirty="0"/>
+              <a:t>("B2:B13")  ' Adjust range as needed</a:t>
             </a:r>
           </a:p>
           <a:p>
@@ -659,25 +1265,99 @@
               <a:rPr lang="en-US" dirty="0"/>
               <a:t>    </a:t>
             </a:r>
-            <a:r>
-              <a:rPr lang="en-US" dirty="0" err="1"/>
-              <a:t>arr</a:t>
-            </a:r>
-            <a:r>
-              <a:rPr lang="en-US" dirty="0"/>
-              <a:t> = Array("Entry #", "Name", "Email", "Field 3", "Field 4", _</a:t>
-            </a:r>
-          </a:p>
-          <a:p>
-            <a:r>
-              <a:rPr lang="en-US" dirty="0"/>
-              <a:t>                "Field 5", "Field 6", "Field 7", "Field 8", "Field 9", _</a:t>
-            </a:r>
-          </a:p>
-          <a:p>
-            <a:r>
-              <a:rPr lang="en-US" dirty="0"/>
-              <a:t>                "Field 10", "Field 11", "Field 12", "Timestamp")</a:t>
+          </a:p>
+          <a:p>
+            <a:r>
+              <a:rPr lang="en-US" dirty="0"/>
+              <a:t>    Dim cell As Range</a:t>
+            </a:r>
+          </a:p>
+          <a:p>
+            <a:r>
+              <a:rPr lang="en-US" dirty="0"/>
+              <a:t>    For Each cell In </a:t>
+            </a:r>
+            <a:r>
+              <a:rPr lang="en-US" dirty="0" err="1"/>
+              <a:t>inputRange</a:t>
+            </a:r>
+            <a:endParaRPr lang="en-US" dirty="0"/>
+          </a:p>
+          <a:p>
+            <a:r>
+              <a:rPr lang="en-US" dirty="0"/>
+              <a:t>        If </a:t>
+            </a:r>
+            <a:r>
+              <a:rPr lang="en-US" dirty="0" err="1"/>
+              <a:t>cell.Interior.Color</a:t>
+            </a:r>
+            <a:r>
+              <a:rPr lang="en-US" dirty="0"/>
+              <a:t> = RGB(255, 255, 0) Then  ' Required fields marked yellow</a:t>
+            </a:r>
+          </a:p>
+          <a:p>
+            <a:r>
+              <a:rPr lang="en-US" dirty="0"/>
+              <a:t>            If Len(Trim(</a:t>
+            </a:r>
+            <a:r>
+              <a:rPr lang="en-US" dirty="0" err="1"/>
+              <a:t>cell.Value</a:t>
+            </a:r>
+            <a:r>
+              <a:rPr lang="en-US" dirty="0"/>
+              <a:t>)) = 0 Then</a:t>
+            </a:r>
+          </a:p>
+          <a:p>
+            <a:r>
+              <a:rPr lang="en-US" dirty="0"/>
+              <a:t>                </a:t>
+            </a:r>
+            <a:r>
+              <a:rPr lang="en-US" dirty="0" err="1"/>
+              <a:t>cell.Select</a:t>
+            </a:r>
+            <a:endParaRPr lang="en-US" dirty="0"/>
+          </a:p>
+          <a:p>
+            <a:r>
+              <a:rPr lang="en-US" dirty="0"/>
+              <a:t>                </a:t>
+            </a:r>
+            <a:r>
+              <a:rPr lang="en-US" dirty="0" err="1"/>
+              <a:t>ValidateFormData</a:t>
+            </a:r>
+            <a:r>
+              <a:rPr lang="en-US" dirty="0"/>
+              <a:t> = False</a:t>
+            </a:r>
+          </a:p>
+          <a:p>
+            <a:r>
+              <a:rPr lang="en-US" dirty="0"/>
+              <a:t>                Exit Function</a:t>
+            </a:r>
+          </a:p>
+          <a:p>
+            <a:r>
+              <a:rPr lang="en-US" dirty="0"/>
+              <a:t>            End If</a:t>
+            </a:r>
+          </a:p>
+          <a:p>
+            <a:r>
+              <a:rPr lang="en-US" dirty="0"/>
+              <a:t>        End If</a:t>
+            </a:r>
+          </a:p>
+          <a:p>
+            <a:r>
+              <a:rPr lang="en-US" dirty="0"/>
+              <a:t>    Next cell</a:t>
             </a:r>
           </a:p>
           <a:p>
@@ -693,15 +1373,48 @@
             </a:r>
             <a:r>
               <a:rPr lang="en-US" dirty="0" err="1"/>
-              <a:t>ReDim</a:t>
-            </a:r>
-            <a:r>
-              <a:rPr lang="en-US" dirty="0"/>
-              <a:t> headers(1 To </a:t>
-            </a:r>
-            <a:r>
-              <a:rPr lang="en-US" dirty="0" err="1"/>
-              <a:t>UBound</a:t>
+              <a:t>ValidateFormData</a:t>
+            </a:r>
+            <a:r>
+              <a:rPr lang="en-US" dirty="0"/>
+              <a:t> = True</a:t>
+            </a:r>
+          </a:p>
+          <a:p>
+            <a:r>
+              <a:rPr lang="en-US" dirty="0"/>
+              <a:t>End Function</a:t>
+            </a:r>
+          </a:p>
+          <a:p>
+            <a:endParaRPr lang="en-US" dirty="0"/>
+          </a:p>
+          <a:p>
+            <a:r>
+              <a:rPr lang="en-US" dirty="0"/>
+              <a:t>'-------------------------------------------------------------------</a:t>
+            </a:r>
+          </a:p>
+          <a:p>
+            <a:r>
+              <a:rPr lang="en-US" dirty="0"/>
+              <a:t>' Get Next Entry ID</a:t>
+            </a:r>
+          </a:p>
+          <a:p>
+            <a:r>
+              <a:rPr lang="en-US" dirty="0"/>
+              <a:t>'-------------------------------------------------------------------</a:t>
+            </a:r>
+          </a:p>
+          <a:p>
+            <a:r>
+              <a:rPr lang="en-US" dirty="0"/>
+              <a:t>Private Function </a:t>
+            </a:r>
+            <a:r>
+              <a:rPr lang="en-US" dirty="0" err="1"/>
+              <a:t>GetNextEntryId</a:t>
             </a:r>
             <a:r>
               <a:rPr lang="en-US" dirty="0"/>
@@ -709,11 +1422,77 @@
             </a:r>
             <a:r>
               <a:rPr lang="en-US" dirty="0" err="1"/>
-              <a:t>arr</a:t>
-            </a:r>
-            <a:r>
-              <a:rPr lang="en-US" dirty="0"/>
-              <a:t>) + 1)</a:t>
+              <a:t>wsData</a:t>
+            </a:r>
+            <a:r>
+              <a:rPr lang="en-US" dirty="0"/>
+              <a:t> As Worksheet) As Long</a:t>
+            </a:r>
+          </a:p>
+          <a:p>
+            <a:r>
+              <a:rPr lang="en-US" dirty="0"/>
+              <a:t>    ' If sheet is empty (except header), return 1</a:t>
+            </a:r>
+          </a:p>
+          <a:p>
+            <a:r>
+              <a:rPr lang="en-US" dirty="0"/>
+              <a:t>    If </a:t>
+            </a:r>
+            <a:r>
+              <a:rPr lang="en-US" dirty="0" err="1"/>
+              <a:t>Application.WorksheetFunction.CountA</a:t>
+            </a:r>
+            <a:r>
+              <a:rPr lang="en-US" dirty="0"/>
+              <a:t>(</a:t>
+            </a:r>
+            <a:r>
+              <a:rPr lang="en-US" dirty="0" err="1"/>
+              <a:t>wsData.Rows</a:t>
+            </a:r>
+            <a:r>
+              <a:rPr lang="en-US" dirty="0"/>
+              <a:t>(1)) = 0 Then</a:t>
+            </a:r>
+          </a:p>
+          <a:p>
+            <a:r>
+              <a:rPr lang="en-US" dirty="0"/>
+              <a:t>        </a:t>
+            </a:r>
+            <a:r>
+              <a:rPr lang="en-US" dirty="0" err="1"/>
+              <a:t>GetNextEntryId</a:t>
+            </a:r>
+            <a:r>
+              <a:rPr lang="en-US" dirty="0"/>
+              <a:t> = 1</a:t>
+            </a:r>
+          </a:p>
+          <a:p>
+            <a:r>
+              <a:rPr lang="en-US" dirty="0"/>
+              <a:t>        Exit Function</a:t>
+            </a:r>
+          </a:p>
+          <a:p>
+            <a:r>
+              <a:rPr lang="en-US" dirty="0"/>
+              <a:t>    End If</a:t>
+            </a:r>
+          </a:p>
+          <a:p>
+            <a:r>
+              <a:rPr lang="en-US" dirty="0"/>
+              <a:t>    </a:t>
+            </a:r>
+          </a:p>
+          <a:p>
+            <a:r>
+              <a:rPr lang="en-US" dirty="0"/>
+              <a:t>    ' Get last row with data</a:t>
             </a:r>
           </a:p>
           <a:p>
@@ -723,7 +1502,7 @@
             </a:r>
             <a:r>
               <a:rPr lang="en-US" dirty="0" err="1"/>
-              <a:t>i</a:t>
+              <a:t>lastRow</a:t>
             </a:r>
             <a:r>
               <a:rPr lang="en-US" dirty="0"/>
@@ -733,11 +1512,11 @@
           <a:p>
             <a:r>
               <a:rPr lang="en-US" dirty="0"/>
-              <a:t>    For </a:t>
-            </a:r>
-            <a:r>
-              <a:rPr lang="en-US" dirty="0" err="1"/>
-              <a:t>i</a:t>
+              <a:t>    </a:t>
+            </a:r>
+            <a:r>
+              <a:rPr lang="en-US" dirty="0" err="1"/>
+              <a:t>lastRow</a:t>
             </a:r>
             <a:r>
               <a:rPr lang="en-US" dirty="0"/>
@@ -745,7 +1524,7 @@
             </a:r>
             <a:r>
               <a:rPr lang="en-US" dirty="0" err="1"/>
-              <a:t>LBound</a:t>
+              <a:t>wsData.Cells</a:t>
             </a:r>
             <a:r>
               <a:rPr lang="en-US" dirty="0"/>
@@ -753,15 +1532,83 @@
             </a:r>
             <a:r>
               <a:rPr lang="en-US" dirty="0" err="1"/>
-              <a:t>arr</a:t>
-            </a:r>
-            <a:r>
-              <a:rPr lang="en-US" dirty="0"/>
-              <a:t>) To </a:t>
-            </a:r>
-            <a:r>
-              <a:rPr lang="en-US" dirty="0" err="1"/>
-              <a:t>UBound</a:t>
+              <a:t>wsData.Rows.Count</a:t>
+            </a:r>
+            <a:r>
+              <a:rPr lang="en-US" dirty="0"/>
+              <a:t>, 1).End(</a:t>
+            </a:r>
+            <a:r>
+              <a:rPr lang="en-US" dirty="0" err="1"/>
+              <a:t>xlUp</a:t>
+            </a:r>
+            <a:r>
+              <a:rPr lang="en-US" dirty="0"/>
+              <a:t>).Row</a:t>
+            </a:r>
+          </a:p>
+          <a:p>
+            <a:r>
+              <a:rPr lang="en-US" dirty="0"/>
+              <a:t>    </a:t>
+            </a:r>
+          </a:p>
+          <a:p>
+            <a:r>
+              <a:rPr lang="en-US" dirty="0"/>
+              <a:t>    ' If only header exists, return 1, else return next ID</a:t>
+            </a:r>
+          </a:p>
+          <a:p>
+            <a:r>
+              <a:rPr lang="en-US" dirty="0"/>
+              <a:t>    If </a:t>
+            </a:r>
+            <a:r>
+              <a:rPr lang="en-US" dirty="0" err="1"/>
+              <a:t>lastRow</a:t>
+            </a:r>
+            <a:r>
+              <a:rPr lang="en-US" dirty="0"/>
+              <a:t> &lt;= 1 Then</a:t>
+            </a:r>
+          </a:p>
+          <a:p>
+            <a:r>
+              <a:rPr lang="en-US" dirty="0"/>
+              <a:t>        </a:t>
+            </a:r>
+            <a:r>
+              <a:rPr lang="en-US" dirty="0" err="1"/>
+              <a:t>GetNextEntryId</a:t>
+            </a:r>
+            <a:r>
+              <a:rPr lang="en-US" dirty="0"/>
+              <a:t> = 1</a:t>
+            </a:r>
+          </a:p>
+          <a:p>
+            <a:r>
+              <a:rPr lang="en-US" dirty="0"/>
+              <a:t>    Else</a:t>
+            </a:r>
+          </a:p>
+          <a:p>
+            <a:r>
+              <a:rPr lang="en-US" dirty="0"/>
+              <a:t>        </a:t>
+            </a:r>
+            <a:r>
+              <a:rPr lang="en-US" dirty="0" err="1"/>
+              <a:t>GetNextEntryId</a:t>
+            </a:r>
+            <a:r>
+              <a:rPr lang="en-US" dirty="0"/>
+              <a:t> = </a:t>
+            </a:r>
+            <a:r>
+              <a:rPr lang="en-US" dirty="0" err="1"/>
+              <a:t>wsData.Cells</a:t>
             </a:r>
             <a:r>
               <a:rPr lang="en-US" dirty="0"/>
@@ -769,7 +1616,249 @@
             </a:r>
             <a:r>
               <a:rPr lang="en-US" dirty="0" err="1"/>
-              <a:t>arr</a:t>
+              <a:t>lastRow</a:t>
+            </a:r>
+            <a:r>
+              <a:rPr lang="en-US" dirty="0"/>
+              <a:t>, 1).Value + 1</a:t>
+            </a:r>
+          </a:p>
+          <a:p>
+            <a:r>
+              <a:rPr lang="en-US" dirty="0"/>
+              <a:t>    End If</a:t>
+            </a:r>
+          </a:p>
+          <a:p>
+            <a:r>
+              <a:rPr lang="en-US" dirty="0"/>
+              <a:t>End Function</a:t>
+            </a:r>
+          </a:p>
+          <a:p>
+            <a:endParaRPr lang="en-US" dirty="0"/>
+          </a:p>
+          <a:p>
+            <a:r>
+              <a:rPr lang="en-US" dirty="0"/>
+              <a:t>'-------------------------------------------------------------------</a:t>
+            </a:r>
+          </a:p>
+          <a:p>
+            <a:r>
+              <a:rPr lang="en-US" dirty="0"/>
+              <a:t>' Send Form Email</a:t>
+            </a:r>
+          </a:p>
+          <a:p>
+            <a:r>
+              <a:rPr lang="en-US" dirty="0"/>
+              <a:t>'-------------------------------------------------------------------</a:t>
+            </a:r>
+          </a:p>
+          <a:p>
+            <a:r>
+              <a:rPr lang="en-US" dirty="0"/>
+              <a:t>Private Function </a:t>
+            </a:r>
+            <a:r>
+              <a:rPr lang="en-US" dirty="0" err="1"/>
+              <a:t>SendFormEmail</a:t>
+            </a:r>
+            <a:r>
+              <a:rPr lang="en-US" dirty="0"/>
+              <a:t>(</a:t>
+            </a:r>
+            <a:r>
+              <a:rPr lang="en-US" dirty="0" err="1"/>
+              <a:t>wsInput</a:t>
+            </a:r>
+            <a:r>
+              <a:rPr lang="en-US" dirty="0"/>
+              <a:t> As Worksheet, </a:t>
+            </a:r>
+            <a:r>
+              <a:rPr lang="en-US" dirty="0" err="1"/>
+              <a:t>entryId</a:t>
+            </a:r>
+            <a:r>
+              <a:rPr lang="en-US" dirty="0"/>
+              <a:t> As Long) As Boolean</a:t>
+            </a:r>
+          </a:p>
+          <a:p>
+            <a:r>
+              <a:rPr lang="en-US" dirty="0"/>
+              <a:t>    On Error </a:t>
+            </a:r>
+            <a:r>
+              <a:rPr lang="en-US" dirty="0" err="1"/>
+              <a:t>GoTo</a:t>
+            </a:r>
+            <a:r>
+              <a:rPr lang="en-US" dirty="0"/>
+              <a:t> </a:t>
+            </a:r>
+            <a:r>
+              <a:rPr lang="en-US" dirty="0" err="1"/>
+              <a:t>EmailError</a:t>
+            </a:r>
+            <a:endParaRPr lang="en-US" dirty="0"/>
+          </a:p>
+          <a:p>
+            <a:r>
+              <a:rPr lang="en-US" dirty="0"/>
+              <a:t>    </a:t>
+            </a:r>
+          </a:p>
+          <a:p>
+            <a:r>
+              <a:rPr lang="en-US" dirty="0"/>
+              <a:t>    Dim </a:t>
+            </a:r>
+            <a:r>
+              <a:rPr lang="en-US" dirty="0" err="1"/>
+              <a:t>outlookApp</a:t>
+            </a:r>
+            <a:r>
+              <a:rPr lang="en-US" dirty="0"/>
+              <a:t> As Object, </a:t>
+            </a:r>
+            <a:r>
+              <a:rPr lang="en-US" dirty="0" err="1"/>
+              <a:t>outlookMail</a:t>
+            </a:r>
+            <a:r>
+              <a:rPr lang="en-US" dirty="0"/>
+              <a:t> As Object</a:t>
+            </a:r>
+          </a:p>
+          <a:p>
+            <a:r>
+              <a:rPr lang="en-US" dirty="0"/>
+              <a:t>    Set </a:t>
+            </a:r>
+            <a:r>
+              <a:rPr lang="en-US" dirty="0" err="1"/>
+              <a:t>outlookApp</a:t>
+            </a:r>
+            <a:r>
+              <a:rPr lang="en-US" dirty="0"/>
+              <a:t> = </a:t>
+            </a:r>
+            <a:r>
+              <a:rPr lang="en-US" dirty="0" err="1"/>
+              <a:t>CreateObject</a:t>
+            </a:r>
+            <a:r>
+              <a:rPr lang="en-US" dirty="0"/>
+              <a:t>("</a:t>
+            </a:r>
+            <a:r>
+              <a:rPr lang="en-US" dirty="0" err="1"/>
+              <a:t>Outlook.Application</a:t>
+            </a:r>
+            <a:r>
+              <a:rPr lang="en-US" dirty="0"/>
+              <a:t>")</a:t>
+            </a:r>
+          </a:p>
+          <a:p>
+            <a:r>
+              <a:rPr lang="en-US" dirty="0"/>
+              <a:t>    Set </a:t>
+            </a:r>
+            <a:r>
+              <a:rPr lang="en-US" dirty="0" err="1"/>
+              <a:t>outlookMail</a:t>
+            </a:r>
+            <a:r>
+              <a:rPr lang="en-US" dirty="0"/>
+              <a:t> = </a:t>
+            </a:r>
+            <a:r>
+              <a:rPr lang="en-US" dirty="0" err="1"/>
+              <a:t>outlookApp.CreateItem</a:t>
+            </a:r>
+            <a:r>
+              <a:rPr lang="en-US" dirty="0"/>
+              <a:t>(0)</a:t>
+            </a:r>
+          </a:p>
+          <a:p>
+            <a:r>
+              <a:rPr lang="en-US" dirty="0"/>
+              <a:t>    </a:t>
+            </a:r>
+          </a:p>
+          <a:p>
+            <a:r>
+              <a:rPr lang="en-US" dirty="0"/>
+              <a:t>    With </a:t>
+            </a:r>
+            <a:r>
+              <a:rPr lang="en-US" dirty="0" err="1"/>
+              <a:t>outlookMail</a:t>
+            </a:r>
+            <a:endParaRPr lang="en-US" dirty="0"/>
+          </a:p>
+          <a:p>
+            <a:r>
+              <a:rPr lang="en-US" dirty="0"/>
+              <a:t>        .To = </a:t>
+            </a:r>
+            <a:r>
+              <a:rPr lang="en-US" dirty="0" err="1"/>
+              <a:t>wsInput.Range</a:t>
+            </a:r>
+            <a:r>
+              <a:rPr lang="en-US" dirty="0"/>
+              <a:t>("D2").Value  ' Email recipient</a:t>
+            </a:r>
+          </a:p>
+          <a:p>
+            <a:r>
+              <a:rPr lang="en-US" dirty="0"/>
+              <a:t>        .Subject = "New Form Submission - Entry #" &amp; </a:t>
+            </a:r>
+            <a:r>
+              <a:rPr lang="en-US" dirty="0" err="1"/>
+              <a:t>entryId</a:t>
+            </a:r>
+            <a:endParaRPr lang="en-US" dirty="0"/>
+          </a:p>
+          <a:p>
+            <a:r>
+              <a:rPr lang="en-US" dirty="0"/>
+              <a:t>        .</a:t>
+            </a:r>
+            <a:r>
+              <a:rPr lang="en-US" dirty="0" err="1"/>
+              <a:t>HTMLBody</a:t>
+            </a:r>
+            <a:r>
+              <a:rPr lang="en-US" dirty="0"/>
+              <a:t> = </a:t>
+            </a:r>
+            <a:r>
+              <a:rPr lang="en-US" dirty="0" err="1"/>
+              <a:t>BuildEmailBody</a:t>
+            </a:r>
+            <a:r>
+              <a:rPr lang="en-US" dirty="0"/>
+              <a:t>(</a:t>
+            </a:r>
+            <a:r>
+              <a:rPr lang="en-US" dirty="0" err="1"/>
+              <a:t>wsInput</a:t>
+            </a:r>
+            <a:r>
+              <a:rPr lang="en-US" dirty="0"/>
+              <a:t>, </a:t>
+            </a:r>
+            <a:r>
+              <a:rPr lang="en-US" dirty="0" err="1"/>
+              <a:t>entryId</a:t>
             </a:r>
             <a:r>
               <a:rPr lang="en-US" dirty="0"/>
@@ -779,19 +1868,287 @@
           <a:p>
             <a:r>
               <a:rPr lang="en-US" dirty="0"/>
-              <a:t>        headers(</a:t>
-            </a:r>
-            <a:r>
-              <a:rPr lang="en-US" dirty="0" err="1"/>
-              <a:t>i</a:t>
-            </a:r>
-            <a:r>
-              <a:rPr lang="en-US" dirty="0"/>
-              <a:t> + 1) = </a:t>
-            </a:r>
-            <a:r>
-              <a:rPr lang="en-US" dirty="0" err="1"/>
-              <a:t>arr</a:t>
+              <a:t>        .Display  ' Show email for review</a:t>
+            </a:r>
+          </a:p>
+          <a:p>
+            <a:r>
+              <a:rPr lang="en-US" dirty="0"/>
+              <a:t>        </a:t>
+            </a:r>
+          </a:p>
+          <a:p>
+            <a:r>
+              <a:rPr lang="en-US" dirty="0"/>
+              <a:t>        ' Ask user to confirm sending</a:t>
+            </a:r>
+          </a:p>
+          <a:p>
+            <a:r>
+              <a:rPr lang="en-US" dirty="0"/>
+              <a:t>        Dim response As </a:t>
+            </a:r>
+            <a:r>
+              <a:rPr lang="en-US" dirty="0" err="1"/>
+              <a:t>VbMsgBoxResult</a:t>
+            </a:r>
+            <a:endParaRPr lang="en-US" dirty="0"/>
+          </a:p>
+          <a:p>
+            <a:r>
+              <a:rPr lang="en-US" dirty="0"/>
+              <a:t>        response = </a:t>
+            </a:r>
+            <a:r>
+              <a:rPr lang="en-US" dirty="0" err="1"/>
+              <a:t>MsgBox</a:t>
+            </a:r>
+            <a:r>
+              <a:rPr lang="en-US" dirty="0"/>
+              <a:t>("Send this email now?", </a:t>
+            </a:r>
+            <a:r>
+              <a:rPr lang="en-US" dirty="0" err="1"/>
+              <a:t>vbQuestion</a:t>
+            </a:r>
+            <a:r>
+              <a:rPr lang="en-US" dirty="0"/>
+              <a:t> + </a:t>
+            </a:r>
+            <a:r>
+              <a:rPr lang="en-US" dirty="0" err="1"/>
+              <a:t>vbYesNo</a:t>
+            </a:r>
+            <a:r>
+              <a:rPr lang="en-US" dirty="0"/>
+              <a:t>)</a:t>
+            </a:r>
+          </a:p>
+          <a:p>
+            <a:r>
+              <a:rPr lang="en-US" dirty="0"/>
+              <a:t>        </a:t>
+            </a:r>
+          </a:p>
+          <a:p>
+            <a:r>
+              <a:rPr lang="en-US" dirty="0"/>
+              <a:t>        If response = </a:t>
+            </a:r>
+            <a:r>
+              <a:rPr lang="en-US" dirty="0" err="1"/>
+              <a:t>vbYes</a:t>
+            </a:r>
+            <a:r>
+              <a:rPr lang="en-US" dirty="0"/>
+              <a:t> Then</a:t>
+            </a:r>
+          </a:p>
+          <a:p>
+            <a:r>
+              <a:rPr lang="en-US" dirty="0"/>
+              <a:t>            .Send</a:t>
+            </a:r>
+          </a:p>
+          <a:p>
+            <a:r>
+              <a:rPr lang="en-US" dirty="0"/>
+              <a:t>            </a:t>
+            </a:r>
+            <a:r>
+              <a:rPr lang="en-US" dirty="0" err="1"/>
+              <a:t>SendFormEmail</a:t>
+            </a:r>
+            <a:r>
+              <a:rPr lang="en-US" dirty="0"/>
+              <a:t> = True</a:t>
+            </a:r>
+          </a:p>
+          <a:p>
+            <a:r>
+              <a:rPr lang="en-US" dirty="0"/>
+              <a:t>        Else</a:t>
+            </a:r>
+          </a:p>
+          <a:p>
+            <a:r>
+              <a:rPr lang="en-US" dirty="0"/>
+              <a:t>            </a:t>
+            </a:r>
+            <a:r>
+              <a:rPr lang="en-US" dirty="0" err="1"/>
+              <a:t>SendFormEmail</a:t>
+            </a:r>
+            <a:r>
+              <a:rPr lang="en-US" dirty="0"/>
+              <a:t> = False</a:t>
+            </a:r>
+          </a:p>
+          <a:p>
+            <a:r>
+              <a:rPr lang="en-US" dirty="0"/>
+              <a:t>        End If</a:t>
+            </a:r>
+          </a:p>
+          <a:p>
+            <a:r>
+              <a:rPr lang="en-US" dirty="0"/>
+              <a:t>    End With</a:t>
+            </a:r>
+          </a:p>
+          <a:p>
+            <a:r>
+              <a:rPr lang="en-US" dirty="0"/>
+              <a:t>    </a:t>
+            </a:r>
+          </a:p>
+          <a:p>
+            <a:r>
+              <a:rPr lang="en-US" dirty="0" err="1"/>
+              <a:t>EmailCleanup</a:t>
+            </a:r>
+            <a:r>
+              <a:rPr lang="en-US" dirty="0"/>
+              <a:t>:</a:t>
+            </a:r>
+          </a:p>
+          <a:p>
+            <a:r>
+              <a:rPr lang="en-US" dirty="0"/>
+              <a:t>    Set </a:t>
+            </a:r>
+            <a:r>
+              <a:rPr lang="en-US" dirty="0" err="1"/>
+              <a:t>outlookMail</a:t>
+            </a:r>
+            <a:r>
+              <a:rPr lang="en-US" dirty="0"/>
+              <a:t> = Nothing</a:t>
+            </a:r>
+          </a:p>
+          <a:p>
+            <a:r>
+              <a:rPr lang="en-US" dirty="0"/>
+              <a:t>    Set </a:t>
+            </a:r>
+            <a:r>
+              <a:rPr lang="en-US" dirty="0" err="1"/>
+              <a:t>outlookApp</a:t>
+            </a:r>
+            <a:r>
+              <a:rPr lang="en-US" dirty="0"/>
+              <a:t> = Nothing</a:t>
+            </a:r>
+          </a:p>
+          <a:p>
+            <a:r>
+              <a:rPr lang="en-US" dirty="0"/>
+              <a:t>    Exit Function</a:t>
+            </a:r>
+          </a:p>
+          <a:p>
+            <a:r>
+              <a:rPr lang="en-US" dirty="0"/>
+              <a:t>    </a:t>
+            </a:r>
+          </a:p>
+          <a:p>
+            <a:r>
+              <a:rPr lang="en-US" dirty="0" err="1"/>
+              <a:t>EmailError</a:t>
+            </a:r>
+            <a:r>
+              <a:rPr lang="en-US" dirty="0"/>
+              <a:t>:</a:t>
+            </a:r>
+          </a:p>
+          <a:p>
+            <a:r>
+              <a:rPr lang="en-US" dirty="0"/>
+              <a:t>    </a:t>
+            </a:r>
+            <a:r>
+              <a:rPr lang="en-US" dirty="0" err="1"/>
+              <a:t>MsgBox</a:t>
+            </a:r>
+            <a:r>
+              <a:rPr lang="en-US" dirty="0"/>
+              <a:t> "Email error: " &amp; </a:t>
+            </a:r>
+            <a:r>
+              <a:rPr lang="en-US" dirty="0" err="1"/>
+              <a:t>Err.Description</a:t>
+            </a:r>
+            <a:r>
+              <a:rPr lang="en-US" dirty="0"/>
+              <a:t>, </a:t>
+            </a:r>
+            <a:r>
+              <a:rPr lang="en-US" dirty="0" err="1"/>
+              <a:t>vbExclamation</a:t>
+            </a:r>
+            <a:endParaRPr lang="en-US" dirty="0"/>
+          </a:p>
+          <a:p>
+            <a:r>
+              <a:rPr lang="en-US" dirty="0"/>
+              <a:t>    </a:t>
+            </a:r>
+            <a:r>
+              <a:rPr lang="en-US" dirty="0" err="1"/>
+              <a:t>SendFormEmail</a:t>
+            </a:r>
+            <a:r>
+              <a:rPr lang="en-US" dirty="0"/>
+              <a:t> = False</a:t>
+            </a:r>
+          </a:p>
+          <a:p>
+            <a:r>
+              <a:rPr lang="en-US" dirty="0"/>
+              <a:t>    Resume </a:t>
+            </a:r>
+            <a:r>
+              <a:rPr lang="en-US" dirty="0" err="1"/>
+              <a:t>EmailCleanup</a:t>
+            </a:r>
+            <a:endParaRPr lang="en-US" dirty="0"/>
+          </a:p>
+          <a:p>
+            <a:r>
+              <a:rPr lang="en-US" dirty="0"/>
+              <a:t>End Function</a:t>
+            </a:r>
+          </a:p>
+          <a:p>
+            <a:endParaRPr lang="en-US" dirty="0"/>
+          </a:p>
+          <a:p>
+            <a:r>
+              <a:rPr lang="en-US" dirty="0"/>
+              <a:t>'-------------------------------------------------------------------</a:t>
+            </a:r>
+          </a:p>
+          <a:p>
+            <a:r>
+              <a:rPr lang="en-US" dirty="0"/>
+              <a:t>' Build Email Body</a:t>
+            </a:r>
+          </a:p>
+          <a:p>
+            <a:r>
+              <a:rPr lang="en-US" dirty="0"/>
+              <a:t>'-------------------------------------------------------------------</a:t>
+            </a:r>
+          </a:p>
+          <a:p>
+            <a:r>
+              <a:rPr lang="en-US" dirty="0"/>
+              <a:t>Private Function </a:t>
+            </a:r>
+            <a:r>
+              <a:rPr lang="en-US" dirty="0" err="1"/>
+              <a:t>BuildEmailBody</a:t>
             </a:r>
             <a:r>
               <a:rPr lang="en-US" dirty="0"/>
@@ -799,36 +2156,415 @@
             </a:r>
             <a:r>
               <a:rPr lang="en-US" dirty="0" err="1"/>
-              <a:t>i</a:t>
-            </a:r>
-            <a:r>
-              <a:rPr lang="en-US" dirty="0"/>
-              <a:t>)</a:t>
-            </a:r>
-          </a:p>
-          <a:p>
-            <a:r>
-              <a:rPr lang="en-US" dirty="0"/>
-              <a:t>    Next </a:t>
-            </a:r>
-            <a:r>
-              <a:rPr lang="en-US" dirty="0" err="1"/>
-              <a:t>i</a:t>
-            </a:r>
+              <a:t>wsInput</a:t>
+            </a:r>
+            <a:r>
+              <a:rPr lang="en-US" dirty="0"/>
+              <a:t> As Worksheet, </a:t>
+            </a:r>
+            <a:r>
+              <a:rPr lang="en-US" dirty="0" err="1"/>
+              <a:t>entryId</a:t>
+            </a:r>
+            <a:r>
+              <a:rPr lang="en-US" dirty="0"/>
+              <a:t> As Long) As String</a:t>
+            </a:r>
+          </a:p>
+          <a:p>
+            <a:r>
+              <a:rPr lang="en-US" dirty="0"/>
+              <a:t>    Dim html As String</a:t>
+            </a:r>
+          </a:p>
+          <a:p>
+            <a:r>
+              <a:rPr lang="en-US" dirty="0"/>
+              <a:t>    html = "&lt;html&gt;&lt;head&gt;&lt;style&gt;" &amp; _</a:t>
+            </a:r>
+          </a:p>
+          <a:p>
+            <a:r>
+              <a:rPr lang="en-US" dirty="0"/>
+              <a:t>           "body{font-family:-apple-system,</a:t>
+            </a:r>
+            <a:r>
+              <a:rPr lang="en-US" dirty="0" err="1"/>
+              <a:t>BlinkMacSystemFont</a:t>
+            </a:r>
+            <a:r>
+              <a:rPr lang="en-US" dirty="0"/>
+              <a:t>,'Segoe UI',Roboto;line-height:1.5;color:#333;margin:0;padding:40px}" &amp; _</a:t>
+            </a:r>
+          </a:p>
+          <a:p>
+            <a:r>
+              <a:rPr lang="en-US" dirty="0"/>
+              <a:t>           ".container{max-width:600px;margin:auto;background:white;border-radius:8px;box-shadow:0 2px 4px </a:t>
+            </a:r>
+            <a:r>
+              <a:rPr lang="en-US" dirty="0" err="1"/>
+              <a:t>rgba</a:t>
+            </a:r>
+            <a:r>
+              <a:rPr lang="en-US" dirty="0"/>
+              <a:t>(0,0,0,0.1);padding:30px}" &amp; _</a:t>
+            </a:r>
+          </a:p>
+          <a:p>
+            <a:r>
+              <a:rPr lang="en-US" dirty="0"/>
+              <a:t>           ".header{border-bottom:2px solid #f0f0f0;margin-bottom:20px;padding-bottom:20px}" &amp; _</a:t>
+            </a:r>
+          </a:p>
+          <a:p>
+            <a:r>
+              <a:rPr lang="en-US" dirty="0"/>
+              <a:t>           "h1{color:#2563eb;margin:0 0 10px;font-size:24px}" &amp; _</a:t>
+            </a:r>
+          </a:p>
+          <a:p>
+            <a:r>
+              <a:rPr lang="en-US" dirty="0"/>
+              <a:t>           ".badge{background:#</a:t>
+            </a:r>
+            <a:r>
+              <a:rPr lang="en-US" dirty="0" err="1"/>
+              <a:t>dbeafe;color</a:t>
+            </a:r>
+            <a:r>
+              <a:rPr lang="en-US" dirty="0"/>
+              <a:t>:#2563eb;padding:5px 10px;border-radius:4px;font-size:14px}" &amp; _</a:t>
+            </a:r>
+          </a:p>
+          <a:p>
+            <a:r>
+              <a:rPr lang="en-US" dirty="0"/>
+              <a:t>           "table{width:100%;border-collapse:separate;border-spacing:0;margin:20px 0}" &amp; _</a:t>
+            </a:r>
+          </a:p>
+          <a:p>
+            <a:r>
+              <a:rPr lang="en-US" dirty="0"/>
+              <a:t>           "</a:t>
+            </a:r>
+            <a:r>
+              <a:rPr lang="en-US" dirty="0" err="1"/>
+              <a:t>th</a:t>
+            </a:r>
+            <a:r>
+              <a:rPr lang="en-US" dirty="0"/>
+              <a:t>{background:#2563eb;color:white;text-align:left;padding:12px;font-weight:500}" &amp; _</a:t>
+            </a:r>
+          </a:p>
+          <a:p>
+            <a:r>
+              <a:rPr lang="en-US" dirty="0"/>
+              <a:t>           "td{padding:12px;border-bottom:1px solid #f0f0f0}" &amp; _</a:t>
+            </a:r>
+          </a:p>
+          <a:p>
+            <a:r>
+              <a:rPr lang="en-US" dirty="0"/>
+              <a:t>           ".footer{</a:t>
+            </a:r>
+            <a:r>
+              <a:rPr lang="en-US" dirty="0" err="1"/>
+              <a:t>text-align:center;color</a:t>
+            </a:r>
+            <a:r>
+              <a:rPr lang="en-US" dirty="0"/>
+              <a:t>:#666;font-size:12px;margin-top:30px;padding-top:20px;border-top:2px solid #f0f0f0}" &amp; _</a:t>
+            </a:r>
+          </a:p>
+          <a:p>
+            <a:r>
+              <a:rPr lang="en-US" dirty="0"/>
+              <a:t>           "&lt;/style&gt;&lt;/head&gt;&lt;body&gt;&lt;div class='container'&gt;"</a:t>
+            </a:r>
+          </a:p>
+          <a:p>
             <a:endParaRPr lang="en-US" dirty="0"/>
           </a:p>
           <a:p>
             <a:r>
               <a:rPr lang="en-US" dirty="0"/>
+              <a:t>    ' Header</a:t>
+            </a:r>
+          </a:p>
+          <a:p>
+            <a:r>
+              <a:rPr lang="en-US" dirty="0"/>
+              <a:t>    html = html &amp; "&lt;div class='header'&gt;" &amp; _</a:t>
+            </a:r>
+          </a:p>
+          <a:p>
+            <a:r>
+              <a:rPr lang="en-US" dirty="0"/>
+              <a:t>           "&lt;h1&gt;New Form Submission&lt;/h1&gt;" &amp; _</a:t>
+            </a:r>
+          </a:p>
+          <a:p>
+            <a:r>
+              <a:rPr lang="en-US" dirty="0"/>
+              <a:t>           "&lt;span class='badge'&gt;Entry ID: " &amp; </a:t>
+            </a:r>
+            <a:r>
+              <a:rPr lang="en-US" dirty="0" err="1"/>
+              <a:t>entryId</a:t>
+            </a:r>
+            <a:r>
+              <a:rPr lang="en-US" dirty="0"/>
+              <a:t> &amp; "&lt;/span&gt;&lt;/div&gt;"</a:t>
+            </a:r>
+          </a:p>
+          <a:p>
+            <a:r>
+              <a:rPr lang="en-US" dirty="0"/>
               <a:t>    </a:t>
             </a:r>
-            <a:r>
-              <a:rPr lang="en-US" dirty="0" err="1"/>
-              <a:t>GetDataHeaders</a:t>
-            </a:r>
-            <a:r>
-              <a:rPr lang="en-US" dirty="0"/>
-              <a:t> = headers</a:t>
+          </a:p>
+          <a:p>
+            <a:r>
+              <a:rPr lang="en-US" dirty="0"/>
+              <a:t>    ' Data table</a:t>
+            </a:r>
+          </a:p>
+          <a:p>
+            <a:r>
+              <a:rPr lang="en-US" dirty="0"/>
+              <a:t>    html = html &amp; "&lt;table&gt;&lt;</a:t>
+            </a:r>
+            <a:r>
+              <a:rPr lang="en-US" dirty="0" err="1"/>
+              <a:t>tbody</a:t>
+            </a:r>
+            <a:r>
+              <a:rPr lang="en-US" dirty="0"/>
+              <a:t>&gt;"</a:t>
+            </a:r>
+          </a:p>
+          <a:p>
+            <a:r>
+              <a:rPr lang="en-US" dirty="0"/>
+              <a:t>    </a:t>
+            </a:r>
+          </a:p>
+          <a:p>
+            <a:r>
+              <a:rPr lang="en-US" dirty="0"/>
+              <a:t>    ' Add form fields</a:t>
+            </a:r>
+          </a:p>
+          <a:p>
+            <a:r>
+              <a:rPr lang="en-US" dirty="0"/>
+              <a:t>    Dim </a:t>
+            </a:r>
+            <a:r>
+              <a:rPr lang="en-US" dirty="0" err="1"/>
+              <a:t>dataRange</a:t>
+            </a:r>
+            <a:r>
+              <a:rPr lang="en-US" dirty="0"/>
+              <a:t> As Range</a:t>
+            </a:r>
+          </a:p>
+          <a:p>
+            <a:r>
+              <a:rPr lang="en-US" dirty="0"/>
+              <a:t>    Set </a:t>
+            </a:r>
+            <a:r>
+              <a:rPr lang="en-US" dirty="0" err="1"/>
+              <a:t>dataRange</a:t>
+            </a:r>
+            <a:r>
+              <a:rPr lang="en-US" dirty="0"/>
+              <a:t> = </a:t>
+            </a:r>
+            <a:r>
+              <a:rPr lang="en-US" dirty="0" err="1"/>
+              <a:t>wsInput.Range</a:t>
+            </a:r>
+            <a:r>
+              <a:rPr lang="en-US" dirty="0"/>
+              <a:t>("B2:B13")  ' Adjust range as needed</a:t>
+            </a:r>
+          </a:p>
+          <a:p>
+            <a:r>
+              <a:rPr lang="en-US" dirty="0"/>
+              <a:t>    </a:t>
+            </a:r>
+          </a:p>
+          <a:p>
+            <a:r>
+              <a:rPr lang="en-US" dirty="0"/>
+              <a:t>    Dim cell As Range, </a:t>
+            </a:r>
+            <a:r>
+              <a:rPr lang="en-US" dirty="0" err="1"/>
+              <a:t>labelCell</a:t>
+            </a:r>
+            <a:r>
+              <a:rPr lang="en-US" dirty="0"/>
+              <a:t> As Range</a:t>
+            </a:r>
+          </a:p>
+          <a:p>
+            <a:r>
+              <a:rPr lang="en-US" dirty="0"/>
+              <a:t>    For Each cell In </a:t>
+            </a:r>
+            <a:r>
+              <a:rPr lang="en-US" dirty="0" err="1"/>
+              <a:t>dataRange</a:t>
+            </a:r>
+            <a:endParaRPr lang="en-US" dirty="0"/>
+          </a:p>
+          <a:p>
+            <a:r>
+              <a:rPr lang="en-US" dirty="0"/>
+              <a:t>        Set </a:t>
+            </a:r>
+            <a:r>
+              <a:rPr lang="en-US" dirty="0" err="1"/>
+              <a:t>labelCell</a:t>
+            </a:r>
+            <a:r>
+              <a:rPr lang="en-US" dirty="0"/>
+              <a:t> = </a:t>
+            </a:r>
+            <a:r>
+              <a:rPr lang="en-US" dirty="0" err="1"/>
+              <a:t>cell.Offset</a:t>
+            </a:r>
+            <a:r>
+              <a:rPr lang="en-US" dirty="0"/>
+              <a:t>(0, -1)  ' Get label from column A</a:t>
+            </a:r>
+          </a:p>
+          <a:p>
+            <a:r>
+              <a:rPr lang="en-US" dirty="0"/>
+              <a:t>        If Len(Trim(</a:t>
+            </a:r>
+            <a:r>
+              <a:rPr lang="en-US" dirty="0" err="1"/>
+              <a:t>cell.Value</a:t>
+            </a:r>
+            <a:r>
+              <a:rPr lang="en-US" dirty="0"/>
+              <a:t>)) &gt; 0 Then  ' Only include filled fields</a:t>
+            </a:r>
+          </a:p>
+          <a:p>
+            <a:r>
+              <a:rPr lang="en-US" dirty="0"/>
+              <a:t>            html = html &amp; "&lt;tr&gt;&lt;</a:t>
+            </a:r>
+            <a:r>
+              <a:rPr lang="en-US" dirty="0" err="1"/>
+              <a:t>th</a:t>
+            </a:r>
+            <a:r>
+              <a:rPr lang="en-US" dirty="0"/>
+              <a:t>&gt;" &amp; </a:t>
+            </a:r>
+            <a:r>
+              <a:rPr lang="en-US" dirty="0" err="1"/>
+              <a:t>labelCell.Value</a:t>
+            </a:r>
+            <a:r>
+              <a:rPr lang="en-US" dirty="0"/>
+              <a:t> &amp; "&lt;/</a:t>
+            </a:r>
+            <a:r>
+              <a:rPr lang="en-US" dirty="0" err="1"/>
+              <a:t>th</a:t>
+            </a:r>
+            <a:r>
+              <a:rPr lang="en-US" dirty="0"/>
+              <a:t>&gt;" &amp; _</a:t>
+            </a:r>
+          </a:p>
+          <a:p>
+            <a:r>
+              <a:rPr lang="en-US" dirty="0"/>
+              <a:t>                   "&lt;td&gt;" &amp; </a:t>
+            </a:r>
+            <a:r>
+              <a:rPr lang="en-US" dirty="0" err="1"/>
+              <a:t>cell.Value</a:t>
+            </a:r>
+            <a:r>
+              <a:rPr lang="en-US" dirty="0"/>
+              <a:t> &amp; "&lt;/td&gt;&lt;/tr&gt;"</a:t>
+            </a:r>
+          </a:p>
+          <a:p>
+            <a:r>
+              <a:rPr lang="en-US" dirty="0"/>
+              <a:t>        End If</a:t>
+            </a:r>
+          </a:p>
+          <a:p>
+            <a:r>
+              <a:rPr lang="en-US" dirty="0"/>
+              <a:t>    Next cell</a:t>
+            </a:r>
+          </a:p>
+          <a:p>
+            <a:r>
+              <a:rPr lang="en-US" dirty="0"/>
+              <a:t>    </a:t>
+            </a:r>
+          </a:p>
+          <a:p>
+            <a:r>
+              <a:rPr lang="en-US" dirty="0"/>
+              <a:t>    html = html &amp; "&lt;/</a:t>
+            </a:r>
+            <a:r>
+              <a:rPr lang="en-US" dirty="0" err="1"/>
+              <a:t>tbody</a:t>
+            </a:r>
+            <a:r>
+              <a:rPr lang="en-US" dirty="0"/>
+              <a:t>&gt;&lt;/table&gt;" &amp; _</a:t>
+            </a:r>
+          </a:p>
+          <a:p>
+            <a:r>
+              <a:rPr lang="en-US" dirty="0"/>
+              <a:t>           "&lt;div class='footer'&gt;This is an automated message. Please do not reply.&lt;/div&gt;" &amp; _</a:t>
+            </a:r>
+          </a:p>
+          <a:p>
+            <a:r>
+              <a:rPr lang="en-US" dirty="0"/>
+              <a:t>           "&lt;/div&gt;&lt;/body&gt;&lt;/html&gt;"</a:t>
+            </a:r>
+          </a:p>
+          <a:p>
+            <a:r>
+              <a:rPr lang="en-US" dirty="0"/>
+              <a:t>    </a:t>
+            </a:r>
+          </a:p>
+          <a:p>
+            <a:r>
+              <a:rPr lang="en-US" dirty="0"/>
+              <a:t>    </a:t>
+            </a:r>
+            <a:r>
+              <a:rPr lang="en-US" dirty="0" err="1"/>
+              <a:t>BuildEmailBody</a:t>
+            </a:r>
+            <a:r>
+              <a:rPr lang="en-US" dirty="0"/>
+              <a:t> = html</a:t>
             </a:r>
           </a:p>
           <a:p>
@@ -849,11 +2585,1345 @@
           <a:p>
             <a:r>
               <a:rPr lang="en-US" dirty="0"/>
-              <a:t>' </a:t>
-            </a:r>
-            <a:r>
-              <a:rPr lang="en-US" dirty="0" err="1"/>
-              <a:t>SubmitIntake</a:t>
+              <a:t>' Accumulate Form Data</a:t>
+            </a:r>
+          </a:p>
+          <a:p>
+            <a:r>
+              <a:rPr lang="en-US" dirty="0"/>
+              <a:t>'-------------------------------------------------------------------</a:t>
+            </a:r>
+          </a:p>
+          <a:p>
+            <a:r>
+              <a:rPr lang="en-US" dirty="0"/>
+              <a:t>Private Sub </a:t>
+            </a:r>
+            <a:r>
+              <a:rPr lang="en-US" dirty="0" err="1"/>
+              <a:t>AccumulateFormData</a:t>
+            </a:r>
+            <a:r>
+              <a:rPr lang="en-US" dirty="0"/>
+              <a:t>(</a:t>
+            </a:r>
+            <a:r>
+              <a:rPr lang="en-US" dirty="0" err="1"/>
+              <a:t>wsInput</a:t>
+            </a:r>
+            <a:r>
+              <a:rPr lang="en-US" dirty="0"/>
+              <a:t> As Worksheet, </a:t>
+            </a:r>
+            <a:r>
+              <a:rPr lang="en-US" dirty="0" err="1"/>
+              <a:t>wsData</a:t>
+            </a:r>
+            <a:r>
+              <a:rPr lang="en-US" dirty="0"/>
+              <a:t> As Worksheet, </a:t>
+            </a:r>
+            <a:r>
+              <a:rPr lang="en-US" dirty="0" err="1"/>
+              <a:t>entryId</a:t>
+            </a:r>
+            <a:r>
+              <a:rPr lang="en-US" dirty="0"/>
+              <a:t> As Long)</a:t>
+            </a:r>
+          </a:p>
+          <a:p>
+            <a:r>
+              <a:rPr lang="en-US" dirty="0"/>
+              <a:t>    ' Ensure headers exist</a:t>
+            </a:r>
+          </a:p>
+          <a:p>
+            <a:r>
+              <a:rPr lang="en-US" dirty="0"/>
+              <a:t>    If </a:t>
+            </a:r>
+            <a:r>
+              <a:rPr lang="en-US" dirty="0" err="1"/>
+              <a:t>Application.WorksheetFunction.CountA</a:t>
+            </a:r>
+            <a:r>
+              <a:rPr lang="en-US" dirty="0"/>
+              <a:t>(</a:t>
+            </a:r>
+            <a:r>
+              <a:rPr lang="en-US" dirty="0" err="1"/>
+              <a:t>wsData.Rows</a:t>
+            </a:r>
+            <a:r>
+              <a:rPr lang="en-US" dirty="0"/>
+              <a:t>(1)) = 0 Then</a:t>
+            </a:r>
+          </a:p>
+          <a:p>
+            <a:r>
+              <a:rPr lang="en-US" dirty="0"/>
+              <a:t>        ' Copy headers from input sheet</a:t>
+            </a:r>
+          </a:p>
+          <a:p>
+            <a:r>
+              <a:rPr lang="en-US" dirty="0"/>
+              <a:t>        </a:t>
+            </a:r>
+            <a:r>
+              <a:rPr lang="en-US" dirty="0" err="1"/>
+              <a:t>wsInput.Range</a:t>
+            </a:r>
+            <a:r>
+              <a:rPr lang="en-US" dirty="0"/>
+              <a:t>("A1:A13").Copy </a:t>
+            </a:r>
+            <a:r>
+              <a:rPr lang="en-US" dirty="0" err="1"/>
+              <a:t>wsData.Range</a:t>
+            </a:r>
+            <a:r>
+              <a:rPr lang="en-US" dirty="0"/>
+              <a:t>("B1")</a:t>
+            </a:r>
+          </a:p>
+          <a:p>
+            <a:r>
+              <a:rPr lang="en-US" dirty="0"/>
+              <a:t>        </a:t>
+            </a:r>
+            <a:r>
+              <a:rPr lang="en-US" dirty="0" err="1"/>
+              <a:t>wsData.Range</a:t>
+            </a:r>
+            <a:r>
+              <a:rPr lang="en-US" dirty="0"/>
+              <a:t>("A1").Value = "Entry ID"</a:t>
+            </a:r>
+          </a:p>
+          <a:p>
+            <a:r>
+              <a:rPr lang="en-US" dirty="0"/>
+              <a:t>        </a:t>
+            </a:r>
+            <a:r>
+              <a:rPr lang="en-US" dirty="0" err="1"/>
+              <a:t>wsData.Range</a:t>
+            </a:r>
+            <a:r>
+              <a:rPr lang="en-US" dirty="0"/>
+              <a:t>("N1").Value = "Timestamp"  ' Adjust column as needed</a:t>
+            </a:r>
+          </a:p>
+          <a:p>
+            <a:r>
+              <a:rPr lang="en-US" dirty="0"/>
+              <a:t>    End If</a:t>
+            </a:r>
+          </a:p>
+          <a:p>
+            <a:r>
+              <a:rPr lang="en-US" dirty="0"/>
+              <a:t>    </a:t>
+            </a:r>
+          </a:p>
+          <a:p>
+            <a:r>
+              <a:rPr lang="en-US" dirty="0"/>
+              <a:t>    ' Get next row</a:t>
+            </a:r>
+          </a:p>
+          <a:p>
+            <a:r>
+              <a:rPr lang="en-US" dirty="0"/>
+              <a:t>    Dim </a:t>
+            </a:r>
+            <a:r>
+              <a:rPr lang="en-US" dirty="0" err="1"/>
+              <a:t>nextRow</a:t>
+            </a:r>
+            <a:r>
+              <a:rPr lang="en-US" dirty="0"/>
+              <a:t> As Long</a:t>
+            </a:r>
+          </a:p>
+          <a:p>
+            <a:r>
+              <a:rPr lang="en-US" dirty="0"/>
+              <a:t>    </a:t>
+            </a:r>
+            <a:r>
+              <a:rPr lang="en-US" dirty="0" err="1"/>
+              <a:t>nextRow</a:t>
+            </a:r>
+            <a:r>
+              <a:rPr lang="en-US" dirty="0"/>
+              <a:t> = </a:t>
+            </a:r>
+            <a:r>
+              <a:rPr lang="en-US" dirty="0" err="1"/>
+              <a:t>wsData.Cells</a:t>
+            </a:r>
+            <a:r>
+              <a:rPr lang="en-US" dirty="0"/>
+              <a:t>(</a:t>
+            </a:r>
+            <a:r>
+              <a:rPr lang="en-US" dirty="0" err="1"/>
+              <a:t>wsData.Rows.Count</a:t>
+            </a:r>
+            <a:r>
+              <a:rPr lang="en-US" dirty="0"/>
+              <a:t>, 1).End(</a:t>
+            </a:r>
+            <a:r>
+              <a:rPr lang="en-US" dirty="0" err="1"/>
+              <a:t>xlUp</a:t>
+            </a:r>
+            <a:r>
+              <a:rPr lang="en-US" dirty="0"/>
+              <a:t>).Row + 1</a:t>
+            </a:r>
+          </a:p>
+          <a:p>
+            <a:r>
+              <a:rPr lang="en-US" dirty="0"/>
+              <a:t>    </a:t>
+            </a:r>
+          </a:p>
+          <a:p>
+            <a:r>
+              <a:rPr lang="en-US" dirty="0"/>
+              <a:t>    ' Copy data</a:t>
+            </a:r>
+          </a:p>
+          <a:p>
+            <a:r>
+              <a:rPr lang="en-US" dirty="0"/>
+              <a:t>    </a:t>
+            </a:r>
+            <a:r>
+              <a:rPr lang="en-US" dirty="0" err="1"/>
+              <a:t>wsData.Cells</a:t>
+            </a:r>
+            <a:r>
+              <a:rPr lang="en-US" dirty="0"/>
+              <a:t>(</a:t>
+            </a:r>
+            <a:r>
+              <a:rPr lang="en-US" dirty="0" err="1"/>
+              <a:t>nextRow</a:t>
+            </a:r>
+            <a:r>
+              <a:rPr lang="en-US" dirty="0"/>
+              <a:t>, 1).Value = </a:t>
+            </a:r>
+            <a:r>
+              <a:rPr lang="en-US" dirty="0" err="1"/>
+              <a:t>entryId</a:t>
+            </a:r>
+            <a:r>
+              <a:rPr lang="en-US" dirty="0"/>
+              <a:t>  ' Entry ID</a:t>
+            </a:r>
+          </a:p>
+          <a:p>
+            <a:r>
+              <a:rPr lang="en-US" dirty="0"/>
+              <a:t>    </a:t>
+            </a:r>
+            <a:r>
+              <a:rPr lang="en-US" dirty="0" err="1"/>
+              <a:t>wsInput.Range</a:t>
+            </a:r>
+            <a:r>
+              <a:rPr lang="en-US" dirty="0"/>
+              <a:t>("B2:B13").Copy  ' Copy form data</a:t>
+            </a:r>
+          </a:p>
+          <a:p>
+            <a:r>
+              <a:rPr lang="en-US" dirty="0"/>
+              <a:t>    </a:t>
+            </a:r>
+            <a:r>
+              <a:rPr lang="en-US" dirty="0" err="1"/>
+              <a:t>wsData.Cells</a:t>
+            </a:r>
+            <a:r>
+              <a:rPr lang="en-US" dirty="0"/>
+              <a:t>(</a:t>
+            </a:r>
+            <a:r>
+              <a:rPr lang="en-US" dirty="0" err="1"/>
+              <a:t>nextRow</a:t>
+            </a:r>
+            <a:r>
+              <a:rPr lang="en-US" dirty="0"/>
+              <a:t>, 2).</a:t>
+            </a:r>
+            <a:r>
+              <a:rPr lang="en-US" dirty="0" err="1"/>
+              <a:t>PasteSpecial</a:t>
+            </a:r>
+            <a:r>
+              <a:rPr lang="en-US" dirty="0"/>
+              <a:t> </a:t>
+            </a:r>
+            <a:r>
+              <a:rPr lang="en-US" dirty="0" err="1"/>
+              <a:t>xlPasteValues</a:t>
+            </a:r>
+            <a:r>
+              <a:rPr lang="en-US" dirty="0"/>
+              <a:t>  ' Paste values only</a:t>
+            </a:r>
+          </a:p>
+          <a:p>
+            <a:r>
+              <a:rPr lang="en-US" dirty="0"/>
+              <a:t>    </a:t>
+            </a:r>
+            <a:r>
+              <a:rPr lang="en-US" dirty="0" err="1"/>
+              <a:t>wsData.Cells</a:t>
+            </a:r>
+            <a:r>
+              <a:rPr lang="en-US" dirty="0"/>
+              <a:t>(</a:t>
+            </a:r>
+            <a:r>
+              <a:rPr lang="en-US" dirty="0" err="1"/>
+              <a:t>nextRow</a:t>
+            </a:r>
+            <a:r>
+              <a:rPr lang="en-US" dirty="0"/>
+              <a:t>, 14).Value = Now()  ' Timestamp</a:t>
+            </a:r>
+          </a:p>
+          <a:p>
+            <a:r>
+              <a:rPr lang="en-US" dirty="0"/>
+              <a:t>    </a:t>
+            </a:r>
+          </a:p>
+          <a:p>
+            <a:r>
+              <a:rPr lang="en-US" dirty="0"/>
+              <a:t>    ' Format for readability</a:t>
+            </a:r>
+          </a:p>
+          <a:p>
+            <a:r>
+              <a:rPr lang="en-US" dirty="0"/>
+              <a:t>    </a:t>
+            </a:r>
+            <a:r>
+              <a:rPr lang="en-US" dirty="0" err="1"/>
+              <a:t>wsData.UsedRange.EntireColumn.AutoFit</a:t>
+            </a:r>
+            <a:endParaRPr lang="en-US" dirty="0"/>
+          </a:p>
+          <a:p>
+            <a:r>
+              <a:rPr lang="en-US" dirty="0"/>
+              <a:t>End Sub</a:t>
+            </a:r>
+          </a:p>
+          <a:p>
+            <a:endParaRPr lang="en-US" dirty="0"/>
+          </a:p>
+          <a:p>
+            <a:r>
+              <a:rPr lang="en-US" dirty="0"/>
+              <a:t>'-------------------------------------------------------------------</a:t>
+            </a:r>
+          </a:p>
+          <a:p>
+            <a:r>
+              <a:rPr lang="en-US" dirty="0"/>
+              <a:t>' Clear Intake Form</a:t>
+            </a:r>
+          </a:p>
+          <a:p>
+            <a:r>
+              <a:rPr lang="en-US" dirty="0"/>
+              <a:t>'-------------------------------------------------------------------</a:t>
+            </a:r>
+          </a:p>
+          <a:p>
+            <a:r>
+              <a:rPr lang="en-US" dirty="0"/>
+              <a:t>Private Sub </a:t>
+            </a:r>
+            <a:r>
+              <a:rPr lang="en-US" dirty="0" err="1"/>
+              <a:t>ClearIntakeForm</a:t>
+            </a:r>
+            <a:r>
+              <a:rPr lang="en-US" dirty="0"/>
+              <a:t>(</a:t>
+            </a:r>
+            <a:r>
+              <a:rPr lang="en-US" dirty="0" err="1"/>
+              <a:t>ws</a:t>
+            </a:r>
+            <a:r>
+              <a:rPr lang="en-US" dirty="0"/>
+              <a:t> As Worksheet)</a:t>
+            </a:r>
+          </a:p>
+          <a:p>
+            <a:r>
+              <a:rPr lang="en-US" dirty="0"/>
+              <a:t>    With </a:t>
+            </a:r>
+            <a:r>
+              <a:rPr lang="en-US" dirty="0" err="1"/>
+              <a:t>ws</a:t>
+            </a:r>
+            <a:endParaRPr lang="en-US" dirty="0"/>
+          </a:p>
+          <a:p>
+            <a:r>
+              <a:rPr lang="en-US" dirty="0"/>
+              <a:t>        .Range("B2:B13").</a:t>
+            </a:r>
+            <a:r>
+              <a:rPr lang="en-US" dirty="0" err="1"/>
+              <a:t>ClearContents</a:t>
+            </a:r>
+            <a:r>
+              <a:rPr lang="en-US" dirty="0"/>
+              <a:t>  ' Clear input fields</a:t>
+            </a:r>
+          </a:p>
+          <a:p>
+            <a:r>
+              <a:rPr lang="en-US" dirty="0"/>
+              <a:t>        .Range("B2").Select  ' Move cursor to first input field</a:t>
+            </a:r>
+          </a:p>
+          <a:p>
+            <a:r>
+              <a:rPr lang="en-US" dirty="0"/>
+              <a:t>    End With</a:t>
+            </a:r>
+          </a:p>
+          <a:p>
+            <a:r>
+              <a:rPr lang="en-US" dirty="0"/>
+              <a:t>End Sub</a:t>
+            </a:r>
+          </a:p>
+          <a:p>
+            <a:endParaRPr lang="en-US" dirty="0"/>
+          </a:p>
+          <a:p>
+            <a:endParaRPr lang="en-US" dirty="0"/>
+          </a:p>
+          <a:p>
+            <a:endParaRPr lang="en-US" dirty="0"/>
+          </a:p>
+          <a:p>
+            <a:r>
+              <a:rPr lang="en-US" dirty="0"/>
+              <a:t>Public Sub </a:t>
+            </a:r>
+            <a:r>
+              <a:rPr lang="en-US" dirty="0" err="1"/>
+              <a:t>SetupConfiguration</a:t>
+            </a:r>
+            <a:r>
+              <a:rPr lang="en-US" dirty="0"/>
+              <a:t>()</a:t>
+            </a:r>
+          </a:p>
+          <a:p>
+            <a:r>
+              <a:rPr lang="en-US" dirty="0"/>
+              <a:t>    On Error </a:t>
+            </a:r>
+            <a:r>
+              <a:rPr lang="en-US" dirty="0" err="1"/>
+              <a:t>GoTo</a:t>
+            </a:r>
+            <a:r>
+              <a:rPr lang="en-US" dirty="0"/>
+              <a:t> </a:t>
+            </a:r>
+            <a:r>
+              <a:rPr lang="en-US" dirty="0" err="1"/>
+              <a:t>ErrHandler</a:t>
+            </a:r>
+            <a:endParaRPr lang="en-US" dirty="0"/>
+          </a:p>
+          <a:p>
+            <a:r>
+              <a:rPr lang="en-US" dirty="0"/>
+              <a:t>    </a:t>
+            </a:r>
+          </a:p>
+          <a:p>
+            <a:r>
+              <a:rPr lang="en-US" dirty="0"/>
+              <a:t>    Dim </a:t>
+            </a:r>
+            <a:r>
+              <a:rPr lang="en-US" dirty="0" err="1"/>
+              <a:t>ws</a:t>
+            </a:r>
+            <a:r>
+              <a:rPr lang="en-US" dirty="0"/>
+              <a:t> As Worksheet</a:t>
+            </a:r>
+          </a:p>
+          <a:p>
+            <a:r>
+              <a:rPr lang="en-US" dirty="0"/>
+              <a:t>    </a:t>
+            </a:r>
+          </a:p>
+          <a:p>
+            <a:r>
+              <a:rPr lang="en-US" dirty="0"/>
+              <a:t>    ' Create Config sheet if it doesn't exist</a:t>
+            </a:r>
+          </a:p>
+          <a:p>
+            <a:r>
+              <a:rPr lang="en-US" dirty="0"/>
+              <a:t>    On Error Resume Next</a:t>
+            </a:r>
+          </a:p>
+          <a:p>
+            <a:r>
+              <a:rPr lang="en-US" dirty="0"/>
+              <a:t>    Set </a:t>
+            </a:r>
+            <a:r>
+              <a:rPr lang="en-US" dirty="0" err="1"/>
+              <a:t>ws</a:t>
+            </a:r>
+            <a:r>
+              <a:rPr lang="en-US" dirty="0"/>
+              <a:t> = </a:t>
+            </a:r>
+            <a:r>
+              <a:rPr lang="en-US" dirty="0" err="1"/>
+              <a:t>ThisWorkbook.Worksheets</a:t>
+            </a:r>
+            <a:r>
+              <a:rPr lang="en-US" dirty="0"/>
+              <a:t>(CONFIG_SHEET_NAME)</a:t>
+            </a:r>
+          </a:p>
+          <a:p>
+            <a:r>
+              <a:rPr lang="en-US" dirty="0"/>
+              <a:t>    On Error </a:t>
+            </a:r>
+            <a:r>
+              <a:rPr lang="en-US" dirty="0" err="1"/>
+              <a:t>GoTo</a:t>
+            </a:r>
+            <a:r>
+              <a:rPr lang="en-US" dirty="0"/>
+              <a:t> </a:t>
+            </a:r>
+            <a:r>
+              <a:rPr lang="en-US" dirty="0" err="1"/>
+              <a:t>ErrHandler</a:t>
+            </a:r>
+            <a:endParaRPr lang="en-US" dirty="0"/>
+          </a:p>
+          <a:p>
+            <a:r>
+              <a:rPr lang="en-US" dirty="0"/>
+              <a:t>    </a:t>
+            </a:r>
+          </a:p>
+          <a:p>
+            <a:r>
+              <a:rPr lang="en-US" dirty="0"/>
+              <a:t>    If </a:t>
+            </a:r>
+            <a:r>
+              <a:rPr lang="en-US" dirty="0" err="1"/>
+              <a:t>ws</a:t>
+            </a:r>
+            <a:r>
+              <a:rPr lang="en-US" dirty="0"/>
+              <a:t> Is Nothing Then</a:t>
+            </a:r>
+          </a:p>
+          <a:p>
+            <a:r>
+              <a:rPr lang="en-US" dirty="0"/>
+              <a:t>        Set </a:t>
+            </a:r>
+            <a:r>
+              <a:rPr lang="en-US" dirty="0" err="1"/>
+              <a:t>ws</a:t>
+            </a:r>
+            <a:r>
+              <a:rPr lang="en-US" dirty="0"/>
+              <a:t> = </a:t>
+            </a:r>
+            <a:r>
+              <a:rPr lang="en-US" dirty="0" err="1"/>
+              <a:t>ThisWorkbook.Worksheets.Add</a:t>
+            </a:r>
+            <a:endParaRPr lang="en-US" dirty="0"/>
+          </a:p>
+          <a:p>
+            <a:r>
+              <a:rPr lang="en-US" dirty="0"/>
+              <a:t>        </a:t>
+            </a:r>
+            <a:r>
+              <a:rPr lang="en-US" dirty="0" err="1"/>
+              <a:t>ws.Name</a:t>
+            </a:r>
+            <a:r>
+              <a:rPr lang="en-US" dirty="0"/>
+              <a:t> = CONFIG_SHEET_NAME</a:t>
+            </a:r>
+          </a:p>
+          <a:p>
+            <a:r>
+              <a:rPr lang="en-US" dirty="0"/>
+              <a:t>    End If</a:t>
+            </a:r>
+          </a:p>
+          <a:p>
+            <a:r>
+              <a:rPr lang="en-US" dirty="0"/>
+              <a:t>    </a:t>
+            </a:r>
+          </a:p>
+          <a:p>
+            <a:r>
+              <a:rPr lang="en-US" dirty="0"/>
+              <a:t>    </a:t>
+            </a:r>
+            <a:r>
+              <a:rPr lang="en-US" dirty="0" err="1"/>
+              <a:t>Application.ScreenUpdating</a:t>
+            </a:r>
+            <a:r>
+              <a:rPr lang="en-US" dirty="0"/>
+              <a:t> = False</a:t>
+            </a:r>
+          </a:p>
+          <a:p>
+            <a:r>
+              <a:rPr lang="en-US" dirty="0"/>
+              <a:t>    </a:t>
+            </a:r>
+          </a:p>
+          <a:p>
+            <a:r>
+              <a:rPr lang="en-US" dirty="0"/>
+              <a:t>    ' Clear existing content</a:t>
+            </a:r>
+          </a:p>
+          <a:p>
+            <a:r>
+              <a:rPr lang="en-US" dirty="0"/>
+              <a:t>    </a:t>
+            </a:r>
+            <a:r>
+              <a:rPr lang="en-US" dirty="0" err="1"/>
+              <a:t>ws.Cells.Clear</a:t>
+            </a:r>
+            <a:endParaRPr lang="en-US" dirty="0"/>
+          </a:p>
+          <a:p>
+            <a:r>
+              <a:rPr lang="en-US" dirty="0"/>
+              <a:t>    </a:t>
+            </a:r>
+          </a:p>
+          <a:p>
+            <a:r>
+              <a:rPr lang="en-US" dirty="0"/>
+              <a:t>    With </a:t>
+            </a:r>
+            <a:r>
+              <a:rPr lang="en-US" dirty="0" err="1"/>
+              <a:t>ws</a:t>
+            </a:r>
+            <a:endParaRPr lang="en-US" dirty="0"/>
+          </a:p>
+          <a:p>
+            <a:r>
+              <a:rPr lang="en-US" dirty="0"/>
+              <a:t>        ' Email Settings</a:t>
+            </a:r>
+          </a:p>
+          <a:p>
+            <a:r>
+              <a:rPr lang="en-US" dirty="0"/>
+              <a:t>        .Range("A1").Value = "Email Settings"</a:t>
+            </a:r>
+          </a:p>
+          <a:p>
+            <a:r>
+              <a:rPr lang="en-US" dirty="0"/>
+              <a:t>        .Range("A1").</a:t>
+            </a:r>
+            <a:r>
+              <a:rPr lang="en-US" dirty="0" err="1"/>
+              <a:t>Font.Bold</a:t>
+            </a:r>
+            <a:r>
+              <a:rPr lang="en-US" dirty="0"/>
+              <a:t> = True</a:t>
+            </a:r>
+          </a:p>
+          <a:p>
+            <a:r>
+              <a:rPr lang="en-US" dirty="0"/>
+              <a:t>        .Range("A2").Value = "To Address:"</a:t>
+            </a:r>
+          </a:p>
+          <a:p>
+            <a:r>
+              <a:rPr lang="en-US" dirty="0"/>
+              <a:t>        .Range("B2").Value = "recipient@company.com"</a:t>
+            </a:r>
+          </a:p>
+          <a:p>
+            <a:r>
+              <a:rPr lang="en-US" dirty="0"/>
+              <a:t>        .Range("A3").Value = "CC Address:"</a:t>
+            </a:r>
+          </a:p>
+          <a:p>
+            <a:r>
+              <a:rPr lang="en-US" dirty="0"/>
+              <a:t>        .Range("B3").Value = "cc@company.com"</a:t>
+            </a:r>
+          </a:p>
+          <a:p>
+            <a:r>
+              <a:rPr lang="en-US" dirty="0"/>
+              <a:t>        .</a:t>
+            </a:r>
+            <a:r>
+              <a:rPr lang="en-US" dirty="0" err="1"/>
+              <a:t>Names.Add</a:t>
+            </a:r>
+            <a:r>
+              <a:rPr lang="en-US" dirty="0"/>
+              <a:t> "</a:t>
+            </a:r>
+            <a:r>
+              <a:rPr lang="en-US" dirty="0" err="1"/>
+              <a:t>EmailTo</a:t>
+            </a:r>
+            <a:r>
+              <a:rPr lang="en-US" dirty="0"/>
+              <a:t>", .Range("B2")</a:t>
+            </a:r>
+          </a:p>
+          <a:p>
+            <a:r>
+              <a:rPr lang="en-US" dirty="0"/>
+              <a:t>        .</a:t>
+            </a:r>
+            <a:r>
+              <a:rPr lang="en-US" dirty="0" err="1"/>
+              <a:t>Names.Add</a:t>
+            </a:r>
+            <a:r>
+              <a:rPr lang="en-US" dirty="0"/>
+              <a:t> "</a:t>
+            </a:r>
+            <a:r>
+              <a:rPr lang="en-US" dirty="0" err="1"/>
+              <a:t>EmailCC</a:t>
+            </a:r>
+            <a:r>
+              <a:rPr lang="en-US" dirty="0"/>
+              <a:t>", .Range("B3")</a:t>
+            </a:r>
+          </a:p>
+          <a:p>
+            <a:r>
+              <a:rPr lang="en-US" dirty="0"/>
+              <a:t>        </a:t>
+            </a:r>
+          </a:p>
+          <a:p>
+            <a:r>
+              <a:rPr lang="en-US" dirty="0"/>
+              <a:t>        ' Required Fields Configuration</a:t>
+            </a:r>
+          </a:p>
+          <a:p>
+            <a:r>
+              <a:rPr lang="en-US" dirty="0"/>
+              <a:t>        .Range("A5").Value = "Required Fields"</a:t>
+            </a:r>
+          </a:p>
+          <a:p>
+            <a:r>
+              <a:rPr lang="en-US" dirty="0"/>
+              <a:t>        .Range("A5").</a:t>
+            </a:r>
+            <a:r>
+              <a:rPr lang="en-US" dirty="0" err="1"/>
+              <a:t>Font.Bold</a:t>
+            </a:r>
+            <a:r>
+              <a:rPr lang="en-US" dirty="0"/>
+              <a:t> = True</a:t>
+            </a:r>
+          </a:p>
+          <a:p>
+            <a:r>
+              <a:rPr lang="en-US" dirty="0"/>
+              <a:t>        .Range("A6").Value = "Field Name"</a:t>
+            </a:r>
+          </a:p>
+          <a:p>
+            <a:r>
+              <a:rPr lang="en-US" dirty="0"/>
+              <a:t>        .Range("B6").Value = "Required"</a:t>
+            </a:r>
+          </a:p>
+          <a:p>
+            <a:r>
+              <a:rPr lang="en-US" dirty="0"/>
+              <a:t>        .Range("A7:A18").Value = </a:t>
+            </a:r>
+            <a:r>
+              <a:rPr lang="en-US" dirty="0" err="1"/>
+              <a:t>Application.Transpose</a:t>
+            </a:r>
+            <a:r>
+              <a:rPr lang="en-US" dirty="0"/>
+              <a:t>(Array("Name", "Email", "Phone", "Company", _</a:t>
+            </a:r>
+          </a:p>
+          <a:p>
+            <a:r>
+              <a:rPr lang="en-US" dirty="0"/>
+              <a:t>            "Address", "City", "State", "ZIP", "Country", "Title", "Department", "Comments"))</a:t>
+            </a:r>
+          </a:p>
+          <a:p>
+            <a:r>
+              <a:rPr lang="en-US" dirty="0"/>
+              <a:t>        .Range("B7:B18").Value = </a:t>
+            </a:r>
+            <a:r>
+              <a:rPr lang="en-US" dirty="0" err="1"/>
+              <a:t>Application.Transpose</a:t>
+            </a:r>
+            <a:r>
+              <a:rPr lang="en-US" dirty="0"/>
+              <a:t>(Array(True, True, True, True, _</a:t>
+            </a:r>
+          </a:p>
+          <a:p>
+            <a:r>
+              <a:rPr lang="en-US" dirty="0"/>
+              <a:t>            False, False, False, False, False, True, True, False))</a:t>
+            </a:r>
+          </a:p>
+          <a:p>
+            <a:r>
+              <a:rPr lang="en-US" dirty="0"/>
+              <a:t>        .</a:t>
+            </a:r>
+            <a:r>
+              <a:rPr lang="en-US" dirty="0" err="1"/>
+              <a:t>Names.Add</a:t>
+            </a:r>
+            <a:r>
+              <a:rPr lang="en-US" dirty="0"/>
+              <a:t> "</a:t>
+            </a:r>
+            <a:r>
+              <a:rPr lang="en-US" dirty="0" err="1"/>
+              <a:t>RequiredFields</a:t>
+            </a:r>
+            <a:r>
+              <a:rPr lang="en-US" dirty="0"/>
+              <a:t>", .Range("A7:B18")</a:t>
+            </a:r>
+          </a:p>
+          <a:p>
+            <a:r>
+              <a:rPr lang="en-US" dirty="0"/>
+              <a:t>        </a:t>
+            </a:r>
+          </a:p>
+          <a:p>
+            <a:r>
+              <a:rPr lang="en-US" dirty="0"/>
+              <a:t>        ' Style Settings</a:t>
+            </a:r>
+          </a:p>
+          <a:p>
+            <a:r>
+              <a:rPr lang="en-US" dirty="0"/>
+              <a:t>        .Range("D1").Value = "Style Settings"</a:t>
+            </a:r>
+          </a:p>
+          <a:p>
+            <a:r>
+              <a:rPr lang="en-US" dirty="0"/>
+              <a:t>        .Range("D1").</a:t>
+            </a:r>
+            <a:r>
+              <a:rPr lang="en-US" dirty="0" err="1"/>
+              <a:t>Font.Bold</a:t>
+            </a:r>
+            <a:r>
+              <a:rPr lang="en-US" dirty="0"/>
+              <a:t> = True</a:t>
+            </a:r>
+          </a:p>
+          <a:p>
+            <a:r>
+              <a:rPr lang="en-US" dirty="0"/>
+              <a:t>        .Range("D2").Value = "Primary Color:"</a:t>
+            </a:r>
+          </a:p>
+          <a:p>
+            <a:r>
+              <a:rPr lang="en-US" dirty="0"/>
+              <a:t>        .Range("E2").Value = "#2563eb"</a:t>
+            </a:r>
+          </a:p>
+          <a:p>
+            <a:r>
+              <a:rPr lang="en-US" dirty="0"/>
+              <a:t>        .Range("D3").Value = "Secondary Color:"</a:t>
+            </a:r>
+          </a:p>
+          <a:p>
+            <a:r>
+              <a:rPr lang="en-US" dirty="0"/>
+              <a:t>        .Range("E3").Value = "#1e40af"</a:t>
+            </a:r>
+          </a:p>
+          <a:p>
+            <a:r>
+              <a:rPr lang="en-US" dirty="0"/>
+              <a:t>        .Range("D4").Value = "Font Family:"</a:t>
+            </a:r>
+          </a:p>
+          <a:p>
+            <a:r>
+              <a:rPr lang="en-US" dirty="0"/>
+              <a:t>        .Range("E4").Value = "-apple-</a:t>
+            </a:r>
+            <a:r>
+              <a:rPr lang="en-US" dirty="0" err="1"/>
+              <a:t>system,system</a:t>
+            </a:r>
+            <a:r>
+              <a:rPr lang="en-US" dirty="0"/>
+              <a:t>-ui,</a:t>
+            </a:r>
+            <a:r>
+              <a:rPr lang="en-US" dirty="0" err="1"/>
+              <a:t>BlinkMacSystemFont</a:t>
+            </a:r>
+            <a:r>
+              <a:rPr lang="en-US" dirty="0"/>
+              <a:t>,'Segoe </a:t>
+            </a:r>
+            <a:r>
+              <a:rPr lang="en-US" dirty="0" err="1"/>
+              <a:t>UI',Roboto</a:t>
+            </a:r>
+            <a:r>
+              <a:rPr lang="en-US" dirty="0"/>
+              <a:t>"</a:t>
+            </a:r>
+          </a:p>
+          <a:p>
+            <a:r>
+              <a:rPr lang="en-US" dirty="0"/>
+              <a:t>        .</a:t>
+            </a:r>
+            <a:r>
+              <a:rPr lang="en-US" dirty="0" err="1"/>
+              <a:t>Names.Add</a:t>
+            </a:r>
+            <a:r>
+              <a:rPr lang="en-US" dirty="0"/>
+              <a:t> "</a:t>
+            </a:r>
+            <a:r>
+              <a:rPr lang="en-US" dirty="0" err="1"/>
+              <a:t>PrimaryColor</a:t>
+            </a:r>
+            <a:r>
+              <a:rPr lang="en-US" dirty="0"/>
+              <a:t>", .Range("E2")</a:t>
+            </a:r>
+          </a:p>
+          <a:p>
+            <a:r>
+              <a:rPr lang="en-US" dirty="0"/>
+              <a:t>        .</a:t>
+            </a:r>
+            <a:r>
+              <a:rPr lang="en-US" dirty="0" err="1"/>
+              <a:t>Names.Add</a:t>
+            </a:r>
+            <a:r>
+              <a:rPr lang="en-US" dirty="0"/>
+              <a:t> "</a:t>
+            </a:r>
+            <a:r>
+              <a:rPr lang="en-US" dirty="0" err="1"/>
+              <a:t>SecondaryColor</a:t>
+            </a:r>
+            <a:r>
+              <a:rPr lang="en-US" dirty="0"/>
+              <a:t>", .Range("E3")</a:t>
+            </a:r>
+          </a:p>
+          <a:p>
+            <a:r>
+              <a:rPr lang="en-US" dirty="0"/>
+              <a:t>        .</a:t>
+            </a:r>
+            <a:r>
+              <a:rPr lang="en-US" dirty="0" err="1"/>
+              <a:t>Names.Add</a:t>
+            </a:r>
+            <a:r>
+              <a:rPr lang="en-US" dirty="0"/>
+              <a:t> "</a:t>
+            </a:r>
+            <a:r>
+              <a:rPr lang="en-US" dirty="0" err="1"/>
+              <a:t>FontFamily</a:t>
+            </a:r>
+            <a:r>
+              <a:rPr lang="en-US" dirty="0"/>
+              <a:t>", .Range("E4")</a:t>
+            </a:r>
+          </a:p>
+          <a:p>
+            <a:r>
+              <a:rPr lang="en-US" dirty="0"/>
+              <a:t>        </a:t>
+            </a:r>
+          </a:p>
+          <a:p>
+            <a:r>
+              <a:rPr lang="en-US" dirty="0"/>
+              <a:t>        ' Email Template</a:t>
+            </a:r>
+          </a:p>
+          <a:p>
+            <a:r>
+              <a:rPr lang="en-US" dirty="0"/>
+              <a:t>        .Range("D6").Value = "Email Template"</a:t>
+            </a:r>
+          </a:p>
+          <a:p>
+            <a:r>
+              <a:rPr lang="en-US" dirty="0"/>
+              <a:t>        .Range("D6").</a:t>
+            </a:r>
+            <a:r>
+              <a:rPr lang="en-US" dirty="0" err="1"/>
+              <a:t>Font.Bold</a:t>
+            </a:r>
+            <a:r>
+              <a:rPr lang="en-US" dirty="0"/>
+              <a:t> = True</a:t>
+            </a:r>
+          </a:p>
+          <a:p>
+            <a:r>
+              <a:rPr lang="en-US" dirty="0"/>
+              <a:t>        .Range("D7").Value = "Subject Template:"</a:t>
+            </a:r>
+          </a:p>
+          <a:p>
+            <a:r>
+              <a:rPr lang="en-US" dirty="0"/>
+              <a:t>        .Range("E7").Value = "New Intake Form Submission - Entry #{EntryID}"</a:t>
+            </a:r>
+          </a:p>
+          <a:p>
+            <a:r>
+              <a:rPr lang="en-US" dirty="0"/>
+              <a:t>        .Range("D8").Value = "Footer Text:"</a:t>
+            </a:r>
+          </a:p>
+          <a:p>
+            <a:r>
+              <a:rPr lang="en-US" dirty="0"/>
+              <a:t>        .Range("E8").Value = "This is an automated message. Please do not reply."</a:t>
+            </a:r>
+          </a:p>
+          <a:p>
+            <a:r>
+              <a:rPr lang="en-US" dirty="0"/>
+              <a:t>        .</a:t>
+            </a:r>
+            <a:r>
+              <a:rPr lang="en-US" dirty="0" err="1"/>
+              <a:t>Names.Add</a:t>
+            </a:r>
+            <a:r>
+              <a:rPr lang="en-US" dirty="0"/>
+              <a:t> "</a:t>
+            </a:r>
+            <a:r>
+              <a:rPr lang="en-US" dirty="0" err="1"/>
+              <a:t>EmailSubject</a:t>
+            </a:r>
+            <a:r>
+              <a:rPr lang="en-US" dirty="0"/>
+              <a:t>", .Range("E7")</a:t>
+            </a:r>
+          </a:p>
+          <a:p>
+            <a:r>
+              <a:rPr lang="en-US" dirty="0"/>
+              <a:t>        .</a:t>
+            </a:r>
+            <a:r>
+              <a:rPr lang="en-US" dirty="0" err="1"/>
+              <a:t>Names.Add</a:t>
+            </a:r>
+            <a:r>
+              <a:rPr lang="en-US" dirty="0"/>
+              <a:t> "</a:t>
+            </a:r>
+            <a:r>
+              <a:rPr lang="en-US" dirty="0" err="1"/>
+              <a:t>EmailFooter</a:t>
+            </a:r>
+            <a:r>
+              <a:rPr lang="en-US" dirty="0"/>
+              <a:t>", .Range("E8")</a:t>
+            </a:r>
+          </a:p>
+          <a:p>
+            <a:r>
+              <a:rPr lang="en-US" dirty="0"/>
+              <a:t>        </a:t>
+            </a:r>
+          </a:p>
+          <a:p>
+            <a:r>
+              <a:rPr lang="en-US" dirty="0"/>
+              <a:t>        ' Format Sheet</a:t>
+            </a:r>
+          </a:p>
+          <a:p>
+            <a:r>
+              <a:rPr lang="en-US" dirty="0"/>
+              <a:t>        .</a:t>
+            </a:r>
+            <a:r>
+              <a:rPr lang="en-US" dirty="0" err="1"/>
+              <a:t>UsedRange.EntireColumn.AutoFit</a:t>
+            </a:r>
+            <a:endParaRPr lang="en-US" dirty="0"/>
+          </a:p>
+          <a:p>
+            <a:r>
+              <a:rPr lang="en-US" dirty="0"/>
+              <a:t>        With .Range("A1:E1,A5:B5,D6:E6")</a:t>
+            </a:r>
+          </a:p>
+          <a:p>
+            <a:r>
+              <a:rPr lang="en-US" dirty="0"/>
+              <a:t>            .</a:t>
+            </a:r>
+            <a:r>
+              <a:rPr lang="en-US" dirty="0" err="1"/>
+              <a:t>Font.Bold</a:t>
+            </a:r>
+            <a:r>
+              <a:rPr lang="en-US" dirty="0"/>
+              <a:t> = True</a:t>
+            </a:r>
+          </a:p>
+          <a:p>
+            <a:r>
+              <a:rPr lang="en-US" dirty="0"/>
+              <a:t>            .</a:t>
+            </a:r>
+            <a:r>
+              <a:rPr lang="en-US" dirty="0" err="1"/>
+              <a:t>Font.Size</a:t>
+            </a:r>
+            <a:r>
+              <a:rPr lang="en-US" dirty="0"/>
+              <a:t> = 12</a:t>
+            </a:r>
+          </a:p>
+          <a:p>
+            <a:r>
+              <a:rPr lang="en-US" dirty="0"/>
+              <a:t>            .</a:t>
+            </a:r>
+            <a:r>
+              <a:rPr lang="en-US" dirty="0" err="1"/>
+              <a:t>Interior.Color</a:t>
+            </a:r>
+            <a:r>
+              <a:rPr lang="en-US" dirty="0"/>
+              <a:t> = RGB(240, 240, 240)</a:t>
+            </a:r>
+          </a:p>
+          <a:p>
+            <a:r>
+              <a:rPr lang="en-US" dirty="0"/>
+              <a:t>        End With</a:t>
+            </a:r>
+          </a:p>
+          <a:p>
+            <a:r>
+              <a:rPr lang="en-US" dirty="0"/>
+              <a:t>        </a:t>
+            </a:r>
+          </a:p>
+          <a:p>
+            <a:r>
+              <a:rPr lang="en-US" dirty="0"/>
+              <a:t>        ' Add input validation</a:t>
+            </a:r>
+          </a:p>
+          <a:p>
+            <a:r>
+              <a:rPr lang="en-US" dirty="0"/>
+              <a:t>        .Range("B2:B3").</a:t>
+            </a:r>
+            <a:r>
+              <a:rPr lang="en-US" dirty="0" err="1"/>
+              <a:t>Validation.Add</a:t>
+            </a:r>
+            <a:r>
+              <a:rPr lang="en-US" dirty="0"/>
+              <a:t> Type:=</a:t>
+            </a:r>
+            <a:r>
+              <a:rPr lang="en-US" dirty="0" err="1"/>
+              <a:t>xlValidateCustom</a:t>
+            </a:r>
+            <a:r>
+              <a:rPr lang="en-US" dirty="0"/>
+              <a:t>, _</a:t>
+            </a:r>
+          </a:p>
+          <a:p>
+            <a:r>
+              <a:rPr lang="en-US" dirty="0"/>
+              <a:t>            Formula1:="=ISNUMBER(FIND(""@"",B2))"</a:t>
+            </a:r>
+          </a:p>
+          <a:p>
+            <a:r>
+              <a:rPr lang="en-US" dirty="0"/>
+              <a:t>        </a:t>
+            </a:r>
+          </a:p>
+          <a:p>
+            <a:r>
+              <a:rPr lang="en-US" dirty="0"/>
+              <a:t>        ' Protect sheet</a:t>
+            </a:r>
+          </a:p>
+          <a:p>
+            <a:r>
+              <a:rPr lang="en-US" dirty="0"/>
+              <a:t>        .Protect Password:="", </a:t>
+            </a:r>
+            <a:r>
+              <a:rPr lang="en-US" dirty="0" err="1"/>
+              <a:t>UserInterfaceOnly</a:t>
+            </a:r>
+            <a:r>
+              <a:rPr lang="en-US" dirty="0"/>
+              <a:t>:=True, </a:t>
+            </a:r>
+            <a:r>
+              <a:rPr lang="en-US" dirty="0" err="1"/>
+              <a:t>AllowFormattingCells</a:t>
+            </a:r>
+            <a:r>
+              <a:rPr lang="en-US" dirty="0"/>
+              <a:t>:=True</a:t>
+            </a:r>
+          </a:p>
+          <a:p>
+            <a:r>
+              <a:rPr lang="en-US" dirty="0"/>
+              <a:t>    End With</a:t>
+            </a:r>
+          </a:p>
+          <a:p>
+            <a:r>
+              <a:rPr lang="en-US" dirty="0"/>
+              <a:t>    </a:t>
+            </a:r>
+          </a:p>
+          <a:p>
+            <a:r>
+              <a:rPr lang="en-US" dirty="0"/>
+              <a:t>    </a:t>
+            </a:r>
+            <a:r>
+              <a:rPr lang="en-US" dirty="0" err="1"/>
+              <a:t>Application.ScreenUpdating</a:t>
+            </a:r>
+            <a:r>
+              <a:rPr lang="en-US" dirty="0"/>
+              <a:t> = True</a:t>
+            </a:r>
+          </a:p>
+          <a:p>
+            <a:r>
+              <a:rPr lang="en-US" dirty="0"/>
+              <a:t>    </a:t>
+            </a:r>
+            <a:r>
+              <a:rPr lang="en-US" dirty="0" err="1"/>
+              <a:t>MsgBox</a:t>
+            </a:r>
+            <a:r>
+              <a:rPr lang="en-US" dirty="0"/>
+              <a:t> "Configuration sheet has been set up successfully!", </a:t>
+            </a:r>
+            <a:r>
+              <a:rPr lang="en-US" dirty="0" err="1"/>
+              <a:t>vbInformation</a:t>
+            </a:r>
+            <a:endParaRPr lang="en-US" dirty="0"/>
+          </a:p>
+          <a:p>
+            <a:r>
+              <a:rPr lang="en-US" dirty="0"/>
+              <a:t>    Exit Sub</a:t>
+            </a:r>
+          </a:p>
+          <a:p>
+            <a:endParaRPr lang="en-US" dirty="0"/>
+          </a:p>
+          <a:p>
+            <a:r>
+              <a:rPr lang="en-US" dirty="0" err="1"/>
+              <a:t>ErrHandler</a:t>
             </a:r>
             <a:r>
               <a:rPr lang="en-US" dirty="0"/>
@@ -863,3613 +3933,49 @@
           <a:p>
             <a:r>
               <a:rPr lang="en-US" dirty="0"/>
-              <a:t>' Reads form data from INPUT_SHEET_NAME, prepares an email with a </a:t>
-            </a:r>
-          </a:p>
-          <a:p>
-            <a:r>
-              <a:rPr lang="en-US" dirty="0"/>
-              <a:t>' stunning horizontal table (including the Entry ID), and displays the </a:t>
-            </a:r>
-          </a:p>
-          <a:p>
-            <a:r>
-              <a:rPr lang="en-US" dirty="0"/>
-              <a:t>' email for review. The sender’s email address (.From) is read from the </a:t>
-            </a:r>
-          </a:p>
-          <a:p>
-            <a:r>
-              <a:rPr lang="en-US" dirty="0"/>
-              <a:t>' intake sheet (cell D2). Only if the email is successfully sent is the </a:t>
-            </a:r>
-          </a:p>
-          <a:p>
-            <a:r>
-              <a:rPr lang="en-US" dirty="0"/>
-              <a:t>' new entry accumulated in DATA_SHEET_NAME.</a:t>
-            </a:r>
-          </a:p>
-          <a:p>
-            <a:r>
-              <a:rPr lang="en-US" dirty="0"/>
-              <a:t>'-------------------------------------------------------------------</a:t>
-            </a:r>
-          </a:p>
-          <a:p>
-            <a:r>
-              <a:rPr lang="en-US" dirty="0"/>
-              <a:t>Sub </a:t>
-            </a:r>
-            <a:r>
-              <a:rPr lang="en-US" dirty="0" err="1"/>
-              <a:t>SubmitIntake</a:t>
-            </a:r>
-            <a:r>
-              <a:rPr lang="en-US" dirty="0"/>
-              <a:t>()</a:t>
-            </a:r>
-          </a:p>
-          <a:p>
-            <a:r>
-              <a:rPr lang="en-US" dirty="0"/>
-              <a:t>    On Error </a:t>
-            </a:r>
-            <a:r>
-              <a:rPr lang="en-US" dirty="0" err="1"/>
-              <a:t>GoTo</a:t>
-            </a:r>
-            <a:r>
-              <a:rPr lang="en-US" dirty="0"/>
-              <a:t> </a:t>
-            </a:r>
-            <a:r>
-              <a:rPr lang="en-US" dirty="0" err="1"/>
-              <a:t>ErrHandler</a:t>
+              <a:t>    </a:t>
+            </a:r>
+            <a:r>
+              <a:rPr lang="en-US" dirty="0" err="1"/>
+              <a:t>Application.ScreenUpdating</a:t>
+            </a:r>
+            <a:r>
+              <a:rPr lang="en-US" dirty="0"/>
+              <a:t> = True</a:t>
+            </a:r>
+          </a:p>
+          <a:p>
+            <a:r>
+              <a:rPr lang="en-US" dirty="0"/>
+              <a:t>    </a:t>
+            </a:r>
+            <a:r>
+              <a:rPr lang="en-US" dirty="0" err="1"/>
+              <a:t>MsgBox</a:t>
+            </a:r>
+            <a:r>
+              <a:rPr lang="en-US" dirty="0"/>
+              <a:t> "Error setting up configuration: " &amp; </a:t>
+            </a:r>
+            <a:r>
+              <a:rPr lang="en-US" dirty="0" err="1"/>
+              <a:t>Err.Description</a:t>
+            </a:r>
+            <a:r>
+              <a:rPr lang="en-US" dirty="0"/>
+              <a:t>, </a:t>
+            </a:r>
+            <a:r>
+              <a:rPr lang="en-US" dirty="0" err="1"/>
+              <a:t>vbCritical</a:t>
             </a:r>
             <a:endParaRPr lang="en-US" dirty="0"/>
           </a:p>
           <a:p>
             <a:r>
-              <a:rPr lang="en-US" dirty="0"/>
-              <a:t>    </a:t>
-            </a:r>
-          </a:p>
-          <a:p>
-            <a:r>
-              <a:rPr lang="en-US" dirty="0"/>
-              <a:t>    Dim </a:t>
-            </a:r>
-            <a:r>
-              <a:rPr lang="en-US" dirty="0" err="1"/>
-              <a:t>dataHeaders</a:t>
-            </a:r>
-            <a:r>
-              <a:rPr lang="en-US" dirty="0"/>
-              <a:t> As Variant</a:t>
-            </a:r>
-          </a:p>
-          <a:p>
-            <a:r>
-              <a:rPr lang="en-US" dirty="0"/>
-              <a:t>    </a:t>
-            </a:r>
-            <a:r>
-              <a:rPr lang="en-US" dirty="0" err="1"/>
-              <a:t>dataHeaders</a:t>
-            </a:r>
-            <a:r>
-              <a:rPr lang="en-US" dirty="0"/>
-              <a:t> = </a:t>
-            </a:r>
-            <a:r>
-              <a:rPr lang="en-US" dirty="0" err="1"/>
-              <a:t>GetDataHeaders</a:t>
-            </a:r>
-            <a:r>
-              <a:rPr lang="en-US" dirty="0"/>
-              <a:t>()</a:t>
-            </a:r>
-          </a:p>
-          <a:p>
-            <a:r>
-              <a:rPr lang="en-US" dirty="0"/>
-              <a:t>    </a:t>
-            </a:r>
-          </a:p>
-          <a:p>
-            <a:r>
-              <a:rPr lang="en-US" dirty="0"/>
-              <a:t>    Dim </a:t>
-            </a:r>
-            <a:r>
-              <a:rPr lang="en-US" dirty="0" err="1"/>
-              <a:t>wsInput</a:t>
-            </a:r>
-            <a:r>
-              <a:rPr lang="en-US" dirty="0"/>
-              <a:t> As Worksheet</a:t>
-            </a:r>
-          </a:p>
-          <a:p>
-            <a:r>
-              <a:rPr lang="en-US" dirty="0"/>
-              <a:t>    Set </a:t>
-            </a:r>
-            <a:r>
-              <a:rPr lang="en-US" dirty="0" err="1"/>
-              <a:t>wsInput</a:t>
-            </a:r>
-            <a:r>
-              <a:rPr lang="en-US" dirty="0"/>
-              <a:t> = </a:t>
-            </a:r>
-            <a:r>
-              <a:rPr lang="en-US" dirty="0" err="1"/>
-              <a:t>ThisWorkbook.Worksheets</a:t>
-            </a:r>
-            <a:r>
-              <a:rPr lang="en-US" dirty="0"/>
-              <a:t>(INPUT_SHEET_NAME)</a:t>
-            </a:r>
-          </a:p>
-          <a:p>
-            <a:r>
-              <a:rPr lang="en-US" dirty="0"/>
-              <a:t>    </a:t>
-            </a:r>
-          </a:p>
-          <a:p>
-            <a:r>
-              <a:rPr lang="en-US" dirty="0"/>
-              <a:t>    ' Determine the number of form fields (exclude "Entry #" and "Timestamp").</a:t>
-            </a:r>
-          </a:p>
-          <a:p>
-            <a:r>
-              <a:rPr lang="en-US" dirty="0"/>
-              <a:t>    Dim </a:t>
-            </a:r>
-            <a:r>
-              <a:rPr lang="en-US" dirty="0" err="1"/>
-              <a:t>fieldCount</a:t>
-            </a:r>
-            <a:r>
-              <a:rPr lang="en-US" dirty="0"/>
-              <a:t> As Long</a:t>
-            </a:r>
-          </a:p>
-          <a:p>
-            <a:r>
-              <a:rPr lang="en-US" dirty="0"/>
-              <a:t>    </a:t>
-            </a:r>
-            <a:r>
-              <a:rPr lang="en-US" dirty="0" err="1"/>
-              <a:t>fieldCount</a:t>
-            </a:r>
-            <a:r>
-              <a:rPr lang="en-US" dirty="0"/>
-              <a:t> = </a:t>
-            </a:r>
-            <a:r>
-              <a:rPr lang="en-US" dirty="0" err="1"/>
-              <a:t>UBound</a:t>
-            </a:r>
-            <a:r>
-              <a:rPr lang="en-US" dirty="0"/>
-              <a:t>(</a:t>
-            </a:r>
-            <a:r>
-              <a:rPr lang="en-US" dirty="0" err="1"/>
-              <a:t>dataHeaders</a:t>
-            </a:r>
-            <a:r>
-              <a:rPr lang="en-US" dirty="0"/>
-              <a:t>) - 2</a:t>
-            </a:r>
-          </a:p>
-          <a:p>
-            <a:r>
-              <a:rPr lang="en-US" dirty="0"/>
-              <a:t>    </a:t>
-            </a:r>
-          </a:p>
-          <a:p>
-            <a:r>
-              <a:rPr lang="en-US" dirty="0"/>
-              <a:t>    ' Gather form data from the input sheet (assumed in column B starting at row 2).</a:t>
-            </a:r>
-          </a:p>
-          <a:p>
-            <a:r>
-              <a:rPr lang="en-US" dirty="0"/>
-              <a:t>    Dim </a:t>
-            </a:r>
-            <a:r>
-              <a:rPr lang="en-US" dirty="0" err="1"/>
-              <a:t>formData</a:t>
-            </a:r>
-            <a:r>
-              <a:rPr lang="en-US" dirty="0"/>
-              <a:t>() As Variant</a:t>
-            </a:r>
-          </a:p>
-          <a:p>
-            <a:r>
-              <a:rPr lang="en-US" dirty="0"/>
-              <a:t>    </a:t>
-            </a:r>
-            <a:r>
-              <a:rPr lang="en-US" dirty="0" err="1"/>
-              <a:t>ReDim</a:t>
-            </a:r>
-            <a:r>
-              <a:rPr lang="en-US" dirty="0"/>
-              <a:t> </a:t>
-            </a:r>
-            <a:r>
-              <a:rPr lang="en-US" dirty="0" err="1"/>
-              <a:t>formData</a:t>
-            </a:r>
-            <a:r>
-              <a:rPr lang="en-US" dirty="0"/>
-              <a:t>(1 To </a:t>
-            </a:r>
-            <a:r>
-              <a:rPr lang="en-US" dirty="0" err="1"/>
-              <a:t>fieldCount</a:t>
-            </a:r>
-            <a:r>
-              <a:rPr lang="en-US" dirty="0"/>
-              <a:t>)</a:t>
-            </a:r>
-          </a:p>
-          <a:p>
-            <a:r>
-              <a:rPr lang="en-US" dirty="0"/>
-              <a:t>    </a:t>
-            </a:r>
-          </a:p>
-          <a:p>
-            <a:r>
-              <a:rPr lang="en-US" dirty="0"/>
-              <a:t>    Dim </a:t>
-            </a:r>
-            <a:r>
-              <a:rPr lang="en-US" dirty="0" err="1"/>
-              <a:t>i</a:t>
-            </a:r>
-            <a:r>
-              <a:rPr lang="en-US" dirty="0"/>
-              <a:t> As Long</a:t>
-            </a:r>
-          </a:p>
-          <a:p>
-            <a:r>
-              <a:rPr lang="en-US" dirty="0"/>
-              <a:t>    For </a:t>
-            </a:r>
-            <a:r>
-              <a:rPr lang="en-US" dirty="0" err="1"/>
-              <a:t>i</a:t>
-            </a:r>
-            <a:r>
-              <a:rPr lang="en-US" dirty="0"/>
-              <a:t> = 1 To </a:t>
-            </a:r>
-            <a:r>
-              <a:rPr lang="en-US" dirty="0" err="1"/>
-              <a:t>fieldCount</a:t>
-            </a:r>
-            <a:endParaRPr lang="en-US" dirty="0"/>
-          </a:p>
-          <a:p>
-            <a:r>
-              <a:rPr lang="en-US" dirty="0"/>
-              <a:t>        </a:t>
-            </a:r>
-            <a:r>
-              <a:rPr lang="en-US" dirty="0" err="1"/>
-              <a:t>formData</a:t>
-            </a:r>
-            <a:r>
-              <a:rPr lang="en-US" dirty="0"/>
-              <a:t>(</a:t>
-            </a:r>
-            <a:r>
-              <a:rPr lang="en-US" dirty="0" err="1"/>
-              <a:t>i</a:t>
-            </a:r>
-            <a:r>
-              <a:rPr lang="en-US" dirty="0"/>
-              <a:t>) = </a:t>
-            </a:r>
-            <a:r>
-              <a:rPr lang="en-US" dirty="0" err="1"/>
-              <a:t>wsInput.Cells</a:t>
-            </a:r>
-            <a:r>
-              <a:rPr lang="en-US" dirty="0"/>
-              <a:t>(</a:t>
-            </a:r>
-            <a:r>
-              <a:rPr lang="en-US" dirty="0" err="1"/>
-              <a:t>i</a:t>
-            </a:r>
-            <a:r>
-              <a:rPr lang="en-US" dirty="0"/>
-              <a:t> + 1, "B").Value</a:t>
-            </a:r>
-          </a:p>
-          <a:p>
-            <a:r>
-              <a:rPr lang="en-US" dirty="0"/>
-              <a:t>    Next </a:t>
-            </a:r>
-            <a:r>
-              <a:rPr lang="en-US" dirty="0" err="1"/>
-              <a:t>i</a:t>
-            </a:r>
-            <a:endParaRPr lang="en-US" dirty="0"/>
-          </a:p>
-          <a:p>
-            <a:r>
-              <a:rPr lang="en-US" dirty="0"/>
-              <a:t>    </a:t>
-            </a:r>
-          </a:p>
-          <a:p>
-            <a:r>
-              <a:rPr lang="en-US" dirty="0"/>
-              <a:t>    ' -------------------------------------------------------------------</a:t>
-            </a:r>
-          </a:p>
-          <a:p>
-            <a:r>
-              <a:rPr lang="en-US" dirty="0"/>
-              <a:t>    ' Read the sender's ("From") email address from the </a:t>
-            </a:r>
-            <a:r>
-              <a:rPr lang="en-US" dirty="0" err="1"/>
-              <a:t>IntakeForm</a:t>
-            </a:r>
-            <a:r>
-              <a:rPr lang="en-US" dirty="0"/>
-              <a:t> sheet.</a:t>
-            </a:r>
-          </a:p>
-          <a:p>
-            <a:r>
-              <a:rPr lang="en-US" dirty="0"/>
-              <a:t>    ' For example, cell D2 is used here (change the cell reference as needed).</a:t>
-            </a:r>
-          </a:p>
-          <a:p>
-            <a:r>
-              <a:rPr lang="en-US" dirty="0"/>
-              <a:t>    ' -------------------------------------------------------------------</a:t>
-            </a:r>
-          </a:p>
-          <a:p>
-            <a:r>
-              <a:rPr lang="en-US" dirty="0"/>
-              <a:t>    Dim </a:t>
-            </a:r>
-            <a:r>
-              <a:rPr lang="en-US" dirty="0" err="1"/>
-              <a:t>fromAddress</a:t>
-            </a:r>
-            <a:r>
-              <a:rPr lang="en-US" dirty="0"/>
-              <a:t> As String</a:t>
-            </a:r>
-          </a:p>
-          <a:p>
-            <a:r>
-              <a:rPr lang="en-US" dirty="0"/>
-              <a:t>    </a:t>
-            </a:r>
-            <a:r>
-              <a:rPr lang="en-US" dirty="0" err="1"/>
-              <a:t>fromAddress</a:t>
-            </a:r>
-            <a:r>
-              <a:rPr lang="en-US" dirty="0"/>
-              <a:t> = </a:t>
-            </a:r>
-            <a:r>
-              <a:rPr lang="en-US" dirty="0" err="1"/>
-              <a:t>wsInput.Range</a:t>
-            </a:r>
-            <a:r>
-              <a:rPr lang="en-US" dirty="0"/>
-              <a:t>("D2").Value</a:t>
-            </a:r>
-          </a:p>
-          <a:p>
-            <a:r>
-              <a:rPr lang="en-US" dirty="0"/>
-              <a:t>    </a:t>
-            </a:r>
-          </a:p>
-          <a:p>
-            <a:r>
-              <a:rPr lang="en-US" dirty="0"/>
-              <a:t>    ' -------------------------------------------------------------------</a:t>
-            </a:r>
-          </a:p>
-          <a:p>
-            <a:r>
-              <a:rPr lang="en-US" dirty="0"/>
-              <a:t>    ' Compute the next Entry ID by checking the DATA_SHEET_NAME.</a:t>
-            </a:r>
-          </a:p>
-          <a:p>
-            <a:r>
-              <a:rPr lang="en-US" dirty="0"/>
-              <a:t>    ' This will be used in both the email and later for data accumulation.</a:t>
-            </a:r>
-          </a:p>
-          <a:p>
-            <a:r>
-              <a:rPr lang="en-US" dirty="0"/>
-              <a:t>    ' -------------------------------------------------------------------</a:t>
-            </a:r>
-          </a:p>
-          <a:p>
-            <a:r>
-              <a:rPr lang="en-US" dirty="0"/>
-              <a:t>    Dim </a:t>
-            </a:r>
-            <a:r>
-              <a:rPr lang="en-US" dirty="0" err="1"/>
-              <a:t>wsData</a:t>
-            </a:r>
-            <a:r>
-              <a:rPr lang="en-US" dirty="0"/>
-              <a:t> As Worksheet</a:t>
-            </a:r>
-          </a:p>
-          <a:p>
-            <a:r>
-              <a:rPr lang="en-US" dirty="0"/>
-              <a:t>    Set </a:t>
-            </a:r>
-            <a:r>
-              <a:rPr lang="en-US" dirty="0" err="1"/>
-              <a:t>wsData</a:t>
-            </a:r>
-            <a:r>
-              <a:rPr lang="en-US" dirty="0"/>
-              <a:t> = </a:t>
-            </a:r>
-            <a:r>
-              <a:rPr lang="en-US" dirty="0" err="1"/>
-              <a:t>ThisWorkbook.Worksheets</a:t>
-            </a:r>
-            <a:r>
-              <a:rPr lang="en-US" dirty="0"/>
-              <a:t>(DATA_SHEET_NAME)</a:t>
-            </a:r>
-          </a:p>
-          <a:p>
-            <a:r>
-              <a:rPr lang="en-US" dirty="0"/>
-              <a:t>    </a:t>
-            </a:r>
-          </a:p>
-          <a:p>
-            <a:r>
-              <a:rPr lang="en-US" dirty="0"/>
-              <a:t>    Dim </a:t>
-            </a:r>
-            <a:r>
-              <a:rPr lang="en-US" dirty="0" err="1"/>
-              <a:t>newRow</a:t>
-            </a:r>
-            <a:r>
-              <a:rPr lang="en-US" dirty="0"/>
-              <a:t> As Long, </a:t>
-            </a:r>
-            <a:r>
-              <a:rPr lang="en-US" dirty="0" err="1"/>
-              <a:t>entryId</a:t>
-            </a:r>
-            <a:r>
-              <a:rPr lang="en-US" dirty="0"/>
-              <a:t> As Long</a:t>
-            </a:r>
-          </a:p>
-          <a:p>
-            <a:r>
-              <a:rPr lang="en-US" dirty="0"/>
-              <a:t>    If </a:t>
-            </a:r>
-            <a:r>
-              <a:rPr lang="en-US" dirty="0" err="1"/>
-              <a:t>Application.WorksheetFunction.CountA</a:t>
-            </a:r>
-            <a:r>
-              <a:rPr lang="en-US" dirty="0"/>
-              <a:t>(</a:t>
-            </a:r>
-            <a:r>
-              <a:rPr lang="en-US" dirty="0" err="1"/>
-              <a:t>wsData.Rows</a:t>
-            </a:r>
-            <a:r>
-              <a:rPr lang="en-US" dirty="0"/>
-              <a:t>(1)) = 0 Then</a:t>
-            </a:r>
-          </a:p>
-          <a:p>
-            <a:r>
-              <a:rPr lang="en-US" dirty="0"/>
-              <a:t>        ' If no headers exist, write them first.</a:t>
-            </a:r>
-          </a:p>
-          <a:p>
-            <a:r>
-              <a:rPr lang="en-US" dirty="0"/>
-              <a:t>        Dim j As Long</a:t>
-            </a:r>
-          </a:p>
-          <a:p>
-            <a:r>
-              <a:rPr lang="en-US" dirty="0"/>
-              <a:t>        For j = 1 To </a:t>
-            </a:r>
-            <a:r>
-              <a:rPr lang="en-US" dirty="0" err="1"/>
-              <a:t>UBound</a:t>
-            </a:r>
-            <a:r>
-              <a:rPr lang="en-US" dirty="0"/>
-              <a:t>(</a:t>
-            </a:r>
-            <a:r>
-              <a:rPr lang="en-US" dirty="0" err="1"/>
-              <a:t>dataHeaders</a:t>
-            </a:r>
-            <a:r>
-              <a:rPr lang="en-US" dirty="0"/>
-              <a:t>)</a:t>
-            </a:r>
-          </a:p>
-          <a:p>
-            <a:r>
-              <a:rPr lang="en-US" dirty="0"/>
-              <a:t>            </a:t>
-            </a:r>
-            <a:r>
-              <a:rPr lang="en-US" dirty="0" err="1"/>
-              <a:t>wsData.Cells</a:t>
-            </a:r>
-            <a:r>
-              <a:rPr lang="en-US" dirty="0"/>
-              <a:t>(1, j).Value = </a:t>
-            </a:r>
-            <a:r>
-              <a:rPr lang="en-US" dirty="0" err="1"/>
-              <a:t>dataHeaders</a:t>
-            </a:r>
-            <a:r>
-              <a:rPr lang="en-US" dirty="0"/>
-              <a:t>(j)</a:t>
-            </a:r>
-          </a:p>
-          <a:p>
-            <a:r>
-              <a:rPr lang="en-US" dirty="0"/>
-              <a:t>        Next j</a:t>
-            </a:r>
-          </a:p>
-          <a:p>
-            <a:r>
-              <a:rPr lang="en-US" dirty="0"/>
-              <a:t>        </a:t>
-            </a:r>
-            <a:r>
-              <a:rPr lang="en-US" dirty="0" err="1"/>
-              <a:t>newRow</a:t>
-            </a:r>
-            <a:r>
-              <a:rPr lang="en-US" dirty="0"/>
-              <a:t> = 2</a:t>
-            </a:r>
-          </a:p>
-          <a:p>
-            <a:r>
-              <a:rPr lang="en-US" dirty="0"/>
-              <a:t>    Else</a:t>
-            </a:r>
-          </a:p>
-          <a:p>
-            <a:r>
-              <a:rPr lang="en-US" dirty="0"/>
-              <a:t>        </a:t>
-            </a:r>
-            <a:r>
-              <a:rPr lang="en-US" dirty="0" err="1"/>
-              <a:t>newRow</a:t>
-            </a:r>
-            <a:r>
-              <a:rPr lang="en-US" dirty="0"/>
-              <a:t> = </a:t>
-            </a:r>
-            <a:r>
-              <a:rPr lang="en-US" dirty="0" err="1"/>
-              <a:t>wsData.Cells</a:t>
-            </a:r>
-            <a:r>
-              <a:rPr lang="en-US" dirty="0"/>
-              <a:t>(</a:t>
-            </a:r>
-            <a:r>
-              <a:rPr lang="en-US" dirty="0" err="1"/>
-              <a:t>wsData.Rows.Count</a:t>
-            </a:r>
-            <a:r>
-              <a:rPr lang="en-US" dirty="0"/>
-              <a:t>, 1).End(</a:t>
-            </a:r>
-            <a:r>
-              <a:rPr lang="en-US" dirty="0" err="1"/>
-              <a:t>xlUp</a:t>
-            </a:r>
-            <a:r>
-              <a:rPr lang="en-US" dirty="0"/>
-              <a:t>).Row + 1</a:t>
-            </a:r>
-          </a:p>
-          <a:p>
-            <a:r>
-              <a:rPr lang="en-US" dirty="0"/>
-              <a:t>    End If</a:t>
-            </a:r>
-          </a:p>
-          <a:p>
-            <a:r>
-              <a:rPr lang="en-US" dirty="0"/>
-              <a:t>    </a:t>
-            </a:r>
-            <a:r>
-              <a:rPr lang="en-US" dirty="0" err="1"/>
-              <a:t>entryId</a:t>
-            </a:r>
-            <a:r>
-              <a:rPr lang="en-US" dirty="0"/>
-              <a:t> = </a:t>
-            </a:r>
-            <a:r>
-              <a:rPr lang="en-US" dirty="0" err="1"/>
-              <a:t>newRow</a:t>
-            </a:r>
-            <a:r>
-              <a:rPr lang="en-US" dirty="0"/>
-              <a:t> - 1   ' Entry ID is sequential (Row 2 = Entry 1, etc.)</a:t>
-            </a:r>
-          </a:p>
-          <a:p>
-            <a:r>
-              <a:rPr lang="en-US" dirty="0"/>
-              <a:t>    </a:t>
-            </a:r>
-          </a:p>
-          <a:p>
-            <a:r>
-              <a:rPr lang="en-US" dirty="0"/>
-              <a:t>    ' -------------------------------------------------------------------</a:t>
-            </a:r>
-          </a:p>
-          <a:p>
-            <a:r>
-              <a:rPr lang="en-US" dirty="0"/>
-              <a:t>    ' Prepare the Outlook email with a stunning HTML design.</a:t>
-            </a:r>
-          </a:p>
-          <a:p>
-            <a:r>
-              <a:rPr lang="en-US" dirty="0"/>
-              <a:t>    ' -------------------------------------------------------------------</a:t>
-            </a:r>
-          </a:p>
-          <a:p>
-            <a:r>
-              <a:rPr lang="en-US" dirty="0"/>
-              <a:t>    Dim </a:t>
-            </a:r>
-            <a:r>
-              <a:rPr lang="en-US" dirty="0" err="1"/>
-              <a:t>outlookApp</a:t>
-            </a:r>
-            <a:r>
-              <a:rPr lang="en-US" dirty="0"/>
-              <a:t> As Object, </a:t>
-            </a:r>
-            <a:r>
-              <a:rPr lang="en-US" dirty="0" err="1"/>
-              <a:t>outlookMail</a:t>
-            </a:r>
-            <a:r>
-              <a:rPr lang="en-US" dirty="0"/>
-              <a:t> As Object</a:t>
-            </a:r>
-          </a:p>
-          <a:p>
-            <a:r>
-              <a:rPr lang="en-US" dirty="0"/>
-              <a:t>    Set </a:t>
-            </a:r>
-            <a:r>
-              <a:rPr lang="en-US" dirty="0" err="1"/>
-              <a:t>outlookApp</a:t>
-            </a:r>
-            <a:r>
-              <a:rPr lang="en-US" dirty="0"/>
-              <a:t> = </a:t>
-            </a:r>
-            <a:r>
-              <a:rPr lang="en-US" dirty="0" err="1"/>
-              <a:t>CreateObject</a:t>
-            </a:r>
-            <a:r>
-              <a:rPr lang="en-US" dirty="0"/>
-              <a:t>("</a:t>
-            </a:r>
-            <a:r>
-              <a:rPr lang="en-US" dirty="0" err="1"/>
-              <a:t>Outlook.Application</a:t>
-            </a:r>
-            <a:r>
-              <a:rPr lang="en-US" dirty="0"/>
-              <a:t>")</a:t>
-            </a:r>
-          </a:p>
-          <a:p>
-            <a:r>
-              <a:rPr lang="en-US" dirty="0"/>
-              <a:t>    Set </a:t>
-            </a:r>
-            <a:r>
-              <a:rPr lang="en-US" dirty="0" err="1"/>
-              <a:t>outlookMail</a:t>
-            </a:r>
-            <a:r>
-              <a:rPr lang="en-US" dirty="0"/>
-              <a:t> = </a:t>
-            </a:r>
-            <a:r>
-              <a:rPr lang="en-US" dirty="0" err="1"/>
-              <a:t>outlookApp.CreateItem</a:t>
-            </a:r>
-            <a:r>
-              <a:rPr lang="en-US" dirty="0"/>
-              <a:t>(0)</a:t>
-            </a:r>
-          </a:p>
-          <a:p>
-            <a:r>
-              <a:rPr lang="en-US" dirty="0"/>
-              <a:t>    </a:t>
-            </a:r>
-          </a:p>
-          <a:p>
-            <a:r>
-              <a:rPr lang="en-US" dirty="0"/>
-              <a:t>    With </a:t>
-            </a:r>
-            <a:r>
-              <a:rPr lang="en-US" dirty="0" err="1"/>
-              <a:t>outlookMail</a:t>
-            </a:r>
-            <a:endParaRPr lang="en-US" dirty="0"/>
-          </a:p>
-          <a:p>
-            <a:r>
-              <a:rPr lang="en-US" dirty="0"/>
-              <a:t>        .To = "recipient@example.com"           ' Update with your recipient address.</a:t>
-            </a:r>
-          </a:p>
-          <a:p>
-            <a:r>
-              <a:rPr lang="en-US" dirty="0"/>
-              <a:t>        .CC = "ccrecipient@example.com"           ' Update with your CC address.</a:t>
-            </a:r>
-          </a:p>
-          <a:p>
-            <a:r>
-              <a:rPr lang="en-US" dirty="0"/>
-              <a:t>        .</a:t>
-            </a:r>
-            <a:r>
-              <a:rPr lang="en-US" dirty="0" err="1"/>
-              <a:t>SentOnBehalfOfName</a:t>
-            </a:r>
-            <a:r>
-              <a:rPr lang="en-US" dirty="0"/>
-              <a:t> = </a:t>
-            </a:r>
-            <a:r>
-              <a:rPr lang="en-US" dirty="0" err="1"/>
-              <a:t>fromAddress</a:t>
-            </a:r>
-            <a:r>
-              <a:rPr lang="en-US" dirty="0"/>
-              <a:t>         ' Sender's email from the </a:t>
-            </a:r>
-            <a:r>
-              <a:rPr lang="en-US" dirty="0" err="1"/>
-              <a:t>IntakeForm</a:t>
-            </a:r>
-            <a:r>
-              <a:rPr lang="en-US" dirty="0"/>
-              <a:t>.</a:t>
-            </a:r>
-          </a:p>
-          <a:p>
-            <a:r>
-              <a:rPr lang="en-US" dirty="0"/>
-              <a:t>        .Subject = "New Intake Form Submission - Entry #" &amp; </a:t>
-            </a:r>
-            <a:r>
-              <a:rPr lang="en-US" dirty="0" err="1"/>
-              <a:t>entryId</a:t>
-            </a:r>
-            <a:endParaRPr lang="en-US" dirty="0"/>
-          </a:p>
-          <a:p>
-            <a:r>
-              <a:rPr lang="en-US" dirty="0"/>
-              <a:t>        .</a:t>
-            </a:r>
-            <a:r>
-              <a:rPr lang="en-US" dirty="0" err="1"/>
-              <a:t>HTMLBody</a:t>
-            </a:r>
-            <a:r>
-              <a:rPr lang="en-US" dirty="0"/>
-              <a:t> = </a:t>
-            </a:r>
-            <a:r>
-              <a:rPr lang="en-US" dirty="0" err="1"/>
-              <a:t>BuildNewEntryEmailBody</a:t>
-            </a:r>
-            <a:r>
-              <a:rPr lang="en-US" dirty="0"/>
-              <a:t>(</a:t>
-            </a:r>
-            <a:r>
-              <a:rPr lang="en-US" dirty="0" err="1"/>
-              <a:t>entryId</a:t>
-            </a:r>
-            <a:r>
-              <a:rPr lang="en-US" dirty="0"/>
-              <a:t>, </a:t>
-            </a:r>
-            <a:r>
-              <a:rPr lang="en-US" dirty="0" err="1"/>
-              <a:t>formData</a:t>
-            </a:r>
-            <a:r>
-              <a:rPr lang="en-US" dirty="0"/>
-              <a:t>, </a:t>
-            </a:r>
-            <a:r>
-              <a:rPr lang="en-US" dirty="0" err="1"/>
-              <a:t>dataHeaders</a:t>
-            </a:r>
-            <a:r>
-              <a:rPr lang="en-US" dirty="0"/>
-              <a:t>)</a:t>
-            </a:r>
-          </a:p>
-          <a:p>
-            <a:r>
-              <a:rPr lang="en-US" dirty="0"/>
-              <a:t>        .Display    ' Display the email for review.</a:t>
-            </a:r>
-          </a:p>
-          <a:p>
-            <a:r>
-              <a:rPr lang="en-US" dirty="0"/>
-              <a:t>    End With</a:t>
-            </a:r>
-          </a:p>
-          <a:p>
-            <a:r>
-              <a:rPr lang="en-US" dirty="0"/>
-              <a:t>    </a:t>
-            </a:r>
-          </a:p>
-          <a:p>
-            <a:r>
-              <a:rPr lang="en-US" dirty="0"/>
-              <a:t>    ' -------------------------------------------------------------------</a:t>
-            </a:r>
-          </a:p>
-          <a:p>
-            <a:r>
-              <a:rPr lang="en-US" dirty="0"/>
-              <a:t>    ' Prompt the user for confirmation before sending.</a:t>
-            </a:r>
-          </a:p>
-          <a:p>
-            <a:r>
-              <a:rPr lang="en-US" dirty="0"/>
-              <a:t>    ' -------------------------------------------------------------------</a:t>
-            </a:r>
-          </a:p>
-          <a:p>
-            <a:r>
-              <a:rPr lang="en-US" dirty="0"/>
-              <a:t>    Dim answer As </a:t>
-            </a:r>
-            <a:r>
-              <a:rPr lang="en-US" dirty="0" err="1"/>
-              <a:t>VbMsgBoxResult</a:t>
-            </a:r>
-            <a:endParaRPr lang="en-US" dirty="0"/>
-          </a:p>
-          <a:p>
-            <a:r>
-              <a:rPr lang="en-US" dirty="0"/>
-              <a:t>    answer = </a:t>
-            </a:r>
-            <a:r>
-              <a:rPr lang="en-US" dirty="0" err="1"/>
-              <a:t>MsgBox</a:t>
-            </a:r>
-            <a:r>
-              <a:rPr lang="en-US" dirty="0"/>
-              <a:t>("Are you ready to send this email?", </a:t>
-            </a:r>
-            <a:r>
-              <a:rPr lang="en-US" dirty="0" err="1"/>
-              <a:t>vbYesNo</a:t>
-            </a:r>
-            <a:r>
-              <a:rPr lang="en-US" dirty="0"/>
-              <a:t> + </a:t>
-            </a:r>
-            <a:r>
-              <a:rPr lang="en-US" dirty="0" err="1"/>
-              <a:t>vbQuestion</a:t>
-            </a:r>
-            <a:r>
-              <a:rPr lang="en-US" dirty="0"/>
-              <a:t>, "Send Email Confirmation")</a:t>
-            </a:r>
-          </a:p>
-          <a:p>
-            <a:r>
-              <a:rPr lang="en-US" dirty="0"/>
-              <a:t>    </a:t>
-            </a:r>
-          </a:p>
-          <a:p>
-            <a:r>
-              <a:rPr lang="en-US" dirty="0"/>
-              <a:t>    If answer = </a:t>
-            </a:r>
-            <a:r>
-              <a:rPr lang="en-US" dirty="0" err="1"/>
-              <a:t>vbYes</a:t>
-            </a:r>
-            <a:r>
-              <a:rPr lang="en-US" dirty="0"/>
-              <a:t> Then</a:t>
-            </a:r>
-          </a:p>
-          <a:p>
-            <a:r>
-              <a:rPr lang="en-US" dirty="0"/>
-              <a:t>        On Error Resume Next</a:t>
-            </a:r>
-          </a:p>
-          <a:p>
-            <a:r>
-              <a:rPr lang="en-US" dirty="0"/>
-              <a:t>        </a:t>
-            </a:r>
-            <a:r>
-              <a:rPr lang="en-US" dirty="0" err="1"/>
-              <a:t>outlookMail.Send</a:t>
-            </a:r>
-            <a:endParaRPr lang="en-US" dirty="0"/>
-          </a:p>
-          <a:p>
-            <a:r>
-              <a:rPr lang="en-US" dirty="0"/>
-              <a:t>        If </a:t>
-            </a:r>
-            <a:r>
-              <a:rPr lang="en-US" dirty="0" err="1"/>
-              <a:t>Err.Number</a:t>
-            </a:r>
-            <a:r>
-              <a:rPr lang="en-US" dirty="0"/>
-              <a:t> &lt;&gt; 0 Then</a:t>
-            </a:r>
-          </a:p>
-          <a:p>
-            <a:r>
-              <a:rPr lang="en-US" dirty="0"/>
-              <a:t>            </a:t>
-            </a:r>
-            <a:r>
-              <a:rPr lang="en-US" dirty="0" err="1"/>
-              <a:t>MsgBox</a:t>
-            </a:r>
-            <a:r>
-              <a:rPr lang="en-US" dirty="0"/>
-              <a:t> "The email item is no longer available. Please send the email manually.", </a:t>
-            </a:r>
-            <a:r>
-              <a:rPr lang="en-US" dirty="0" err="1"/>
-              <a:t>vbInformation</a:t>
-            </a:r>
-            <a:endParaRPr lang="en-US" dirty="0"/>
-          </a:p>
-          <a:p>
-            <a:r>
-              <a:rPr lang="en-US" dirty="0"/>
-              <a:t>            </a:t>
-            </a:r>
-            <a:r>
-              <a:rPr lang="en-US" dirty="0" err="1"/>
-              <a:t>Err.Clear</a:t>
-            </a:r>
-            <a:endParaRPr lang="en-US" dirty="0"/>
-          </a:p>
-          <a:p>
-            <a:r>
-              <a:rPr lang="en-US" dirty="0"/>
-              <a:t>            On Error </a:t>
-            </a:r>
-            <a:r>
-              <a:rPr lang="en-US" dirty="0" err="1"/>
-              <a:t>GoTo</a:t>
-            </a:r>
-            <a:r>
-              <a:rPr lang="en-US" dirty="0"/>
-              <a:t> </a:t>
-            </a:r>
-            <a:r>
-              <a:rPr lang="en-US" dirty="0" err="1"/>
-              <a:t>ErrHandler</a:t>
-            </a:r>
-            <a:endParaRPr lang="en-US" dirty="0"/>
-          </a:p>
-          <a:p>
-            <a:r>
-              <a:rPr lang="en-US" dirty="0"/>
-              <a:t>            Exit Sub</a:t>
-            </a:r>
-          </a:p>
-          <a:p>
-            <a:r>
-              <a:rPr lang="en-US" dirty="0"/>
-              <a:t>        Else</a:t>
-            </a:r>
-          </a:p>
-          <a:p>
-            <a:r>
-              <a:rPr lang="en-US" dirty="0"/>
-              <a:t>            </a:t>
-            </a:r>
-            <a:r>
-              <a:rPr lang="en-US" dirty="0" err="1"/>
-              <a:t>MsgBox</a:t>
-            </a:r>
-            <a:r>
-              <a:rPr lang="en-US" dirty="0"/>
-              <a:t> "Email has been sent.", </a:t>
-            </a:r>
-            <a:r>
-              <a:rPr lang="en-US" dirty="0" err="1"/>
-              <a:t>vbInformation</a:t>
-            </a:r>
-            <a:endParaRPr lang="en-US" dirty="0"/>
-          </a:p>
-          <a:p>
-            <a:r>
-              <a:rPr lang="en-US" dirty="0"/>
-              <a:t>            ' -------------------------------------------------------------------</a:t>
-            </a:r>
-          </a:p>
-          <a:p>
-            <a:r>
-              <a:rPr lang="en-US" dirty="0"/>
-              <a:t>            ' Now, accumulate the new entry in DATA_SHEET_NAME.</a:t>
-            </a:r>
-          </a:p>
-          <a:p>
-            <a:r>
-              <a:rPr lang="en-US" dirty="0"/>
-              <a:t>            ' -------------------------------------------------------------------</a:t>
-            </a:r>
-          </a:p>
-          <a:p>
-            <a:r>
-              <a:rPr lang="en-US" dirty="0"/>
-              <a:t>            </a:t>
-            </a:r>
-            <a:r>
-              <a:rPr lang="en-US" dirty="0" err="1"/>
-              <a:t>wsData.Cells</a:t>
-            </a:r>
-            <a:r>
-              <a:rPr lang="en-US" dirty="0"/>
-              <a:t>(</a:t>
-            </a:r>
-            <a:r>
-              <a:rPr lang="en-US" dirty="0" err="1"/>
-              <a:t>newRow</a:t>
-            </a:r>
-            <a:r>
-              <a:rPr lang="en-US" dirty="0"/>
-              <a:t>, 1).Value = </a:t>
-            </a:r>
-            <a:r>
-              <a:rPr lang="en-US" dirty="0" err="1"/>
-              <a:t>entryId</a:t>
-            </a:r>
-            <a:endParaRPr lang="en-US" dirty="0"/>
-          </a:p>
-          <a:p>
-            <a:r>
-              <a:rPr lang="en-US" dirty="0"/>
-              <a:t>            For </a:t>
-            </a:r>
-            <a:r>
-              <a:rPr lang="en-US" dirty="0" err="1"/>
-              <a:t>i</a:t>
-            </a:r>
-            <a:r>
-              <a:rPr lang="en-US" dirty="0"/>
-              <a:t> = 1 To </a:t>
-            </a:r>
-            <a:r>
-              <a:rPr lang="en-US" dirty="0" err="1"/>
-              <a:t>fieldCount</a:t>
-            </a:r>
-            <a:endParaRPr lang="en-US" dirty="0"/>
-          </a:p>
-          <a:p>
-            <a:r>
-              <a:rPr lang="en-US" dirty="0"/>
-              <a:t>                </a:t>
-            </a:r>
-            <a:r>
-              <a:rPr lang="en-US" dirty="0" err="1"/>
-              <a:t>wsData.Cells</a:t>
-            </a:r>
-            <a:r>
-              <a:rPr lang="en-US" dirty="0"/>
-              <a:t>(</a:t>
-            </a:r>
-            <a:r>
-              <a:rPr lang="en-US" dirty="0" err="1"/>
-              <a:t>newRow</a:t>
-            </a:r>
-            <a:r>
-              <a:rPr lang="en-US" dirty="0"/>
-              <a:t>, </a:t>
-            </a:r>
-            <a:r>
-              <a:rPr lang="en-US" dirty="0" err="1"/>
-              <a:t>i</a:t>
-            </a:r>
-            <a:r>
-              <a:rPr lang="en-US" dirty="0"/>
-              <a:t> + 1).Value = </a:t>
-            </a:r>
-            <a:r>
-              <a:rPr lang="en-US" dirty="0" err="1"/>
-              <a:t>formData</a:t>
-            </a:r>
-            <a:r>
-              <a:rPr lang="en-US" dirty="0"/>
-              <a:t>(</a:t>
-            </a:r>
-            <a:r>
-              <a:rPr lang="en-US" dirty="0" err="1"/>
-              <a:t>i</a:t>
-            </a:r>
-            <a:r>
-              <a:rPr lang="en-US" dirty="0"/>
-              <a:t>)</a:t>
-            </a:r>
-          </a:p>
-          <a:p>
-            <a:r>
-              <a:rPr lang="en-US" dirty="0"/>
-              <a:t>            Next </a:t>
-            </a:r>
-            <a:r>
-              <a:rPr lang="en-US" dirty="0" err="1"/>
-              <a:t>i</a:t>
-            </a:r>
-            <a:endParaRPr lang="en-US" dirty="0"/>
-          </a:p>
-          <a:p>
-            <a:r>
-              <a:rPr lang="en-US" dirty="0"/>
-              <a:t>            </a:t>
-            </a:r>
-            <a:r>
-              <a:rPr lang="en-US" dirty="0" err="1"/>
-              <a:t>wsData.Cells</a:t>
-            </a:r>
-            <a:r>
-              <a:rPr lang="en-US" dirty="0"/>
-              <a:t>(</a:t>
-            </a:r>
-            <a:r>
-              <a:rPr lang="en-US" dirty="0" err="1"/>
-              <a:t>newRow</a:t>
-            </a:r>
-            <a:r>
-              <a:rPr lang="en-US" dirty="0"/>
-              <a:t>, </a:t>
-            </a:r>
-            <a:r>
-              <a:rPr lang="en-US" dirty="0" err="1"/>
-              <a:t>UBound</a:t>
-            </a:r>
-            <a:r>
-              <a:rPr lang="en-US" dirty="0"/>
-              <a:t>(</a:t>
-            </a:r>
-            <a:r>
-              <a:rPr lang="en-US" dirty="0" err="1"/>
-              <a:t>dataHeaders</a:t>
-            </a:r>
-            <a:r>
-              <a:rPr lang="en-US" dirty="0"/>
-              <a:t>)).Value = Now()</a:t>
-            </a:r>
-          </a:p>
-          <a:p>
-            <a:r>
-              <a:rPr lang="en-US" dirty="0"/>
-              <a:t>        End If</a:t>
-            </a:r>
-          </a:p>
-          <a:p>
-            <a:r>
-              <a:rPr lang="en-US" dirty="0"/>
-              <a:t>    Else</a:t>
-            </a:r>
-          </a:p>
-          <a:p>
-            <a:r>
-              <a:rPr lang="en-US" dirty="0"/>
-              <a:t>        </a:t>
-            </a:r>
-            <a:r>
-              <a:rPr lang="en-US" dirty="0" err="1"/>
-              <a:t>MsgBox</a:t>
-            </a:r>
-            <a:r>
-              <a:rPr lang="en-US" dirty="0"/>
-              <a:t> "Email not sent. You may review and send manually. Data has not been accumulated.", </a:t>
-            </a:r>
-            <a:r>
-              <a:rPr lang="en-US" dirty="0" err="1"/>
-              <a:t>vbInformation</a:t>
-            </a:r>
-            <a:endParaRPr lang="en-US" dirty="0"/>
-          </a:p>
-          <a:p>
-            <a:r>
-              <a:rPr lang="en-US" dirty="0"/>
-              <a:t>    End If</a:t>
-            </a:r>
-          </a:p>
-          <a:p>
-            <a:r>
-              <a:rPr lang="en-US" dirty="0"/>
-              <a:t>    </a:t>
-            </a:r>
-          </a:p>
-          <a:p>
-            <a:r>
-              <a:rPr lang="en-US" dirty="0"/>
-              <a:t>Cleanup:</a:t>
-            </a:r>
-          </a:p>
-          <a:p>
-            <a:r>
-              <a:rPr lang="en-US" dirty="0"/>
-              <a:t>    Set </a:t>
-            </a:r>
-            <a:r>
-              <a:rPr lang="en-US" dirty="0" err="1"/>
-              <a:t>outlookMail</a:t>
-            </a:r>
-            <a:r>
-              <a:rPr lang="en-US" dirty="0"/>
-              <a:t> = Nothing</a:t>
-            </a:r>
-          </a:p>
-          <a:p>
-            <a:r>
-              <a:rPr lang="en-US" dirty="0"/>
-              <a:t>    Set </a:t>
-            </a:r>
-            <a:r>
-              <a:rPr lang="en-US" dirty="0" err="1"/>
-              <a:t>outlookApp</a:t>
-            </a:r>
-            <a:r>
-              <a:rPr lang="en-US" dirty="0"/>
-              <a:t> = Nothing</a:t>
-            </a:r>
-          </a:p>
-          <a:p>
-            <a:r>
-              <a:rPr lang="en-US" dirty="0"/>
-              <a:t>    Exit Sub</a:t>
-            </a:r>
-          </a:p>
-          <a:p>
-            <a:endParaRPr lang="en-US" dirty="0"/>
-          </a:p>
-          <a:p>
-            <a:r>
-              <a:rPr lang="en-US" dirty="0" err="1"/>
-              <a:t>ErrHandler</a:t>
-            </a:r>
-            <a:r>
-              <a:rPr lang="en-US" dirty="0"/>
-              <a:t>:</a:t>
-            </a:r>
-          </a:p>
-          <a:p>
-            <a:r>
-              <a:rPr lang="en-US" dirty="0"/>
-              <a:t>    </a:t>
-            </a:r>
-            <a:r>
-              <a:rPr lang="en-US" dirty="0" err="1"/>
-              <a:t>MsgBox</a:t>
-            </a:r>
-            <a:r>
-              <a:rPr lang="en-US" dirty="0"/>
-              <a:t> "Error: " &amp; </a:t>
-            </a:r>
-            <a:r>
-              <a:rPr lang="en-US" dirty="0" err="1"/>
-              <a:t>Err.Description</a:t>
-            </a:r>
-            <a:r>
-              <a:rPr lang="en-US" dirty="0"/>
-              <a:t>, </a:t>
-            </a:r>
-            <a:r>
-              <a:rPr lang="en-US" dirty="0" err="1"/>
-              <a:t>vbCritical</a:t>
-            </a:r>
-            <a:endParaRPr lang="en-US" dirty="0"/>
-          </a:p>
-          <a:p>
-            <a:r>
-              <a:rPr lang="en-US" dirty="0"/>
-              <a:t>    Resume Cleanup</a:t>
-            </a:r>
-          </a:p>
-          <a:p>
-            <a:r>
-              <a:rPr lang="en-US" dirty="0"/>
+              <a:rPr lang="en-US"/>
               <a:t>End Sub</a:t>
             </a:r>
-          </a:p>
-          <a:p>
-            <a:endParaRPr lang="en-US" dirty="0"/>
-          </a:p>
-          <a:p>
-            <a:r>
-              <a:rPr lang="en-US" dirty="0"/>
-              <a:t>'-------------------------------------------------------------------</a:t>
-            </a:r>
-          </a:p>
-          <a:p>
-            <a:r>
-              <a:rPr lang="en-US" dirty="0"/>
-              <a:t>' </a:t>
-            </a:r>
-            <a:r>
-              <a:rPr lang="en-US" dirty="0" err="1"/>
-              <a:t>BuildNewEntryEmailBody</a:t>
-            </a:r>
-            <a:r>
-              <a:rPr lang="en-US" dirty="0"/>
-              <a:t>:</a:t>
-            </a:r>
-          </a:p>
-          <a:p>
-            <a:r>
-              <a:rPr lang="en-US" dirty="0"/>
-              <a:t>' Constructs a stunning HTML email containing the new entry details </a:t>
-            </a:r>
-          </a:p>
-          <a:p>
-            <a:r>
-              <a:rPr lang="en-US" dirty="0"/>
-              <a:t>' in a horizontal table format. The table includes the Entry ID as the </a:t>
-            </a:r>
-          </a:p>
-          <a:p>
-            <a:r>
-              <a:rPr lang="en-US" dirty="0"/>
-              <a:t>' first column, followed by the form field data.</a:t>
-            </a:r>
-          </a:p>
-          <a:p>
-            <a:r>
-              <a:rPr lang="en-US" dirty="0"/>
-              <a:t>'-------------------------------------------------------------------</a:t>
-            </a:r>
-          </a:p>
-          <a:p>
-            <a:r>
-              <a:rPr lang="en-US" dirty="0"/>
-              <a:t>Private Function </a:t>
-            </a:r>
-            <a:r>
-              <a:rPr lang="en-US" dirty="0" err="1"/>
-              <a:t>BuildNewEntryEmailBody</a:t>
-            </a:r>
-            <a:r>
-              <a:rPr lang="en-US" dirty="0"/>
-              <a:t>(</a:t>
-            </a:r>
-            <a:r>
-              <a:rPr lang="en-US" dirty="0" err="1"/>
-              <a:t>entryId</a:t>
-            </a:r>
-            <a:r>
-              <a:rPr lang="en-US" dirty="0"/>
-              <a:t> As Long, </a:t>
-            </a:r>
-            <a:r>
-              <a:rPr lang="en-US" dirty="0" err="1"/>
-              <a:t>formData</a:t>
-            </a:r>
-            <a:r>
-              <a:rPr lang="en-US" dirty="0"/>
-              <a:t> As Variant, </a:t>
-            </a:r>
-            <a:r>
-              <a:rPr lang="en-US" dirty="0" err="1"/>
-              <a:t>dataHeaders</a:t>
-            </a:r>
-            <a:r>
-              <a:rPr lang="en-US" dirty="0"/>
-              <a:t> As Variant) As String</a:t>
-            </a:r>
-          </a:p>
-          <a:p>
-            <a:r>
-              <a:rPr lang="en-US" dirty="0"/>
-              <a:t>    Dim </a:t>
-            </a:r>
-            <a:r>
-              <a:rPr lang="en-US" dirty="0" err="1"/>
-              <a:t>htmlBody</a:t>
-            </a:r>
-            <a:r>
-              <a:rPr lang="en-US" dirty="0"/>
-              <a:t> As String</a:t>
-            </a:r>
-          </a:p>
-          <a:p>
-            <a:r>
-              <a:rPr lang="en-US" dirty="0"/>
-              <a:t>    Dim </a:t>
-            </a:r>
-            <a:r>
-              <a:rPr lang="en-US" dirty="0" err="1"/>
-              <a:t>i</a:t>
-            </a:r>
-            <a:r>
-              <a:rPr lang="en-US" dirty="0"/>
-              <a:t> As Long</a:t>
-            </a:r>
-          </a:p>
-          <a:p>
-            <a:r>
-              <a:rPr lang="en-US" dirty="0"/>
-              <a:t>    </a:t>
-            </a:r>
-          </a:p>
-          <a:p>
-            <a:r>
-              <a:rPr lang="en-US" dirty="0"/>
-              <a:t>    </a:t>
-            </a:r>
-            <a:r>
-              <a:rPr lang="en-US" dirty="0" err="1"/>
-              <a:t>htmlBody</a:t>
-            </a:r>
-            <a:r>
-              <a:rPr lang="en-US" dirty="0"/>
-              <a:t> = "&lt;html&gt;" &amp; </a:t>
-            </a:r>
-            <a:r>
-              <a:rPr lang="en-US" dirty="0" err="1"/>
-              <a:t>vbCrLf</a:t>
-            </a:r>
-            <a:r>
-              <a:rPr lang="en-US" dirty="0"/>
-              <a:t> &amp; _</a:t>
-            </a:r>
-          </a:p>
-          <a:p>
-            <a:r>
-              <a:rPr lang="en-US" dirty="0"/>
-              <a:t>        "&lt;head&gt;" &amp; </a:t>
-            </a:r>
-            <a:r>
-              <a:rPr lang="en-US" dirty="0" err="1"/>
-              <a:t>vbCrLf</a:t>
-            </a:r>
-            <a:r>
-              <a:rPr lang="en-US" dirty="0"/>
-              <a:t> &amp; _</a:t>
-            </a:r>
-          </a:p>
-          <a:p>
-            <a:r>
-              <a:rPr lang="en-US" dirty="0"/>
-              <a:t>        "  &lt;meta charset='UTF-8'&gt;" &amp; </a:t>
-            </a:r>
-            <a:r>
-              <a:rPr lang="en-US" dirty="0" err="1"/>
-              <a:t>vbCrLf</a:t>
-            </a:r>
-            <a:r>
-              <a:rPr lang="en-US" dirty="0"/>
-              <a:t> &amp; _</a:t>
-            </a:r>
-          </a:p>
-          <a:p>
-            <a:r>
-              <a:rPr lang="en-US" dirty="0"/>
-              <a:t>        "  &lt;title&gt;New Intake Submission&lt;/title&gt;" &amp; </a:t>
-            </a:r>
-            <a:r>
-              <a:rPr lang="en-US" dirty="0" err="1"/>
-              <a:t>vbCrLf</a:t>
-            </a:r>
-            <a:r>
-              <a:rPr lang="en-US" dirty="0"/>
-              <a:t> &amp; _</a:t>
-            </a:r>
-          </a:p>
-          <a:p>
-            <a:r>
-              <a:rPr lang="en-US" dirty="0"/>
-              <a:t>        "  &lt;style&gt;" &amp; </a:t>
-            </a:r>
-            <a:r>
-              <a:rPr lang="en-US" dirty="0" err="1"/>
-              <a:t>vbCrLf</a:t>
-            </a:r>
-            <a:r>
-              <a:rPr lang="en-US" dirty="0"/>
-              <a:t> &amp; _</a:t>
-            </a:r>
-          </a:p>
-          <a:p>
-            <a:r>
-              <a:rPr lang="en-US" dirty="0"/>
-              <a:t>        "    body {font-family: 'Segoe UI', Tahoma, Geneva, Verdana, sans-serif; background-color: #f4f4f4; margin: 0; padding: 20px;}" &amp; </a:t>
-            </a:r>
-            <a:r>
-              <a:rPr lang="en-US" dirty="0" err="1"/>
-              <a:t>vbCrLf</a:t>
-            </a:r>
-            <a:r>
-              <a:rPr lang="en-US" dirty="0"/>
-              <a:t> &amp; _</a:t>
-            </a:r>
-          </a:p>
-          <a:p>
-            <a:r>
-              <a:rPr lang="en-US" dirty="0"/>
-              <a:t>        "    .container {max-width:600px; margin: auto; background: #fff; padding: 20px; border-radius: 8px; box-shadow: 0 4px 8px </a:t>
-            </a:r>
-            <a:r>
-              <a:rPr lang="en-US" dirty="0" err="1"/>
-              <a:t>rgba</a:t>
-            </a:r>
-            <a:r>
-              <a:rPr lang="en-US" dirty="0"/>
-              <a:t>(0,0,0,0.1);}" &amp; </a:t>
-            </a:r>
-            <a:r>
-              <a:rPr lang="en-US" dirty="0" err="1"/>
-              <a:t>vbCrLf</a:t>
-            </a:r>
-            <a:r>
-              <a:rPr lang="en-US" dirty="0"/>
-              <a:t> &amp; _</a:t>
-            </a:r>
-          </a:p>
-          <a:p>
-            <a:r>
-              <a:rPr lang="en-US" dirty="0"/>
-              <a:t>        "    h2 {color: #2d89ef; margin-bottom: 10px;}" &amp; </a:t>
-            </a:r>
-            <a:r>
-              <a:rPr lang="en-US" dirty="0" err="1"/>
-              <a:t>vbCrLf</a:t>
-            </a:r>
-            <a:r>
-              <a:rPr lang="en-US" dirty="0"/>
-              <a:t> &amp; _</a:t>
-            </a:r>
-          </a:p>
-          <a:p>
-            <a:r>
-              <a:rPr lang="en-US" dirty="0"/>
-              <a:t>        "    p {color: #555; font-size: 14px;}" &amp; </a:t>
-            </a:r>
-            <a:r>
-              <a:rPr lang="en-US" dirty="0" err="1"/>
-              <a:t>vbCrLf</a:t>
-            </a:r>
-            <a:r>
-              <a:rPr lang="en-US" dirty="0"/>
-              <a:t> &amp; _</a:t>
-            </a:r>
-          </a:p>
-          <a:p>
-            <a:r>
-              <a:rPr lang="en-US" dirty="0"/>
-              <a:t>        "    table {width: 100%; border-collapse: collapse; margin: 20px 0;}" &amp; </a:t>
-            </a:r>
-            <a:r>
-              <a:rPr lang="en-US" dirty="0" err="1"/>
-              <a:t>vbCrLf</a:t>
-            </a:r>
-            <a:r>
-              <a:rPr lang="en-US" dirty="0"/>
-              <a:t> &amp; _</a:t>
-            </a:r>
-          </a:p>
-          <a:p>
-            <a:r>
-              <a:rPr lang="en-US" dirty="0"/>
-              <a:t>        "    </a:t>
-            </a:r>
-            <a:r>
-              <a:rPr lang="en-US" dirty="0" err="1"/>
-              <a:t>th</a:t>
-            </a:r>
-            <a:r>
-              <a:rPr lang="en-US" dirty="0"/>
-              <a:t>, td {padding: 12px; border: 1px solid #ddd; text-align: left;}" &amp; </a:t>
-            </a:r>
-            <a:r>
-              <a:rPr lang="en-US" dirty="0" err="1"/>
-              <a:t>vbCrLf</a:t>
-            </a:r>
-            <a:r>
-              <a:rPr lang="en-US" dirty="0"/>
-              <a:t> &amp; _</a:t>
-            </a:r>
-          </a:p>
-          <a:p>
-            <a:r>
-              <a:rPr lang="en-US" dirty="0"/>
-              <a:t>        "    </a:t>
-            </a:r>
-            <a:r>
-              <a:rPr lang="en-US" dirty="0" err="1"/>
-              <a:t>th</a:t>
-            </a:r>
-            <a:r>
-              <a:rPr lang="en-US" dirty="0"/>
-              <a:t> {background-color: #2d89ef; color: #fff; font-weight: bold;}" &amp; </a:t>
-            </a:r>
-            <a:r>
-              <a:rPr lang="en-US" dirty="0" err="1"/>
-              <a:t>vbCrLf</a:t>
-            </a:r>
-            <a:r>
-              <a:rPr lang="en-US" dirty="0"/>
-              <a:t> &amp; _</a:t>
-            </a:r>
-          </a:p>
-          <a:p>
-            <a:r>
-              <a:rPr lang="en-US" dirty="0"/>
-              <a:t>        "    </a:t>
-            </a:r>
-            <a:r>
-              <a:rPr lang="en-US" dirty="0" err="1"/>
-              <a:t>tr:nth-child</a:t>
-            </a:r>
-            <a:r>
-              <a:rPr lang="en-US" dirty="0"/>
-              <a:t>(even) {background-color: #f9f9f9;}" &amp; </a:t>
-            </a:r>
-            <a:r>
-              <a:rPr lang="en-US" dirty="0" err="1"/>
-              <a:t>vbCrLf</a:t>
-            </a:r>
-            <a:r>
-              <a:rPr lang="en-US" dirty="0"/>
-              <a:t> &amp; _</a:t>
-            </a:r>
-          </a:p>
-          <a:p>
-            <a:r>
-              <a:rPr lang="en-US" dirty="0"/>
-              <a:t>        "    .entry-id {font-size: 16px; font-weight: bold; margin-bottom: 20px;}" &amp; </a:t>
-            </a:r>
-            <a:r>
-              <a:rPr lang="en-US" dirty="0" err="1"/>
-              <a:t>vbCrLf</a:t>
-            </a:r>
-            <a:r>
-              <a:rPr lang="en-US" dirty="0"/>
-              <a:t> &amp; _</a:t>
-            </a:r>
-          </a:p>
-          <a:p>
-            <a:r>
-              <a:rPr lang="en-US" dirty="0"/>
-              <a:t>        "    .footer {text-align: center; font-size: 12px; color: #888; margin-top: 20px;}" &amp; </a:t>
-            </a:r>
-            <a:r>
-              <a:rPr lang="en-US" dirty="0" err="1"/>
-              <a:t>vbCrLf</a:t>
-            </a:r>
-            <a:r>
-              <a:rPr lang="en-US" dirty="0"/>
-              <a:t> &amp; _</a:t>
-            </a:r>
-          </a:p>
-          <a:p>
-            <a:r>
-              <a:rPr lang="en-US" dirty="0"/>
-              <a:t>        "  &lt;/style&gt;" &amp; </a:t>
-            </a:r>
-            <a:r>
-              <a:rPr lang="en-US" dirty="0" err="1"/>
-              <a:t>vbCrLf</a:t>
-            </a:r>
-            <a:r>
-              <a:rPr lang="en-US" dirty="0"/>
-              <a:t> &amp; _</a:t>
-            </a:r>
-          </a:p>
-          <a:p>
-            <a:r>
-              <a:rPr lang="en-US" dirty="0"/>
-              <a:t>        "&lt;/head&gt;" &amp; </a:t>
-            </a:r>
-            <a:r>
-              <a:rPr lang="en-US" dirty="0" err="1"/>
-              <a:t>vbCrLf</a:t>
-            </a:r>
-            <a:r>
-              <a:rPr lang="en-US" dirty="0"/>
-              <a:t> &amp; _</a:t>
-            </a:r>
-          </a:p>
-          <a:p>
-            <a:r>
-              <a:rPr lang="en-US" dirty="0"/>
-              <a:t>        "&lt;body&gt;" &amp; </a:t>
-            </a:r>
-            <a:r>
-              <a:rPr lang="en-US" dirty="0" err="1"/>
-              <a:t>vbCrLf</a:t>
-            </a:r>
-            <a:r>
-              <a:rPr lang="en-US" dirty="0"/>
-              <a:t> &amp; _</a:t>
-            </a:r>
-          </a:p>
-          <a:p>
-            <a:r>
-              <a:rPr lang="en-US" dirty="0"/>
-              <a:t>        "  &lt;div class='container'&gt;" &amp; </a:t>
-            </a:r>
-            <a:r>
-              <a:rPr lang="en-US" dirty="0" err="1"/>
-              <a:t>vbCrLf</a:t>
-            </a:r>
-            <a:r>
-              <a:rPr lang="en-US" dirty="0"/>
-              <a:t> &amp; _</a:t>
-            </a:r>
-          </a:p>
-          <a:p>
-            <a:r>
-              <a:rPr lang="en-US" dirty="0"/>
-              <a:t>        "    &lt;h2&gt;New Intake Form Submission&lt;/h2&gt;" &amp; </a:t>
-            </a:r>
-            <a:r>
-              <a:rPr lang="en-US" dirty="0" err="1"/>
-              <a:t>vbCrLf</a:t>
-            </a:r>
-            <a:r>
-              <a:rPr lang="en-US" dirty="0"/>
-              <a:t> &amp; _</a:t>
-            </a:r>
-          </a:p>
-          <a:p>
-            <a:r>
-              <a:rPr lang="en-US" dirty="0"/>
-              <a:t>        "    &lt;p class='entry-id'&gt;Entry ID: " &amp; </a:t>
-            </a:r>
-            <a:r>
-              <a:rPr lang="en-US" dirty="0" err="1"/>
-              <a:t>entryId</a:t>
-            </a:r>
-            <a:r>
-              <a:rPr lang="en-US" dirty="0"/>
-              <a:t> &amp; "&lt;/p&gt;" &amp; </a:t>
-            </a:r>
-            <a:r>
-              <a:rPr lang="en-US" dirty="0" err="1"/>
-              <a:t>vbCrLf</a:t>
-            </a:r>
-            <a:r>
-              <a:rPr lang="en-US" dirty="0"/>
-              <a:t> &amp; _</a:t>
-            </a:r>
-          </a:p>
-          <a:p>
-            <a:r>
-              <a:rPr lang="en-US" dirty="0"/>
-              <a:t>        "    &lt;p&gt;A new entry has been recorded. Details are shown below:&lt;/p&gt;" &amp; </a:t>
-            </a:r>
-            <a:r>
-              <a:rPr lang="en-US" dirty="0" err="1"/>
-              <a:t>vbCrLf</a:t>
-            </a:r>
-            <a:r>
-              <a:rPr lang="en-US" dirty="0"/>
-              <a:t> &amp; _</a:t>
-            </a:r>
-          </a:p>
-          <a:p>
-            <a:r>
-              <a:rPr lang="en-US" dirty="0"/>
-              <a:t>        "    &lt;table&gt;" &amp; </a:t>
-            </a:r>
-            <a:r>
-              <a:rPr lang="en-US" dirty="0" err="1"/>
-              <a:t>vbCrLf</a:t>
-            </a:r>
-            <a:r>
-              <a:rPr lang="en-US" dirty="0"/>
-              <a:t> &amp; _</a:t>
-            </a:r>
-          </a:p>
-          <a:p>
-            <a:r>
-              <a:rPr lang="en-US" dirty="0"/>
-              <a:t>        "      &lt;</a:t>
-            </a:r>
-            <a:r>
-              <a:rPr lang="en-US" dirty="0" err="1"/>
-              <a:t>thead</a:t>
-            </a:r>
-            <a:r>
-              <a:rPr lang="en-US" dirty="0"/>
-              <a:t>&gt;" &amp; </a:t>
-            </a:r>
-            <a:r>
-              <a:rPr lang="en-US" dirty="0" err="1"/>
-              <a:t>vbCrLf</a:t>
-            </a:r>
-            <a:r>
-              <a:rPr lang="en-US" dirty="0"/>
-              <a:t> &amp; "        &lt;tr&gt;" &amp; </a:t>
-            </a:r>
-            <a:r>
-              <a:rPr lang="en-US" dirty="0" err="1"/>
-              <a:t>vbCrLf</a:t>
-            </a:r>
-            <a:r>
-              <a:rPr lang="en-US" dirty="0"/>
-              <a:t> &amp; _</a:t>
-            </a:r>
-          </a:p>
-          <a:p>
-            <a:r>
-              <a:rPr lang="en-US" dirty="0"/>
-              <a:t>        "          &lt;</a:t>
-            </a:r>
-            <a:r>
-              <a:rPr lang="en-US" dirty="0" err="1"/>
-              <a:t>th</a:t>
-            </a:r>
-            <a:r>
-              <a:rPr lang="en-US" dirty="0"/>
-              <a:t>&gt;" &amp; </a:t>
-            </a:r>
-            <a:r>
-              <a:rPr lang="en-US" dirty="0" err="1"/>
-              <a:t>dataHeaders</a:t>
-            </a:r>
-            <a:r>
-              <a:rPr lang="en-US" dirty="0"/>
-              <a:t>(1) &amp; "&lt;/</a:t>
-            </a:r>
-            <a:r>
-              <a:rPr lang="en-US" dirty="0" err="1"/>
-              <a:t>th</a:t>
-            </a:r>
-            <a:r>
-              <a:rPr lang="en-US" dirty="0"/>
-              <a:t>&gt;"  ' "Entry #"</a:t>
-            </a:r>
-          </a:p>
-          <a:p>
-            <a:r>
-              <a:rPr lang="en-US" dirty="0"/>
-              <a:t>    </a:t>
-            </a:r>
-          </a:p>
-          <a:p>
-            <a:r>
-              <a:rPr lang="en-US" dirty="0"/>
-              <a:t>    ' Append header cells for each form field (</a:t>
-            </a:r>
-            <a:r>
-              <a:rPr lang="en-US" dirty="0" err="1"/>
-              <a:t>dataHeaders</a:t>
-            </a:r>
-            <a:r>
-              <a:rPr lang="en-US" dirty="0"/>
-              <a:t> indices 2 to fieldCount+1).</a:t>
-            </a:r>
-          </a:p>
-          <a:p>
-            <a:r>
-              <a:rPr lang="en-US" dirty="0"/>
-              <a:t>    For </a:t>
-            </a:r>
-            <a:r>
-              <a:rPr lang="en-US" dirty="0" err="1"/>
-              <a:t>i</a:t>
-            </a:r>
-            <a:r>
-              <a:rPr lang="en-US" dirty="0"/>
-              <a:t> = 1 To </a:t>
-            </a:r>
-            <a:r>
-              <a:rPr lang="en-US" dirty="0" err="1"/>
-              <a:t>UBound</a:t>
-            </a:r>
-            <a:r>
-              <a:rPr lang="en-US" dirty="0"/>
-              <a:t>(</a:t>
-            </a:r>
-            <a:r>
-              <a:rPr lang="en-US" dirty="0" err="1"/>
-              <a:t>formData</a:t>
-            </a:r>
-            <a:r>
-              <a:rPr lang="en-US" dirty="0"/>
-              <a:t>)</a:t>
-            </a:r>
-          </a:p>
-          <a:p>
-            <a:r>
-              <a:rPr lang="en-US" dirty="0"/>
-              <a:t>        </a:t>
-            </a:r>
-            <a:r>
-              <a:rPr lang="en-US" dirty="0" err="1"/>
-              <a:t>htmlBody</a:t>
-            </a:r>
-            <a:r>
-              <a:rPr lang="en-US" dirty="0"/>
-              <a:t> = </a:t>
-            </a:r>
-            <a:r>
-              <a:rPr lang="en-US" dirty="0" err="1"/>
-              <a:t>htmlBody</a:t>
-            </a:r>
-            <a:r>
-              <a:rPr lang="en-US" dirty="0"/>
-              <a:t> &amp; "          &lt;</a:t>
-            </a:r>
-            <a:r>
-              <a:rPr lang="en-US" dirty="0" err="1"/>
-              <a:t>th</a:t>
-            </a:r>
-            <a:r>
-              <a:rPr lang="en-US" dirty="0"/>
-              <a:t>&gt;" &amp; </a:t>
-            </a:r>
-            <a:r>
-              <a:rPr lang="en-US" dirty="0" err="1"/>
-              <a:t>dataHeaders</a:t>
-            </a:r>
-            <a:r>
-              <a:rPr lang="en-US" dirty="0"/>
-              <a:t>(</a:t>
-            </a:r>
-            <a:r>
-              <a:rPr lang="en-US" dirty="0" err="1"/>
-              <a:t>i</a:t>
-            </a:r>
-            <a:r>
-              <a:rPr lang="en-US" dirty="0"/>
-              <a:t> + 1) &amp; "&lt;/</a:t>
-            </a:r>
-            <a:r>
-              <a:rPr lang="en-US" dirty="0" err="1"/>
-              <a:t>th</a:t>
-            </a:r>
-            <a:r>
-              <a:rPr lang="en-US" dirty="0"/>
-              <a:t>&gt;" &amp; </a:t>
-            </a:r>
-            <a:r>
-              <a:rPr lang="en-US" dirty="0" err="1"/>
-              <a:t>vbCrLf</a:t>
-            </a:r>
-            <a:endParaRPr lang="en-US" dirty="0"/>
-          </a:p>
-          <a:p>
-            <a:r>
-              <a:rPr lang="en-US" dirty="0"/>
-              <a:t>    Next </a:t>
-            </a:r>
-            <a:r>
-              <a:rPr lang="en-US" dirty="0" err="1"/>
-              <a:t>i</a:t>
-            </a:r>
-            <a:endParaRPr lang="en-US" dirty="0"/>
-          </a:p>
-          <a:p>
-            <a:r>
-              <a:rPr lang="en-US" dirty="0"/>
-              <a:t>    </a:t>
-            </a:r>
-          </a:p>
-          <a:p>
-            <a:r>
-              <a:rPr lang="en-US" dirty="0"/>
-              <a:t>    </a:t>
-            </a:r>
-            <a:r>
-              <a:rPr lang="en-US" dirty="0" err="1"/>
-              <a:t>htmlBody</a:t>
-            </a:r>
-            <a:r>
-              <a:rPr lang="en-US" dirty="0"/>
-              <a:t> = </a:t>
-            </a:r>
-            <a:r>
-              <a:rPr lang="en-US" dirty="0" err="1"/>
-              <a:t>htmlBody</a:t>
-            </a:r>
-            <a:r>
-              <a:rPr lang="en-US" dirty="0"/>
-              <a:t> &amp; "        &lt;/tr&gt;" &amp; </a:t>
-            </a:r>
-            <a:r>
-              <a:rPr lang="en-US" dirty="0" err="1"/>
-              <a:t>vbCrLf</a:t>
-            </a:r>
-            <a:r>
-              <a:rPr lang="en-US" dirty="0"/>
-              <a:t> &amp; "      &lt;/</a:t>
-            </a:r>
-            <a:r>
-              <a:rPr lang="en-US" dirty="0" err="1"/>
-              <a:t>thead</a:t>
-            </a:r>
-            <a:r>
-              <a:rPr lang="en-US" dirty="0"/>
-              <a:t>&gt;" &amp; </a:t>
-            </a:r>
-            <a:r>
-              <a:rPr lang="en-US" dirty="0" err="1"/>
-              <a:t>vbCrLf</a:t>
-            </a:r>
-            <a:r>
-              <a:rPr lang="en-US" dirty="0"/>
-              <a:t> &amp; _</a:t>
-            </a:r>
-          </a:p>
-          <a:p>
-            <a:r>
-              <a:rPr lang="en-US" dirty="0"/>
-              <a:t>        "      &lt;</a:t>
-            </a:r>
-            <a:r>
-              <a:rPr lang="en-US" dirty="0" err="1"/>
-              <a:t>tbody</a:t>
-            </a:r>
-            <a:r>
-              <a:rPr lang="en-US" dirty="0"/>
-              <a:t>&gt;" &amp; </a:t>
-            </a:r>
-            <a:r>
-              <a:rPr lang="en-US" dirty="0" err="1"/>
-              <a:t>vbCrLf</a:t>
-            </a:r>
-            <a:r>
-              <a:rPr lang="en-US" dirty="0"/>
-              <a:t> &amp; "        &lt;tr&gt;" &amp; </a:t>
-            </a:r>
-            <a:r>
-              <a:rPr lang="en-US" dirty="0" err="1"/>
-              <a:t>vbCrLf</a:t>
-            </a:r>
-            <a:r>
-              <a:rPr lang="en-US" dirty="0"/>
-              <a:t> &amp; _</a:t>
-            </a:r>
-          </a:p>
-          <a:p>
-            <a:r>
-              <a:rPr lang="en-US" dirty="0"/>
-              <a:t>        "          &lt;td&gt;" &amp; </a:t>
-            </a:r>
-            <a:r>
-              <a:rPr lang="en-US" dirty="0" err="1"/>
-              <a:t>entryId</a:t>
-            </a:r>
-            <a:r>
-              <a:rPr lang="en-US" dirty="0"/>
-              <a:t> &amp; "&lt;/td&gt;" &amp; </a:t>
-            </a:r>
-            <a:r>
-              <a:rPr lang="en-US" dirty="0" err="1"/>
-              <a:t>vbCrLf</a:t>
-            </a:r>
-            <a:endParaRPr lang="en-US" dirty="0"/>
-          </a:p>
-          <a:p>
-            <a:r>
-              <a:rPr lang="en-US" dirty="0"/>
-              <a:t>    For </a:t>
-            </a:r>
-            <a:r>
-              <a:rPr lang="en-US" dirty="0" err="1"/>
-              <a:t>i</a:t>
-            </a:r>
-            <a:r>
-              <a:rPr lang="en-US" dirty="0"/>
-              <a:t> = 1 To </a:t>
-            </a:r>
-            <a:r>
-              <a:rPr lang="en-US" dirty="0" err="1"/>
-              <a:t>UBound</a:t>
-            </a:r>
-            <a:r>
-              <a:rPr lang="en-US" dirty="0"/>
-              <a:t>(</a:t>
-            </a:r>
-            <a:r>
-              <a:rPr lang="en-US" dirty="0" err="1"/>
-              <a:t>formData</a:t>
-            </a:r>
-            <a:r>
-              <a:rPr lang="en-US" dirty="0"/>
-              <a:t>)</a:t>
-            </a:r>
-          </a:p>
-          <a:p>
-            <a:r>
-              <a:rPr lang="en-US" dirty="0"/>
-              <a:t>        </a:t>
-            </a:r>
-            <a:r>
-              <a:rPr lang="en-US" dirty="0" err="1"/>
-              <a:t>htmlBody</a:t>
-            </a:r>
-            <a:r>
-              <a:rPr lang="en-US" dirty="0"/>
-              <a:t> = </a:t>
-            </a:r>
-            <a:r>
-              <a:rPr lang="en-US" dirty="0" err="1"/>
-              <a:t>htmlBody</a:t>
-            </a:r>
-            <a:r>
-              <a:rPr lang="en-US" dirty="0"/>
-              <a:t> &amp; "          &lt;td&gt;" &amp; </a:t>
-            </a:r>
-            <a:r>
-              <a:rPr lang="en-US" dirty="0" err="1"/>
-              <a:t>formData</a:t>
-            </a:r>
-            <a:r>
-              <a:rPr lang="en-US" dirty="0"/>
-              <a:t>(</a:t>
-            </a:r>
-            <a:r>
-              <a:rPr lang="en-US" dirty="0" err="1"/>
-              <a:t>i</a:t>
-            </a:r>
-            <a:r>
-              <a:rPr lang="en-US" dirty="0"/>
-              <a:t>) &amp; "&lt;/td&gt;" &amp; </a:t>
-            </a:r>
-            <a:r>
-              <a:rPr lang="en-US" dirty="0" err="1"/>
-              <a:t>vbCrLf</a:t>
-            </a:r>
-            <a:endParaRPr lang="en-US" dirty="0"/>
-          </a:p>
-          <a:p>
-            <a:r>
-              <a:rPr lang="en-US" dirty="0"/>
-              <a:t>    Next </a:t>
-            </a:r>
-            <a:r>
-              <a:rPr lang="en-US" dirty="0" err="1"/>
-              <a:t>i</a:t>
-            </a:r>
-            <a:endParaRPr lang="en-US" dirty="0"/>
-          </a:p>
-          <a:p>
-            <a:r>
-              <a:rPr lang="en-US" dirty="0"/>
-              <a:t>    </a:t>
-            </a:r>
-            <a:r>
-              <a:rPr lang="en-US" dirty="0" err="1"/>
-              <a:t>htmlBody</a:t>
-            </a:r>
-            <a:r>
-              <a:rPr lang="en-US" dirty="0"/>
-              <a:t> = </a:t>
-            </a:r>
-            <a:r>
-              <a:rPr lang="en-US" dirty="0" err="1"/>
-              <a:t>htmlBody</a:t>
-            </a:r>
-            <a:r>
-              <a:rPr lang="en-US" dirty="0"/>
-              <a:t> &amp; "        &lt;/tr&gt;" &amp; </a:t>
-            </a:r>
-            <a:r>
-              <a:rPr lang="en-US" dirty="0" err="1"/>
-              <a:t>vbCrLf</a:t>
-            </a:r>
-            <a:r>
-              <a:rPr lang="en-US" dirty="0"/>
-              <a:t> &amp; "      &lt;/</a:t>
-            </a:r>
-            <a:r>
-              <a:rPr lang="en-US" dirty="0" err="1"/>
-              <a:t>tbody</a:t>
-            </a:r>
-            <a:r>
-              <a:rPr lang="en-US" dirty="0"/>
-              <a:t>&gt;" &amp; </a:t>
-            </a:r>
-            <a:r>
-              <a:rPr lang="en-US" dirty="0" err="1"/>
-              <a:t>vbCrLf</a:t>
-            </a:r>
-            <a:r>
-              <a:rPr lang="en-US" dirty="0"/>
-              <a:t> &amp; _</a:t>
-            </a:r>
-          </a:p>
-          <a:p>
-            <a:r>
-              <a:rPr lang="en-US" dirty="0"/>
-              <a:t>        "    &lt;/table&gt;" &amp; </a:t>
-            </a:r>
-            <a:r>
-              <a:rPr lang="en-US" dirty="0" err="1"/>
-              <a:t>vbCrLf</a:t>
-            </a:r>
-            <a:r>
-              <a:rPr lang="en-US" dirty="0"/>
-              <a:t> &amp; _</a:t>
-            </a:r>
-          </a:p>
-          <a:p>
-            <a:r>
-              <a:rPr lang="en-US" dirty="0"/>
-              <a:t>        "    &lt;div class='footer'&gt;" &amp; </a:t>
-            </a:r>
-            <a:r>
-              <a:rPr lang="en-US" dirty="0" err="1"/>
-              <a:t>vbCrLf</a:t>
-            </a:r>
-            <a:r>
-              <a:rPr lang="en-US" dirty="0"/>
-              <a:t> &amp; _</a:t>
-            </a:r>
-          </a:p>
-          <a:p>
-            <a:r>
-              <a:rPr lang="en-US" dirty="0"/>
-              <a:t>        "      &lt;p&gt;This is an automated message. Please do not reply.&lt;/p&gt;" &amp; </a:t>
-            </a:r>
-            <a:r>
-              <a:rPr lang="en-US" dirty="0" err="1"/>
-              <a:t>vbCrLf</a:t>
-            </a:r>
-            <a:r>
-              <a:rPr lang="en-US" dirty="0"/>
-              <a:t> &amp; _</a:t>
-            </a:r>
-          </a:p>
-          <a:p>
-            <a:r>
-              <a:rPr lang="en-US" dirty="0"/>
-              <a:t>        "    &lt;/div&gt;" &amp; </a:t>
-            </a:r>
-            <a:r>
-              <a:rPr lang="en-US" dirty="0" err="1"/>
-              <a:t>vbCrLf</a:t>
-            </a:r>
-            <a:r>
-              <a:rPr lang="en-US" dirty="0"/>
-              <a:t> &amp; _</a:t>
-            </a:r>
-          </a:p>
-          <a:p>
-            <a:r>
-              <a:rPr lang="en-US" dirty="0"/>
-              <a:t>        "  &lt;/div&gt;" &amp; </a:t>
-            </a:r>
-            <a:r>
-              <a:rPr lang="en-US" dirty="0" err="1"/>
-              <a:t>vbCrLf</a:t>
-            </a:r>
-            <a:r>
-              <a:rPr lang="en-US" dirty="0"/>
-              <a:t> &amp; _</a:t>
-            </a:r>
-          </a:p>
-          <a:p>
-            <a:r>
-              <a:rPr lang="en-US" dirty="0"/>
-              <a:t>        "&lt;/body&gt;" &amp; </a:t>
-            </a:r>
-            <a:r>
-              <a:rPr lang="en-US" dirty="0" err="1"/>
-              <a:t>vbCrLf</a:t>
-            </a:r>
-            <a:r>
-              <a:rPr lang="en-US" dirty="0"/>
-              <a:t> &amp; _</a:t>
-            </a:r>
-          </a:p>
-          <a:p>
-            <a:r>
-              <a:rPr lang="en-US" dirty="0"/>
-              <a:t>        "&lt;/html&gt;"</a:t>
-            </a:r>
-          </a:p>
-          <a:p>
-            <a:r>
-              <a:rPr lang="en-US" dirty="0"/>
-              <a:t>    </a:t>
-            </a:r>
-          </a:p>
-          <a:p>
-            <a:r>
-              <a:rPr lang="en-US" dirty="0"/>
-              <a:t>    </a:t>
-            </a:r>
-            <a:r>
-              <a:rPr lang="en-US" dirty="0" err="1"/>
-              <a:t>BuildNewEntryEmailBody</a:t>
-            </a:r>
-            <a:r>
-              <a:rPr lang="en-US" dirty="0"/>
-              <a:t> = </a:t>
-            </a:r>
-            <a:r>
-              <a:rPr lang="en-US" dirty="0" err="1"/>
-              <a:t>htmlBody</a:t>
-            </a:r>
-            <a:endParaRPr lang="en-US" dirty="0"/>
-          </a:p>
-          <a:p>
-            <a:r>
-              <a:rPr lang="en-US" dirty="0"/>
-              <a:t>End Function</a:t>
-            </a:r>
-          </a:p>
-          <a:p>
-            <a:endParaRPr lang="en-US" dirty="0"/>
-          </a:p>
-          <a:p>
-            <a:endParaRPr lang="en-US" dirty="0"/>
-          </a:p>
-          <a:p>
-            <a:endParaRPr lang="en-US" dirty="0"/>
-          </a:p>
-          <a:p>
-            <a:r>
-              <a:rPr lang="en-US" dirty="0"/>
-              <a:t>Private Function </a:t>
-            </a:r>
-            <a:r>
-              <a:rPr lang="en-US" dirty="0" err="1"/>
-              <a:t>BuildNewEntryEmailBody</a:t>
-            </a:r>
-            <a:r>
-              <a:rPr lang="en-US" dirty="0"/>
-              <a:t>(</a:t>
-            </a:r>
-            <a:r>
-              <a:rPr lang="en-US" dirty="0" err="1"/>
-              <a:t>entryId</a:t>
-            </a:r>
-            <a:r>
-              <a:rPr lang="en-US" dirty="0"/>
-              <a:t> As Long, </a:t>
-            </a:r>
-            <a:r>
-              <a:rPr lang="en-US" dirty="0" err="1"/>
-              <a:t>formData</a:t>
-            </a:r>
-            <a:r>
-              <a:rPr lang="en-US" dirty="0"/>
-              <a:t> As Variant, </a:t>
-            </a:r>
-            <a:r>
-              <a:rPr lang="en-US" dirty="0" err="1"/>
-              <a:t>dataHeaders</a:t>
-            </a:r>
-            <a:r>
-              <a:rPr lang="en-US" dirty="0"/>
-              <a:t> As Variant) As String</a:t>
-            </a:r>
-          </a:p>
-          <a:p>
-            <a:r>
-              <a:rPr lang="en-US" dirty="0"/>
-              <a:t>    Dim </a:t>
-            </a:r>
-            <a:r>
-              <a:rPr lang="en-US" dirty="0" err="1"/>
-              <a:t>htmlBody</a:t>
-            </a:r>
-            <a:r>
-              <a:rPr lang="en-US" dirty="0"/>
-              <a:t> As String</a:t>
-            </a:r>
-          </a:p>
-          <a:p>
-            <a:r>
-              <a:rPr lang="en-US" dirty="0"/>
-              <a:t>    Dim </a:t>
-            </a:r>
-            <a:r>
-              <a:rPr lang="en-US" dirty="0" err="1"/>
-              <a:t>i</a:t>
-            </a:r>
-            <a:r>
-              <a:rPr lang="en-US" dirty="0"/>
-              <a:t> As Long</a:t>
-            </a:r>
-          </a:p>
-          <a:p>
-            <a:r>
-              <a:rPr lang="en-US" dirty="0"/>
-              <a:t>    </a:t>
-            </a:r>
-          </a:p>
-          <a:p>
-            <a:r>
-              <a:rPr lang="en-US" dirty="0"/>
-              <a:t>    </a:t>
-            </a:r>
-            <a:r>
-              <a:rPr lang="en-US" dirty="0" err="1"/>
-              <a:t>htmlBody</a:t>
-            </a:r>
-            <a:r>
-              <a:rPr lang="en-US" dirty="0"/>
-              <a:t> = "&lt;html&gt;" &amp; </a:t>
-            </a:r>
-            <a:r>
-              <a:rPr lang="en-US" dirty="0" err="1"/>
-              <a:t>vbCrLf</a:t>
-            </a:r>
-            <a:r>
-              <a:rPr lang="en-US" dirty="0"/>
-              <a:t> &amp; _</a:t>
-            </a:r>
-          </a:p>
-          <a:p>
-            <a:r>
-              <a:rPr lang="en-US" dirty="0"/>
-              <a:t>        "&lt;head&gt;" &amp; </a:t>
-            </a:r>
-            <a:r>
-              <a:rPr lang="en-US" dirty="0" err="1"/>
-              <a:t>vbCrLf</a:t>
-            </a:r>
-            <a:r>
-              <a:rPr lang="en-US" dirty="0"/>
-              <a:t> &amp; _</a:t>
-            </a:r>
-          </a:p>
-          <a:p>
-            <a:r>
-              <a:rPr lang="en-US" dirty="0"/>
-              <a:t>        "  &lt;meta charset='UTF-8'&gt;" &amp; </a:t>
-            </a:r>
-            <a:r>
-              <a:rPr lang="en-US" dirty="0" err="1"/>
-              <a:t>vbCrLf</a:t>
-            </a:r>
-            <a:r>
-              <a:rPr lang="en-US" dirty="0"/>
-              <a:t> &amp; _</a:t>
-            </a:r>
-          </a:p>
-          <a:p>
-            <a:r>
-              <a:rPr lang="en-US" dirty="0"/>
-              <a:t>        "  &lt;title&gt;New Intake Submission&lt;/title&gt;" &amp; </a:t>
-            </a:r>
-            <a:r>
-              <a:rPr lang="en-US" dirty="0" err="1"/>
-              <a:t>vbCrLf</a:t>
-            </a:r>
-            <a:r>
-              <a:rPr lang="en-US" dirty="0"/>
-              <a:t> &amp; _</a:t>
-            </a:r>
-          </a:p>
-          <a:p>
-            <a:r>
-              <a:rPr lang="en-US" dirty="0"/>
-              <a:t>        "  &lt;style&gt;" &amp; </a:t>
-            </a:r>
-            <a:r>
-              <a:rPr lang="en-US" dirty="0" err="1"/>
-              <a:t>vbCrLf</a:t>
-            </a:r>
-            <a:r>
-              <a:rPr lang="en-US" dirty="0"/>
-              <a:t> &amp; _</a:t>
-            </a:r>
-          </a:p>
-          <a:p>
-            <a:r>
-              <a:rPr lang="en-US" dirty="0"/>
-              <a:t>        "    :root { --primary: #2563eb; --secondary: #1e40af; }" &amp; </a:t>
-            </a:r>
-            <a:r>
-              <a:rPr lang="en-US" dirty="0" err="1"/>
-              <a:t>vbCrLf</a:t>
-            </a:r>
-            <a:r>
-              <a:rPr lang="en-US" dirty="0"/>
-              <a:t> &amp; _</a:t>
-            </a:r>
-          </a:p>
-          <a:p>
-            <a:r>
-              <a:rPr lang="en-US" dirty="0"/>
-              <a:t>        "    body { font-family: -apple-system, </a:t>
-            </a:r>
-            <a:r>
-              <a:rPr lang="en-US" dirty="0" err="1"/>
-              <a:t>BlinkMacSystemFont</a:t>
-            </a:r>
-            <a:r>
-              <a:rPr lang="en-US" dirty="0"/>
-              <a:t>, 'Segoe UI', Roboto, 'Helvetica Neue', sans-serif; line-height: 1.6; background-color: #f3f4f6; margin: 0; padding: 40px 20px; color: #1f2937; }" &amp; </a:t>
-            </a:r>
-            <a:r>
-              <a:rPr lang="en-US" dirty="0" err="1"/>
-              <a:t>vbCrLf</a:t>
-            </a:r>
-            <a:r>
-              <a:rPr lang="en-US" dirty="0"/>
-              <a:t> &amp; _</a:t>
-            </a:r>
-          </a:p>
-          <a:p>
-            <a:r>
-              <a:rPr lang="en-US" dirty="0"/>
-              <a:t>        "    .container { max-width: 680px; margin: auto; background: #ffffff; padding: 32px; border-radius: 12px; box-shadow: 0 4px 6px -1px </a:t>
-            </a:r>
-            <a:r>
-              <a:rPr lang="en-US" dirty="0" err="1"/>
-              <a:t>rgba</a:t>
-            </a:r>
-            <a:r>
-              <a:rPr lang="en-US" dirty="0"/>
-              <a:t>(0,0,0,0.1), 0 2px 4px -1px </a:t>
-            </a:r>
-            <a:r>
-              <a:rPr lang="en-US" dirty="0" err="1"/>
-              <a:t>rgba</a:t>
-            </a:r>
-            <a:r>
-              <a:rPr lang="en-US" dirty="0"/>
-              <a:t>(0,0,0,0.06); }" &amp; </a:t>
-            </a:r>
-            <a:r>
-              <a:rPr lang="en-US" dirty="0" err="1"/>
-              <a:t>vbCrLf</a:t>
-            </a:r>
-            <a:r>
-              <a:rPr lang="en-US" dirty="0"/>
-              <a:t> &amp; _</a:t>
-            </a:r>
-          </a:p>
-          <a:p>
-            <a:r>
-              <a:rPr lang="en-US" dirty="0"/>
-              <a:t>        "    .header { margin-bottom: 32px; padding-bottom: 24px; border-bottom: 2px solid #e5e7eb; }" &amp; </a:t>
-            </a:r>
-            <a:r>
-              <a:rPr lang="en-US" dirty="0" err="1"/>
-              <a:t>vbCrLf</a:t>
-            </a:r>
-            <a:r>
-              <a:rPr lang="en-US" dirty="0"/>
-              <a:t> &amp; _</a:t>
-            </a:r>
-          </a:p>
-          <a:p>
-            <a:r>
-              <a:rPr lang="en-US" dirty="0"/>
-              <a:t>        "    h2 { color: var(--primary); font-size: 24px; font-weight: 600; margin: 0 0 8px 0; }" &amp; </a:t>
-            </a:r>
-            <a:r>
-              <a:rPr lang="en-US" dirty="0" err="1"/>
-              <a:t>vbCrLf</a:t>
-            </a:r>
-            <a:r>
-              <a:rPr lang="en-US" dirty="0"/>
-              <a:t> &amp; _</a:t>
-            </a:r>
-          </a:p>
-          <a:p>
-            <a:r>
-              <a:rPr lang="en-US" dirty="0"/>
-              <a:t>        "    .entry-badge { display: inline-block; background-color: #dbeafe; color: var(--primary); font-weight: 500; padding: 6px 12px; border-radius: 6px; font-size: 14px; margin-top: 12px; }" &amp; </a:t>
-            </a:r>
-            <a:r>
-              <a:rPr lang="en-US" dirty="0" err="1"/>
-              <a:t>vbCrLf</a:t>
-            </a:r>
-            <a:r>
-              <a:rPr lang="en-US" dirty="0"/>
-              <a:t> &amp; _</a:t>
-            </a:r>
-          </a:p>
-          <a:p>
-            <a:r>
-              <a:rPr lang="en-US" dirty="0"/>
-              <a:t>        "    p { color: #4b5563; font-size: 15px; margin: 0 0 24px 0; }" &amp; </a:t>
-            </a:r>
-            <a:r>
-              <a:rPr lang="en-US" dirty="0" err="1"/>
-              <a:t>vbCrLf</a:t>
-            </a:r>
-            <a:r>
-              <a:rPr lang="en-US" dirty="0"/>
-              <a:t> &amp; _</a:t>
-            </a:r>
-          </a:p>
-          <a:p>
-            <a:r>
-              <a:rPr lang="en-US" dirty="0"/>
-              <a:t>        "    table { width: 100%; border-collapse: separate; border-spacing: 0; margin: 0; border-radius: 8px; overflow: hidden; box-shadow: 0 1px 3px 0 </a:t>
-            </a:r>
-            <a:r>
-              <a:rPr lang="en-US" dirty="0" err="1"/>
-              <a:t>rgba</a:t>
-            </a:r>
-            <a:r>
-              <a:rPr lang="en-US" dirty="0"/>
-              <a:t>(0,0,0,0.1); }" &amp; </a:t>
-            </a:r>
-            <a:r>
-              <a:rPr lang="en-US" dirty="0" err="1"/>
-              <a:t>vbCrLf</a:t>
-            </a:r>
-            <a:r>
-              <a:rPr lang="en-US" dirty="0"/>
-              <a:t> &amp; _</a:t>
-            </a:r>
-          </a:p>
-          <a:p>
-            <a:r>
-              <a:rPr lang="en-US" dirty="0"/>
-              <a:t>        "    </a:t>
-            </a:r>
-            <a:r>
-              <a:rPr lang="en-US" dirty="0" err="1"/>
-              <a:t>th</a:t>
-            </a:r>
-            <a:r>
-              <a:rPr lang="en-US" dirty="0"/>
-              <a:t>, td { padding: 16px; text-align: left; border-bottom: 1px solid #e5e7eb; }" &amp; </a:t>
-            </a:r>
-            <a:r>
-              <a:rPr lang="en-US" dirty="0" err="1"/>
-              <a:t>vbCrLf</a:t>
-            </a:r>
-            <a:r>
-              <a:rPr lang="en-US" dirty="0"/>
-              <a:t> &amp; _</a:t>
-            </a:r>
-          </a:p>
-          <a:p>
-            <a:r>
-              <a:rPr lang="en-US" dirty="0"/>
-              <a:t>        "    </a:t>
-            </a:r>
-            <a:r>
-              <a:rPr lang="en-US" dirty="0" err="1"/>
-              <a:t>th</a:t>
-            </a:r>
-            <a:r>
-              <a:rPr lang="en-US" dirty="0"/>
-              <a:t> { background-color: var(--primary); color: #ffffff; font-weight: 500; font-size: 14px; text-transform: uppercase; letter-spacing: 0.05em; }" &amp; </a:t>
-            </a:r>
-            <a:r>
-              <a:rPr lang="en-US" dirty="0" err="1"/>
-              <a:t>vbCrLf</a:t>
-            </a:r>
-            <a:r>
-              <a:rPr lang="en-US" dirty="0"/>
-              <a:t> &amp; _</a:t>
-            </a:r>
-          </a:p>
-          <a:p>
-            <a:r>
-              <a:rPr lang="en-US" dirty="0"/>
-              <a:t>        "    </a:t>
-            </a:r>
-            <a:r>
-              <a:rPr lang="en-US" dirty="0" err="1"/>
-              <a:t>tr:last-child</a:t>
-            </a:r>
-            <a:r>
-              <a:rPr lang="en-US" dirty="0"/>
-              <a:t> td { border-bottom: none; }" &amp; </a:t>
-            </a:r>
-            <a:r>
-              <a:rPr lang="en-US" dirty="0" err="1"/>
-              <a:t>vbCrLf</a:t>
-            </a:r>
-            <a:r>
-              <a:rPr lang="en-US" dirty="0"/>
-              <a:t> &amp; _</a:t>
-            </a:r>
-          </a:p>
-          <a:p>
-            <a:r>
-              <a:rPr lang="en-US" dirty="0"/>
-              <a:t>        "    td { background-color: #ffffff; color: #374151; font-size: 14px; }" &amp; </a:t>
-            </a:r>
-            <a:r>
-              <a:rPr lang="en-US" dirty="0" err="1"/>
-              <a:t>vbCrLf</a:t>
-            </a:r>
-            <a:r>
-              <a:rPr lang="en-US" dirty="0"/>
-              <a:t> &amp; _</a:t>
-            </a:r>
-          </a:p>
-          <a:p>
-            <a:r>
-              <a:rPr lang="en-US" dirty="0"/>
-              <a:t>        "    </a:t>
-            </a:r>
-            <a:r>
-              <a:rPr lang="en-US" dirty="0" err="1"/>
-              <a:t>tr:hover</a:t>
-            </a:r>
-            <a:r>
-              <a:rPr lang="en-US" dirty="0"/>
-              <a:t> td { background-color: #f9fafb; transition: background-color 0.2s ease; }" &amp; </a:t>
-            </a:r>
-            <a:r>
-              <a:rPr lang="en-US" dirty="0" err="1"/>
-              <a:t>vbCrLf</a:t>
-            </a:r>
-            <a:r>
-              <a:rPr lang="en-US" dirty="0"/>
-              <a:t> &amp; _</a:t>
-            </a:r>
-          </a:p>
-          <a:p>
-            <a:r>
-              <a:rPr lang="en-US" dirty="0"/>
-              <a:t>        "    .footer { margin-top: 32px; padding-top: 24px; border-top: 2px solid #e5e7eb; text-align: center; }" &amp; </a:t>
-            </a:r>
-            <a:r>
-              <a:rPr lang="en-US" dirty="0" err="1"/>
-              <a:t>vbCrLf</a:t>
-            </a:r>
-            <a:r>
-              <a:rPr lang="en-US" dirty="0"/>
-              <a:t> &amp; _</a:t>
-            </a:r>
-          </a:p>
-          <a:p>
-            <a:r>
-              <a:rPr lang="en-US" dirty="0"/>
-              <a:t>        "    .footer p { color: #6b7280; font-size: 13px; margin: 0; }" &amp; </a:t>
-            </a:r>
-            <a:r>
-              <a:rPr lang="en-US" dirty="0" err="1"/>
-              <a:t>vbCrLf</a:t>
-            </a:r>
-            <a:r>
-              <a:rPr lang="en-US" dirty="0"/>
-              <a:t> &amp; _</a:t>
-            </a:r>
-          </a:p>
-          <a:p>
-            <a:r>
-              <a:rPr lang="en-US" dirty="0"/>
-              <a:t>        "    @media (max-width: 640px) { " &amp; </a:t>
-            </a:r>
-            <a:r>
-              <a:rPr lang="en-US" dirty="0" err="1"/>
-              <a:t>vbCrLf</a:t>
-            </a:r>
-            <a:r>
-              <a:rPr lang="en-US" dirty="0"/>
-              <a:t> &amp; _</a:t>
-            </a:r>
-          </a:p>
-          <a:p>
-            <a:r>
-              <a:rPr lang="en-US" dirty="0"/>
-              <a:t>        "      .container { padding: 24px 16px; }" &amp; </a:t>
-            </a:r>
-            <a:r>
-              <a:rPr lang="en-US" dirty="0" err="1"/>
-              <a:t>vbCrLf</a:t>
-            </a:r>
-            <a:r>
-              <a:rPr lang="en-US" dirty="0"/>
-              <a:t> &amp; _</a:t>
-            </a:r>
-          </a:p>
-          <a:p>
-            <a:r>
-              <a:rPr lang="en-US" dirty="0"/>
-              <a:t>        "      </a:t>
-            </a:r>
-            <a:r>
-              <a:rPr lang="en-US" dirty="0" err="1"/>
-              <a:t>th</a:t>
-            </a:r>
-            <a:r>
-              <a:rPr lang="en-US" dirty="0"/>
-              <a:t>, td { padding: 12px; font-size: 13px; }" &amp; </a:t>
-            </a:r>
-            <a:r>
-              <a:rPr lang="en-US" dirty="0" err="1"/>
-              <a:t>vbCrLf</a:t>
-            </a:r>
-            <a:r>
-              <a:rPr lang="en-US" dirty="0"/>
-              <a:t> &amp; _</a:t>
-            </a:r>
-          </a:p>
-          <a:p>
-            <a:r>
-              <a:rPr lang="en-US" dirty="0"/>
-              <a:t>        "    }" &amp; </a:t>
-            </a:r>
-            <a:r>
-              <a:rPr lang="en-US" dirty="0" err="1"/>
-              <a:t>vbCrLf</a:t>
-            </a:r>
-            <a:r>
-              <a:rPr lang="en-US" dirty="0"/>
-              <a:t> &amp; _</a:t>
-            </a:r>
-          </a:p>
-          <a:p>
-            <a:r>
-              <a:rPr lang="en-US" dirty="0"/>
-              <a:t>        "  &lt;/style&gt;" &amp; </a:t>
-            </a:r>
-            <a:r>
-              <a:rPr lang="en-US" dirty="0" err="1"/>
-              <a:t>vbCrLf</a:t>
-            </a:r>
-            <a:r>
-              <a:rPr lang="en-US" dirty="0"/>
-              <a:t> &amp; _</a:t>
-            </a:r>
-          </a:p>
-          <a:p>
-            <a:r>
-              <a:rPr lang="en-US" dirty="0"/>
-              <a:t>        "&lt;/head&gt;" &amp; </a:t>
-            </a:r>
-            <a:r>
-              <a:rPr lang="en-US" dirty="0" err="1"/>
-              <a:t>vbCrLf</a:t>
-            </a:r>
-            <a:r>
-              <a:rPr lang="en-US" dirty="0"/>
-              <a:t> &amp; _</a:t>
-            </a:r>
-          </a:p>
-          <a:p>
-            <a:r>
-              <a:rPr lang="en-US" dirty="0"/>
-              <a:t>        "&lt;body&gt;" &amp; </a:t>
-            </a:r>
-            <a:r>
-              <a:rPr lang="en-US" dirty="0" err="1"/>
-              <a:t>vbCrLf</a:t>
-            </a:r>
-            <a:r>
-              <a:rPr lang="en-US" dirty="0"/>
-              <a:t> &amp; _</a:t>
-            </a:r>
-          </a:p>
-          <a:p>
-            <a:r>
-              <a:rPr lang="en-US" dirty="0"/>
-              <a:t>        "  &lt;div class='container'&gt;" &amp; </a:t>
-            </a:r>
-            <a:r>
-              <a:rPr lang="en-US" dirty="0" err="1"/>
-              <a:t>vbCrLf</a:t>
-            </a:r>
-            <a:r>
-              <a:rPr lang="en-US" dirty="0"/>
-              <a:t> &amp; _</a:t>
-            </a:r>
-          </a:p>
-          <a:p>
-            <a:r>
-              <a:rPr lang="en-US" dirty="0"/>
-              <a:t>        "    &lt;div class='header'&gt;" &amp; </a:t>
-            </a:r>
-            <a:r>
-              <a:rPr lang="en-US" dirty="0" err="1"/>
-              <a:t>vbCrLf</a:t>
-            </a:r>
-            <a:r>
-              <a:rPr lang="en-US" dirty="0"/>
-              <a:t> &amp; _</a:t>
-            </a:r>
-          </a:p>
-          <a:p>
-            <a:r>
-              <a:rPr lang="en-US" dirty="0"/>
-              <a:t>        "      &lt;h2&gt;New Intake Form Submission&lt;/h2&gt;" &amp; </a:t>
-            </a:r>
-            <a:r>
-              <a:rPr lang="en-US" dirty="0" err="1"/>
-              <a:t>vbCrLf</a:t>
-            </a:r>
-            <a:r>
-              <a:rPr lang="en-US" dirty="0"/>
-              <a:t> &amp; _</a:t>
-            </a:r>
-          </a:p>
-          <a:p>
-            <a:r>
-              <a:rPr lang="en-US" dirty="0"/>
-              <a:t>        "      &lt;div class='entry-badge'&gt;Entry ID: " &amp; </a:t>
-            </a:r>
-            <a:r>
-              <a:rPr lang="en-US" dirty="0" err="1"/>
-              <a:t>entryId</a:t>
-            </a:r>
-            <a:r>
-              <a:rPr lang="en-US" dirty="0"/>
-              <a:t> &amp; "&lt;/div&gt;" &amp; </a:t>
-            </a:r>
-            <a:r>
-              <a:rPr lang="en-US" dirty="0" err="1"/>
-              <a:t>vbCrLf</a:t>
-            </a:r>
-            <a:r>
-              <a:rPr lang="en-US" dirty="0"/>
-              <a:t> &amp; _</a:t>
-            </a:r>
-          </a:p>
-          <a:p>
-            <a:r>
-              <a:rPr lang="en-US" dirty="0"/>
-              <a:t>        "    &lt;/div&gt;" &amp; </a:t>
-            </a:r>
-            <a:r>
-              <a:rPr lang="en-US" dirty="0" err="1"/>
-              <a:t>vbCrLf</a:t>
-            </a:r>
-            <a:r>
-              <a:rPr lang="en-US" dirty="0"/>
-              <a:t> &amp; _</a:t>
-            </a:r>
-          </a:p>
-          <a:p>
-            <a:r>
-              <a:rPr lang="en-US" dirty="0"/>
-              <a:t>        "    &lt;p&gt;A new entry has been recorded with the following details:&lt;/p&gt;" &amp; </a:t>
-            </a:r>
-            <a:r>
-              <a:rPr lang="en-US" dirty="0" err="1"/>
-              <a:t>vbCrLf</a:t>
-            </a:r>
-            <a:r>
-              <a:rPr lang="en-US" dirty="0"/>
-              <a:t> &amp; _</a:t>
-            </a:r>
-          </a:p>
-          <a:p>
-            <a:r>
-              <a:rPr lang="en-US" dirty="0"/>
-              <a:t>        "    &lt;table&gt;" &amp; </a:t>
-            </a:r>
-            <a:r>
-              <a:rPr lang="en-US" dirty="0" err="1"/>
-              <a:t>vbCrLf</a:t>
-            </a:r>
-            <a:r>
-              <a:rPr lang="en-US" dirty="0"/>
-              <a:t> &amp; _</a:t>
-            </a:r>
-          </a:p>
-          <a:p>
-            <a:r>
-              <a:rPr lang="en-US" dirty="0"/>
-              <a:t>        "      &lt;</a:t>
-            </a:r>
-            <a:r>
-              <a:rPr lang="en-US" dirty="0" err="1"/>
-              <a:t>thead</a:t>
-            </a:r>
-            <a:r>
-              <a:rPr lang="en-US" dirty="0"/>
-              <a:t>&gt;" &amp; </a:t>
-            </a:r>
-            <a:r>
-              <a:rPr lang="en-US" dirty="0" err="1"/>
-              <a:t>vbCrLf</a:t>
-            </a:r>
-            <a:r>
-              <a:rPr lang="en-US" dirty="0"/>
-              <a:t> &amp; "        &lt;tr&gt;" &amp; </a:t>
-            </a:r>
-            <a:r>
-              <a:rPr lang="en-US" dirty="0" err="1"/>
-              <a:t>vbCrLf</a:t>
-            </a:r>
-            <a:r>
-              <a:rPr lang="en-US" dirty="0"/>
-              <a:t> &amp; _</a:t>
-            </a:r>
-          </a:p>
-          <a:p>
-            <a:r>
-              <a:rPr lang="en-US" dirty="0"/>
-              <a:t>        "          &lt;</a:t>
-            </a:r>
-            <a:r>
-              <a:rPr lang="en-US" dirty="0" err="1"/>
-              <a:t>th</a:t>
-            </a:r>
-            <a:r>
-              <a:rPr lang="en-US" dirty="0"/>
-              <a:t>&gt;" &amp; </a:t>
-            </a:r>
-            <a:r>
-              <a:rPr lang="en-US" dirty="0" err="1"/>
-              <a:t>dataHeaders</a:t>
-            </a:r>
-            <a:r>
-              <a:rPr lang="en-US" dirty="0"/>
-              <a:t>(1) &amp; "&lt;/</a:t>
-            </a:r>
-            <a:r>
-              <a:rPr lang="en-US" dirty="0" err="1"/>
-              <a:t>th</a:t>
-            </a:r>
-            <a:r>
-              <a:rPr lang="en-US" dirty="0"/>
-              <a:t>&gt;"  ' "Entry #"</a:t>
-            </a:r>
-          </a:p>
-          <a:p>
-            <a:r>
-              <a:rPr lang="en-US" dirty="0"/>
-              <a:t>    </a:t>
-            </a:r>
-          </a:p>
-          <a:p>
-            <a:r>
-              <a:rPr lang="en-US" dirty="0"/>
-              <a:t>    ' Append header cells for each form field</a:t>
-            </a:r>
-          </a:p>
-          <a:p>
-            <a:r>
-              <a:rPr lang="en-US" dirty="0"/>
-              <a:t>    For </a:t>
-            </a:r>
-            <a:r>
-              <a:rPr lang="en-US" dirty="0" err="1"/>
-              <a:t>i</a:t>
-            </a:r>
-            <a:r>
-              <a:rPr lang="en-US" dirty="0"/>
-              <a:t> = 1 To </a:t>
-            </a:r>
-            <a:r>
-              <a:rPr lang="en-US" dirty="0" err="1"/>
-              <a:t>UBound</a:t>
-            </a:r>
-            <a:r>
-              <a:rPr lang="en-US" dirty="0"/>
-              <a:t>(</a:t>
-            </a:r>
-            <a:r>
-              <a:rPr lang="en-US" dirty="0" err="1"/>
-              <a:t>formData</a:t>
-            </a:r>
-            <a:r>
-              <a:rPr lang="en-US" dirty="0"/>
-              <a:t>)</a:t>
-            </a:r>
-          </a:p>
-          <a:p>
-            <a:r>
-              <a:rPr lang="en-US" dirty="0"/>
-              <a:t>        </a:t>
-            </a:r>
-            <a:r>
-              <a:rPr lang="en-US" dirty="0" err="1"/>
-              <a:t>htmlBody</a:t>
-            </a:r>
-            <a:r>
-              <a:rPr lang="en-US" dirty="0"/>
-              <a:t> = </a:t>
-            </a:r>
-            <a:r>
-              <a:rPr lang="en-US" dirty="0" err="1"/>
-              <a:t>htmlBody</a:t>
-            </a:r>
-            <a:r>
-              <a:rPr lang="en-US" dirty="0"/>
-              <a:t> &amp; "          &lt;</a:t>
-            </a:r>
-            <a:r>
-              <a:rPr lang="en-US" dirty="0" err="1"/>
-              <a:t>th</a:t>
-            </a:r>
-            <a:r>
-              <a:rPr lang="en-US" dirty="0"/>
-              <a:t>&gt;" &amp; </a:t>
-            </a:r>
-            <a:r>
-              <a:rPr lang="en-US" dirty="0" err="1"/>
-              <a:t>dataHeaders</a:t>
-            </a:r>
-            <a:r>
-              <a:rPr lang="en-US" dirty="0"/>
-              <a:t>(</a:t>
-            </a:r>
-            <a:r>
-              <a:rPr lang="en-US" dirty="0" err="1"/>
-              <a:t>i</a:t>
-            </a:r>
-            <a:r>
-              <a:rPr lang="en-US" dirty="0"/>
-              <a:t> + 1) &amp; "&lt;/</a:t>
-            </a:r>
-            <a:r>
-              <a:rPr lang="en-US" dirty="0" err="1"/>
-              <a:t>th</a:t>
-            </a:r>
-            <a:r>
-              <a:rPr lang="en-US" dirty="0"/>
-              <a:t>&gt;" &amp; </a:t>
-            </a:r>
-            <a:r>
-              <a:rPr lang="en-US" dirty="0" err="1"/>
-              <a:t>vbCrLf</a:t>
-            </a:r>
-            <a:endParaRPr lang="en-US" dirty="0"/>
-          </a:p>
-          <a:p>
-            <a:r>
-              <a:rPr lang="en-US" dirty="0"/>
-              <a:t>    Next </a:t>
-            </a:r>
-            <a:r>
-              <a:rPr lang="en-US" dirty="0" err="1"/>
-              <a:t>i</a:t>
-            </a:r>
-            <a:endParaRPr lang="en-US" dirty="0"/>
-          </a:p>
-          <a:p>
-            <a:r>
-              <a:rPr lang="en-US" dirty="0"/>
-              <a:t>    </a:t>
-            </a:r>
-          </a:p>
-          <a:p>
-            <a:r>
-              <a:rPr lang="en-US" dirty="0"/>
-              <a:t>    </a:t>
-            </a:r>
-            <a:r>
-              <a:rPr lang="en-US" dirty="0" err="1"/>
-              <a:t>htmlBody</a:t>
-            </a:r>
-            <a:r>
-              <a:rPr lang="en-US" dirty="0"/>
-              <a:t> = </a:t>
-            </a:r>
-            <a:r>
-              <a:rPr lang="en-US" dirty="0" err="1"/>
-              <a:t>htmlBody</a:t>
-            </a:r>
-            <a:r>
-              <a:rPr lang="en-US" dirty="0"/>
-              <a:t> &amp; "        &lt;/tr&gt;" &amp; </a:t>
-            </a:r>
-            <a:r>
-              <a:rPr lang="en-US" dirty="0" err="1"/>
-              <a:t>vbCrLf</a:t>
-            </a:r>
-            <a:r>
-              <a:rPr lang="en-US" dirty="0"/>
-              <a:t> &amp; "      &lt;/</a:t>
-            </a:r>
-            <a:r>
-              <a:rPr lang="en-US" dirty="0" err="1"/>
-              <a:t>thead</a:t>
-            </a:r>
-            <a:r>
-              <a:rPr lang="en-US" dirty="0"/>
-              <a:t>&gt;" &amp; </a:t>
-            </a:r>
-            <a:r>
-              <a:rPr lang="en-US" dirty="0" err="1"/>
-              <a:t>vbCrLf</a:t>
-            </a:r>
-            <a:r>
-              <a:rPr lang="en-US" dirty="0"/>
-              <a:t> &amp; _</a:t>
-            </a:r>
-          </a:p>
-          <a:p>
-            <a:r>
-              <a:rPr lang="en-US" dirty="0"/>
-              <a:t>        "      &lt;</a:t>
-            </a:r>
-            <a:r>
-              <a:rPr lang="en-US" dirty="0" err="1"/>
-              <a:t>tbody</a:t>
-            </a:r>
-            <a:r>
-              <a:rPr lang="en-US" dirty="0"/>
-              <a:t>&gt;" &amp; </a:t>
-            </a:r>
-            <a:r>
-              <a:rPr lang="en-US" dirty="0" err="1"/>
-              <a:t>vbCrLf</a:t>
-            </a:r>
-            <a:r>
-              <a:rPr lang="en-US" dirty="0"/>
-              <a:t> &amp; "        &lt;tr&gt;" &amp; </a:t>
-            </a:r>
-            <a:r>
-              <a:rPr lang="en-US" dirty="0" err="1"/>
-              <a:t>vbCrLf</a:t>
-            </a:r>
-            <a:r>
-              <a:rPr lang="en-US" dirty="0"/>
-              <a:t> &amp; _</a:t>
-            </a:r>
-          </a:p>
-          <a:p>
-            <a:r>
-              <a:rPr lang="en-US" dirty="0"/>
-              <a:t>        "          &lt;td&gt;" &amp; </a:t>
-            </a:r>
-            <a:r>
-              <a:rPr lang="en-US" dirty="0" err="1"/>
-              <a:t>entryId</a:t>
-            </a:r>
-            <a:r>
-              <a:rPr lang="en-US" dirty="0"/>
-              <a:t> &amp; "&lt;/td&gt;" &amp; </a:t>
-            </a:r>
-            <a:r>
-              <a:rPr lang="en-US" dirty="0" err="1"/>
-              <a:t>vbCrLf</a:t>
-            </a:r>
-            <a:endParaRPr lang="en-US" dirty="0"/>
-          </a:p>
-          <a:p>
-            <a:r>
-              <a:rPr lang="en-US" dirty="0"/>
-              <a:t>    </a:t>
-            </a:r>
-          </a:p>
-          <a:p>
-            <a:r>
-              <a:rPr lang="en-US" dirty="0"/>
-              <a:t>    For </a:t>
-            </a:r>
-            <a:r>
-              <a:rPr lang="en-US" dirty="0" err="1"/>
-              <a:t>i</a:t>
-            </a:r>
-            <a:r>
-              <a:rPr lang="en-US" dirty="0"/>
-              <a:t> = 1 To </a:t>
-            </a:r>
-            <a:r>
-              <a:rPr lang="en-US" dirty="0" err="1"/>
-              <a:t>UBound</a:t>
-            </a:r>
-            <a:r>
-              <a:rPr lang="en-US" dirty="0"/>
-              <a:t>(</a:t>
-            </a:r>
-            <a:r>
-              <a:rPr lang="en-US" dirty="0" err="1"/>
-              <a:t>formData</a:t>
-            </a:r>
-            <a:r>
-              <a:rPr lang="en-US" dirty="0"/>
-              <a:t>)</a:t>
-            </a:r>
-          </a:p>
-          <a:p>
-            <a:r>
-              <a:rPr lang="en-US" dirty="0"/>
-              <a:t>        </a:t>
-            </a:r>
-            <a:r>
-              <a:rPr lang="en-US" dirty="0" err="1"/>
-              <a:t>htmlBody</a:t>
-            </a:r>
-            <a:r>
-              <a:rPr lang="en-US" dirty="0"/>
-              <a:t> = </a:t>
-            </a:r>
-            <a:r>
-              <a:rPr lang="en-US" dirty="0" err="1"/>
-              <a:t>htmlBody</a:t>
-            </a:r>
-            <a:r>
-              <a:rPr lang="en-US" dirty="0"/>
-              <a:t> &amp; "          &lt;td&gt;" &amp; </a:t>
-            </a:r>
-            <a:r>
-              <a:rPr lang="en-US" dirty="0" err="1"/>
-              <a:t>formData</a:t>
-            </a:r>
-            <a:r>
-              <a:rPr lang="en-US" dirty="0"/>
-              <a:t>(</a:t>
-            </a:r>
-            <a:r>
-              <a:rPr lang="en-US" dirty="0" err="1"/>
-              <a:t>i</a:t>
-            </a:r>
-            <a:r>
-              <a:rPr lang="en-US" dirty="0"/>
-              <a:t>) &amp; "&lt;/td&gt;" &amp; </a:t>
-            </a:r>
-            <a:r>
-              <a:rPr lang="en-US" dirty="0" err="1"/>
-              <a:t>vbCrLf</a:t>
-            </a:r>
-            <a:endParaRPr lang="en-US" dirty="0"/>
-          </a:p>
-          <a:p>
-            <a:r>
-              <a:rPr lang="en-US" dirty="0"/>
-              <a:t>    Next </a:t>
-            </a:r>
-            <a:r>
-              <a:rPr lang="en-US" dirty="0" err="1"/>
-              <a:t>i</a:t>
-            </a:r>
-            <a:endParaRPr lang="en-US" dirty="0"/>
-          </a:p>
-          <a:p>
-            <a:r>
-              <a:rPr lang="en-US" dirty="0"/>
-              <a:t>    </a:t>
-            </a:r>
-          </a:p>
-          <a:p>
-            <a:r>
-              <a:rPr lang="en-US" dirty="0"/>
-              <a:t>    </a:t>
-            </a:r>
-            <a:r>
-              <a:rPr lang="en-US" dirty="0" err="1"/>
-              <a:t>htmlBody</a:t>
-            </a:r>
-            <a:r>
-              <a:rPr lang="en-US" dirty="0"/>
-              <a:t> = </a:t>
-            </a:r>
-            <a:r>
-              <a:rPr lang="en-US" dirty="0" err="1"/>
-              <a:t>htmlBody</a:t>
-            </a:r>
-            <a:r>
-              <a:rPr lang="en-US" dirty="0"/>
-              <a:t> &amp; "        &lt;/tr&gt;" &amp; </a:t>
-            </a:r>
-            <a:r>
-              <a:rPr lang="en-US" dirty="0" err="1"/>
-              <a:t>vbCrLf</a:t>
-            </a:r>
-            <a:r>
-              <a:rPr lang="en-US" dirty="0"/>
-              <a:t> &amp; "      &lt;/</a:t>
-            </a:r>
-            <a:r>
-              <a:rPr lang="en-US" dirty="0" err="1"/>
-              <a:t>tbody</a:t>
-            </a:r>
-            <a:r>
-              <a:rPr lang="en-US" dirty="0"/>
-              <a:t>&gt;" &amp; </a:t>
-            </a:r>
-            <a:r>
-              <a:rPr lang="en-US" dirty="0" err="1"/>
-              <a:t>vbCrLf</a:t>
-            </a:r>
-            <a:r>
-              <a:rPr lang="en-US" dirty="0"/>
-              <a:t> &amp; _</a:t>
-            </a:r>
-          </a:p>
-          <a:p>
-            <a:r>
-              <a:rPr lang="en-US" dirty="0"/>
-              <a:t>        "    &lt;/table&gt;" &amp; </a:t>
-            </a:r>
-            <a:r>
-              <a:rPr lang="en-US" dirty="0" err="1"/>
-              <a:t>vbCrLf</a:t>
-            </a:r>
-            <a:r>
-              <a:rPr lang="en-US" dirty="0"/>
-              <a:t> &amp; _</a:t>
-            </a:r>
-          </a:p>
-          <a:p>
-            <a:r>
-              <a:rPr lang="en-US" dirty="0"/>
-              <a:t>        "    &lt;div class='footer'&gt;" &amp; </a:t>
-            </a:r>
-            <a:r>
-              <a:rPr lang="en-US" dirty="0" err="1"/>
-              <a:t>vbCrLf</a:t>
-            </a:r>
-            <a:r>
-              <a:rPr lang="en-US" dirty="0"/>
-              <a:t> &amp; _</a:t>
-            </a:r>
-          </a:p>
-          <a:p>
-            <a:r>
-              <a:rPr lang="en-US" dirty="0"/>
-              <a:t>        "      &lt;p&gt;This is an automated message. Please do not reply.&lt;/p&gt;" &amp; </a:t>
-            </a:r>
-            <a:r>
-              <a:rPr lang="en-US" dirty="0" err="1"/>
-              <a:t>vbCrLf</a:t>
-            </a:r>
-            <a:r>
-              <a:rPr lang="en-US" dirty="0"/>
-              <a:t> &amp; _</a:t>
-            </a:r>
-          </a:p>
-          <a:p>
-            <a:r>
-              <a:rPr lang="en-US" dirty="0"/>
-              <a:t>        "    &lt;/div&gt;" &amp; </a:t>
-            </a:r>
-            <a:r>
-              <a:rPr lang="en-US" dirty="0" err="1"/>
-              <a:t>vbCrLf</a:t>
-            </a:r>
-            <a:r>
-              <a:rPr lang="en-US" dirty="0"/>
-              <a:t> &amp; _</a:t>
-            </a:r>
-          </a:p>
-          <a:p>
-            <a:r>
-              <a:rPr lang="en-US" dirty="0"/>
-              <a:t>        "  &lt;/div&gt;" &amp; </a:t>
-            </a:r>
-            <a:r>
-              <a:rPr lang="en-US" dirty="0" err="1"/>
-              <a:t>vbCrLf</a:t>
-            </a:r>
-            <a:r>
-              <a:rPr lang="en-US" dirty="0"/>
-              <a:t> &amp; _</a:t>
-            </a:r>
-          </a:p>
-          <a:p>
-            <a:r>
-              <a:rPr lang="en-US" dirty="0"/>
-              <a:t>        "&lt;/body&gt;" &amp; </a:t>
-            </a:r>
-            <a:r>
-              <a:rPr lang="en-US" dirty="0" err="1"/>
-              <a:t>vbCrLf</a:t>
-            </a:r>
-            <a:r>
-              <a:rPr lang="en-US" dirty="0"/>
-              <a:t> &amp; _</a:t>
-            </a:r>
-          </a:p>
-          <a:p>
-            <a:r>
-              <a:rPr lang="en-US" dirty="0"/>
-              <a:t>        "&lt;/html&gt;"</a:t>
-            </a:r>
-          </a:p>
-          <a:p>
-            <a:r>
-              <a:rPr lang="en-US" dirty="0"/>
-              <a:t>    </a:t>
-            </a:r>
-          </a:p>
-          <a:p>
-            <a:r>
-              <a:rPr lang="en-US" dirty="0"/>
-              <a:t>    </a:t>
-            </a:r>
-            <a:r>
-              <a:rPr lang="en-US" dirty="0" err="1"/>
-              <a:t>BuildNewEntryEmailBody</a:t>
-            </a:r>
-            <a:r>
-              <a:rPr lang="en-US" dirty="0"/>
-              <a:t> = </a:t>
-            </a:r>
-            <a:r>
-              <a:rPr lang="en-US" dirty="0" err="1"/>
-              <a:t>htmlBody</a:t>
-            </a:r>
-            <a:endParaRPr lang="en-US" dirty="0"/>
-          </a:p>
-          <a:p>
-            <a:r>
-              <a:rPr lang="en-US"/>
-              <a:t>End Function</a:t>
-            </a:r>
-          </a:p>
-          <a:p>
             <a:endParaRPr lang="en-US" dirty="0"/>
           </a:p>
         </p:txBody>
